--- a/content/a-sections/a-sec-4/Adv_Section4_Slides_PCA.pptx
+++ b/content/a-sections/a-sec-4/Adv_Section4_Slides_PCA.pptx
@@ -38,16 +38,17 @@
     <p:sldId id="283" r:id="rId32"/>
     <p:sldId id="284" r:id="rId33"/>
     <p:sldId id="285" r:id="rId34"/>
+    <p:sldId id="286" r:id="rId35"/>
   </p:sldIdLst>
   <p:sldSz cy="6858000" cx="12192000"/>
   <p:notesSz cx="6858000" cy="9144000"/>
   <p:embeddedFontLst>
     <p:embeddedFont>
       <p:font typeface="Karla"/>
-      <p:regular r:id="rId35"/>
-      <p:bold r:id="rId36"/>
-      <p:italic r:id="rId37"/>
-      <p:boldItalic r:id="rId38"/>
+      <p:regular r:id="rId36"/>
+      <p:bold r:id="rId37"/>
+      <p:italic r:id="rId38"/>
+      <p:boldItalic r:id="rId39"/>
     </p:embeddedFont>
   </p:embeddedFontLst>
   <p:defaultTextStyle>
@@ -1836,7 +1837,7 @@
   <p:cSld>
     <p:spTree>
       <p:nvGrpSpPr>
-        <p:cNvPr id="215" name="Shape 215"/>
+        <p:cNvPr id="216" name="Shape 216"/>
         <p:cNvGrpSpPr/>
         <p:nvPr/>
       </p:nvGrpSpPr>
@@ -1850,7 +1851,7 @@
       </p:grpSpPr>
       <p:sp>
         <p:nvSpPr>
-          <p:cNvPr id="216" name="Google Shape;216;g44e47b3645_0_139:notes"/>
+          <p:cNvPr id="217" name="Google Shape;217;g4506a6d214_0_201:notes"/>
           <p:cNvSpPr/>
           <p:nvPr>
             <p:ph idx="2" type="sldImg"/>
@@ -1885,7 +1886,7 @@
       </p:sp>
       <p:sp>
         <p:nvSpPr>
-          <p:cNvPr id="217" name="Google Shape;217;g44e47b3645_0_139:notes"/>
+          <p:cNvPr id="218" name="Google Shape;218;g4506a6d214_0_201:notes"/>
           <p:cNvSpPr txBox="1"/>
           <p:nvPr>
             <p:ph idx="1" type="body"/>
@@ -1916,7 +1917,8 @@
               <a:buNone/>
             </a:pPr>
             <a:r>
-              <a:t/>
+              <a:rPr lang="en-US"/>
+              <a:t>Gram-Schmidt process </a:t>
             </a:r>
             <a:endParaRPr/>
           </a:p>
@@ -1924,7 +1926,7 @@
       </p:sp>
       <p:sp>
         <p:nvSpPr>
-          <p:cNvPr id="218" name="Google Shape;218;g44e47b3645_0_139:notes"/>
+          <p:cNvPr id="219" name="Google Shape;219;g4506a6d214_0_201:notes"/>
           <p:cNvSpPr txBox="1"/>
           <p:nvPr>
             <p:ph idx="12" type="sldNum"/>
@@ -1952,6 +1954,11 @@
               <a:spcAft>
                 <a:spcPts val="0"/>
               </a:spcAft>
+              <a:buClr>
+                <a:srgbClr val="000000"/>
+              </a:buClr>
+              <a:buSzPts val="1200"/>
+              <a:buFont typeface="Arial"/>
               <a:buNone/>
             </a:pPr>
             <a:fld id="{00000000-1234-1234-1234-123412341234}" type="slidenum">
@@ -1975,7 +1982,7 @@
   <p:cSld>
     <p:spTree>
       <p:nvGrpSpPr>
-        <p:cNvPr id="228" name="Shape 228"/>
+        <p:cNvPr id="225" name="Shape 225"/>
         <p:cNvGrpSpPr/>
         <p:nvPr/>
       </p:nvGrpSpPr>
@@ -1989,7 +1996,7 @@
       </p:grpSpPr>
       <p:sp>
         <p:nvSpPr>
-          <p:cNvPr id="229" name="Google Shape;229;g4506a6d214_0_22:notes"/>
+          <p:cNvPr id="226" name="Google Shape;226;g44e47b3645_0_139:notes"/>
           <p:cNvSpPr/>
           <p:nvPr>
             <p:ph idx="2" type="sldImg"/>
@@ -2024,7 +2031,7 @@
       </p:sp>
       <p:sp>
         <p:nvSpPr>
-          <p:cNvPr id="230" name="Google Shape;230;g4506a6d214_0_22:notes"/>
+          <p:cNvPr id="227" name="Google Shape;227;g44e47b3645_0_139:notes"/>
           <p:cNvSpPr txBox="1"/>
           <p:nvPr>
             <p:ph idx="1" type="body"/>
@@ -2045,7 +2052,7 @@
           </a:bodyPr>
           <a:lstStyle/>
           <a:p>
-            <a:pPr indent="0" lvl="0" marL="0" rtl="0" algn="l">
+            <a:pPr indent="0" lvl="0" marL="457200" rtl="0" algn="l">
               <a:spcBef>
                 <a:spcPts val="0"/>
               </a:spcBef>
@@ -2055,7 +2062,12 @@
               <a:buNone/>
             </a:pPr>
             <a:r>
-              <a:t/>
+              <a:rPr lang="en-US"/>
+              <a:t>G</a:t>
+            </a:r>
+            <a:r>
+              <a:rPr lang="en-US"/>
+              <a:t>roup the terms</a:t>
             </a:r>
             <a:endParaRPr/>
           </a:p>
@@ -2063,7 +2075,7 @@
       </p:sp>
       <p:sp>
         <p:nvSpPr>
-          <p:cNvPr id="231" name="Google Shape;231;g4506a6d214_0_22:notes"/>
+          <p:cNvPr id="228" name="Google Shape;228;g44e47b3645_0_139:notes"/>
           <p:cNvSpPr txBox="1"/>
           <p:nvPr>
             <p:ph idx="12" type="sldNum"/>
@@ -2114,7 +2126,7 @@
   <p:cSld>
     <p:spTree>
       <p:nvGrpSpPr>
-        <p:cNvPr id="242" name="Shape 242"/>
+        <p:cNvPr id="239" name="Shape 239"/>
         <p:cNvGrpSpPr/>
         <p:nvPr/>
       </p:nvGrpSpPr>
@@ -2128,7 +2140,7 @@
       </p:grpSpPr>
       <p:sp>
         <p:nvSpPr>
-          <p:cNvPr id="243" name="Google Shape;243;g4506a6d214_0_75:notes"/>
+          <p:cNvPr id="240" name="Google Shape;240;g4506a6d214_0_22:notes"/>
           <p:cNvSpPr/>
           <p:nvPr>
             <p:ph idx="2" type="sldImg"/>
@@ -2163,7 +2175,7 @@
       </p:sp>
       <p:sp>
         <p:nvSpPr>
-          <p:cNvPr id="244" name="Google Shape;244;g4506a6d214_0_75:notes"/>
+          <p:cNvPr id="241" name="Google Shape;241;g4506a6d214_0_22:notes"/>
           <p:cNvSpPr txBox="1"/>
           <p:nvPr>
             <p:ph idx="1" type="body"/>
@@ -2194,7 +2206,24 @@
               <a:buNone/>
             </a:pPr>
             <a:r>
-              <a:t/>
+              <a:rPr lang="en-US"/>
+              <a:t>group the terms</a:t>
+            </a:r>
+            <a:endParaRPr/>
+          </a:p>
+          <a:p>
+            <a:pPr indent="0" lvl="0" marL="0" rtl="0" algn="l">
+              <a:spcBef>
+                <a:spcPts val="0"/>
+              </a:spcBef>
+              <a:spcAft>
+                <a:spcPts val="0"/>
+              </a:spcAft>
+              <a:buNone/>
+            </a:pPr>
+            <a:r>
+              <a:rPr lang="en-US"/>
+              <a:t>the eigenvalues are unchanged</a:t>
             </a:r>
             <a:endParaRPr/>
           </a:p>
@@ -2202,7 +2231,7 @@
       </p:sp>
       <p:sp>
         <p:nvSpPr>
-          <p:cNvPr id="245" name="Google Shape;245;g4506a6d214_0_75:notes"/>
+          <p:cNvPr id="242" name="Google Shape;242;g4506a6d214_0_22:notes"/>
           <p:cNvSpPr txBox="1"/>
           <p:nvPr>
             <p:ph idx="12" type="sldNum"/>
@@ -2253,7 +2282,7 @@
   <p:cSld>
     <p:spTree>
       <p:nvGrpSpPr>
-        <p:cNvPr id="256" name="Shape 256"/>
+        <p:cNvPr id="252" name="Shape 252"/>
         <p:cNvGrpSpPr/>
         <p:nvPr/>
       </p:nvGrpSpPr>
@@ -2267,7 +2296,146 @@
       </p:grpSpPr>
       <p:sp>
         <p:nvSpPr>
-          <p:cNvPr id="257" name="Google Shape;257;g44e47b3645_0_211:notes"/>
+          <p:cNvPr id="253" name="Google Shape;253;g4506a6d214_0_75:notes"/>
+          <p:cNvSpPr/>
+          <p:nvPr>
+            <p:ph idx="2" type="sldImg"/>
+          </p:nvPr>
+        </p:nvSpPr>
+        <p:spPr>
+          <a:xfrm>
+            <a:off x="685800" y="1143000"/>
+            <a:ext cx="5486400" cy="3086100"/>
+          </a:xfrm>
+          <a:custGeom>
+            <a:rect b="b" l="l" r="r" t="t"/>
+            <a:pathLst>
+              <a:path extrusionOk="0" h="120000" w="120000">
+                <a:moveTo>
+                  <a:pt x="0" y="0"/>
+                </a:moveTo>
+                <a:lnTo>
+                  <a:pt x="120000" y="0"/>
+                </a:lnTo>
+                <a:lnTo>
+                  <a:pt x="120000" y="120000"/>
+                </a:lnTo>
+                <a:lnTo>
+                  <a:pt x="0" y="120000"/>
+                </a:lnTo>
+                <a:close/>
+              </a:path>
+            </a:pathLst>
+          </a:custGeom>
+        </p:spPr>
+      </p:sp>
+      <p:sp>
+        <p:nvSpPr>
+          <p:cNvPr id="254" name="Google Shape;254;g4506a6d214_0_75:notes"/>
+          <p:cNvSpPr txBox="1"/>
+          <p:nvPr>
+            <p:ph idx="1" type="body"/>
+          </p:nvPr>
+        </p:nvSpPr>
+        <p:spPr>
+          <a:xfrm>
+            <a:off x="685800" y="4400550"/>
+            <a:ext cx="5486400" cy="3600600"/>
+          </a:xfrm>
+          <a:prstGeom prst="rect">
+            <a:avLst/>
+          </a:prstGeom>
+        </p:spPr>
+        <p:txBody>
+          <a:bodyPr anchorCtr="0" anchor="t" bIns="45700" lIns="91425" spcFirstLastPara="1" rIns="91425" wrap="square" tIns="45700">
+            <a:noAutofit/>
+          </a:bodyPr>
+          <a:lstStyle/>
+          <a:p>
+            <a:pPr indent="0" lvl="0" marL="0" rtl="0" algn="l">
+              <a:spcBef>
+                <a:spcPts val="0"/>
+              </a:spcBef>
+              <a:spcAft>
+                <a:spcPts val="0"/>
+              </a:spcAft>
+              <a:buNone/>
+            </a:pPr>
+            <a:r>
+              <a:t/>
+            </a:r>
+            <a:endParaRPr/>
+          </a:p>
+        </p:txBody>
+      </p:sp>
+      <p:sp>
+        <p:nvSpPr>
+          <p:cNvPr id="255" name="Google Shape;255;g4506a6d214_0_75:notes"/>
+          <p:cNvSpPr txBox="1"/>
+          <p:nvPr>
+            <p:ph idx="12" type="sldNum"/>
+          </p:nvPr>
+        </p:nvSpPr>
+        <p:spPr>
+          <a:xfrm>
+            <a:off x="3884613" y="8685213"/>
+            <a:ext cx="2971800" cy="458700"/>
+          </a:xfrm>
+          <a:prstGeom prst="rect">
+            <a:avLst/>
+          </a:prstGeom>
+        </p:spPr>
+        <p:txBody>
+          <a:bodyPr anchorCtr="0" anchor="b" bIns="45700" lIns="91425" spcFirstLastPara="1" rIns="91425" wrap="square" tIns="45700">
+            <a:noAutofit/>
+          </a:bodyPr>
+          <a:lstStyle/>
+          <a:p>
+            <a:pPr indent="0" lvl="0" marL="0" rtl="0" algn="r">
+              <a:spcBef>
+                <a:spcPts val="0"/>
+              </a:spcBef>
+              <a:spcAft>
+                <a:spcPts val="0"/>
+              </a:spcAft>
+              <a:buNone/>
+            </a:pPr>
+            <a:fld id="{00000000-1234-1234-1234-123412341234}" type="slidenum">
+              <a:rPr lang="en-US"/>
+              <a:t>‹#›</a:t>
+            </a:fld>
+            <a:endParaRPr/>
+          </a:p>
+        </p:txBody>
+      </p:sp>
+    </p:spTree>
+  </p:cSld>
+  <p:clrMapOvr>
+    <a:masterClrMapping/>
+  </p:clrMapOvr>
+</p:notes>
+</file>
+
+<file path=ppt/notesSlides/notesSlide14.xml><?xml version="1.0" encoding="utf-8"?>
+<p:notes xmlns:a="http://schemas.openxmlformats.org/drawingml/2006/main" xmlns:r="http://schemas.openxmlformats.org/officeDocument/2006/relationships" xmlns:mc="http://schemas.openxmlformats.org/markup-compatibility/2006" xmlns:mv="urn:schemas-microsoft-com:mac:vml" xmlns:p="http://schemas.openxmlformats.org/presentationml/2006/main" xmlns:c="http://schemas.openxmlformats.org/drawingml/2006/chart" xmlns:dgm="http://schemas.openxmlformats.org/drawingml/2006/diagram" xmlns:o="urn:schemas-microsoft-com:office:office" xmlns:v="urn:schemas-microsoft-com:vml" xmlns:pvml="urn:schemas-microsoft-com:office:powerpoint" xmlns:com="http://schemas.openxmlformats.org/drawingml/2006/compatibility" xmlns:p14="http://schemas.microsoft.com/office/powerpoint/2010/main" xmlns:p15="http://schemas.microsoft.com/office/powerpoint/2012/main" showMasterPhAnim="0" showMasterSp="0">
+  <p:cSld>
+    <p:spTree>
+      <p:nvGrpSpPr>
+        <p:cNvPr id="268" name="Shape 268"/>
+        <p:cNvGrpSpPr/>
+        <p:nvPr/>
+      </p:nvGrpSpPr>
+      <p:grpSpPr>
+        <a:xfrm>
+          <a:off x="0" y="0"/>
+          <a:ext cx="0" cy="0"/>
+          <a:chOff x="0" y="0"/>
+          <a:chExt cx="0" cy="0"/>
+        </a:xfrm>
+      </p:grpSpPr>
+      <p:sp>
+        <p:nvSpPr>
+          <p:cNvPr id="269" name="Google Shape;269;g44e47b3645_0_211:notes"/>
           <p:cNvSpPr txBox="1"/>
           <p:nvPr>
             <p:ph idx="1" type="body"/>
@@ -2326,7 +2494,7 @@
       </p:sp>
       <p:sp>
         <p:nvSpPr>
-          <p:cNvPr id="258" name="Google Shape;258;g44e47b3645_0_211:notes"/>
+          <p:cNvPr id="270" name="Google Shape;270;g44e47b3645_0_211:notes"/>
           <p:cNvSpPr/>
           <p:nvPr>
             <p:ph idx="2" type="sldImg"/>
@@ -2377,12 +2545,12 @@
 </p:notes>
 </file>
 
-<file path=ppt/notesSlides/notesSlide14.xml><?xml version="1.0" encoding="utf-8"?>
+<file path=ppt/notesSlides/notesSlide15.xml><?xml version="1.0" encoding="utf-8"?>
 <p:notes xmlns:a="http://schemas.openxmlformats.org/drawingml/2006/main" xmlns:r="http://schemas.openxmlformats.org/officeDocument/2006/relationships" xmlns:mc="http://schemas.openxmlformats.org/markup-compatibility/2006" xmlns:mv="urn:schemas-microsoft-com:mac:vml" xmlns:p="http://schemas.openxmlformats.org/presentationml/2006/main" xmlns:c="http://schemas.openxmlformats.org/drawingml/2006/chart" xmlns:dgm="http://schemas.openxmlformats.org/drawingml/2006/diagram" xmlns:o="urn:schemas-microsoft-com:office:office" xmlns:v="urn:schemas-microsoft-com:vml" xmlns:pvml="urn:schemas-microsoft-com:office:powerpoint" xmlns:com="http://schemas.openxmlformats.org/drawingml/2006/compatibility" xmlns:p14="http://schemas.microsoft.com/office/powerpoint/2010/main" xmlns:p15="http://schemas.microsoft.com/office/powerpoint/2012/main" showMasterPhAnim="0" showMasterSp="0">
   <p:cSld>
     <p:spTree>
       <p:nvGrpSpPr>
-        <p:cNvPr id="262" name="Shape 262"/>
+        <p:cNvPr id="274" name="Shape 274"/>
         <p:cNvGrpSpPr/>
         <p:nvPr/>
       </p:nvGrpSpPr>
@@ -2396,7 +2564,7 @@
       </p:grpSpPr>
       <p:sp>
         <p:nvSpPr>
-          <p:cNvPr id="263" name="Google Shape;263;g44e47b3645_0_184:notes"/>
+          <p:cNvPr id="275" name="Google Shape;275;g44e47b3645_0_184:notes"/>
           <p:cNvSpPr/>
           <p:nvPr>
             <p:ph idx="2" type="sldImg"/>
@@ -2431,7 +2599,7 @@
       </p:sp>
       <p:sp>
         <p:nvSpPr>
-          <p:cNvPr id="264" name="Google Shape;264;g44e47b3645_0_184:notes"/>
+          <p:cNvPr id="276" name="Google Shape;276;g44e47b3645_0_184:notes"/>
           <p:cNvSpPr txBox="1"/>
           <p:nvPr>
             <p:ph idx="1" type="body"/>
@@ -2512,146 +2680,7 @@
       </p:sp>
       <p:sp>
         <p:nvSpPr>
-          <p:cNvPr id="265" name="Google Shape;265;g44e47b3645_0_184:notes"/>
-          <p:cNvSpPr txBox="1"/>
-          <p:nvPr>
-            <p:ph idx="12" type="sldNum"/>
-          </p:nvPr>
-        </p:nvSpPr>
-        <p:spPr>
-          <a:xfrm>
-            <a:off x="3884613" y="8685213"/>
-            <a:ext cx="2971800" cy="458700"/>
-          </a:xfrm>
-          <a:prstGeom prst="rect">
-            <a:avLst/>
-          </a:prstGeom>
-        </p:spPr>
-        <p:txBody>
-          <a:bodyPr anchorCtr="0" anchor="b" bIns="45700" lIns="91425" spcFirstLastPara="1" rIns="91425" wrap="square" tIns="45700">
-            <a:noAutofit/>
-          </a:bodyPr>
-          <a:lstStyle/>
-          <a:p>
-            <a:pPr indent="0" lvl="0" marL="0" rtl="0" algn="r">
-              <a:spcBef>
-                <a:spcPts val="0"/>
-              </a:spcBef>
-              <a:spcAft>
-                <a:spcPts val="0"/>
-              </a:spcAft>
-              <a:buNone/>
-            </a:pPr>
-            <a:fld id="{00000000-1234-1234-1234-123412341234}" type="slidenum">
-              <a:rPr lang="en-US"/>
-              <a:t>‹#›</a:t>
-            </a:fld>
-            <a:endParaRPr/>
-          </a:p>
-        </p:txBody>
-      </p:sp>
-    </p:spTree>
-  </p:cSld>
-  <p:clrMapOvr>
-    <a:masterClrMapping/>
-  </p:clrMapOvr>
-</p:notes>
-</file>
-
-<file path=ppt/notesSlides/notesSlide15.xml><?xml version="1.0" encoding="utf-8"?>
-<p:notes xmlns:a="http://schemas.openxmlformats.org/drawingml/2006/main" xmlns:r="http://schemas.openxmlformats.org/officeDocument/2006/relationships" xmlns:mc="http://schemas.openxmlformats.org/markup-compatibility/2006" xmlns:mv="urn:schemas-microsoft-com:mac:vml" xmlns:p="http://schemas.openxmlformats.org/presentationml/2006/main" xmlns:c="http://schemas.openxmlformats.org/drawingml/2006/chart" xmlns:dgm="http://schemas.openxmlformats.org/drawingml/2006/diagram" xmlns:o="urn:schemas-microsoft-com:office:office" xmlns:v="urn:schemas-microsoft-com:vml" xmlns:pvml="urn:schemas-microsoft-com:office:powerpoint" xmlns:com="http://schemas.openxmlformats.org/drawingml/2006/compatibility" xmlns:p14="http://schemas.microsoft.com/office/powerpoint/2010/main" xmlns:p15="http://schemas.microsoft.com/office/powerpoint/2012/main" showMasterPhAnim="0" showMasterSp="0">
-  <p:cSld>
-    <p:spTree>
-      <p:nvGrpSpPr>
-        <p:cNvPr id="275" name="Shape 275"/>
-        <p:cNvGrpSpPr/>
-        <p:nvPr/>
-      </p:nvGrpSpPr>
-      <p:grpSpPr>
-        <a:xfrm>
-          <a:off x="0" y="0"/>
-          <a:ext cx="0" cy="0"/>
-          <a:chOff x="0" y="0"/>
-          <a:chExt cx="0" cy="0"/>
-        </a:xfrm>
-      </p:grpSpPr>
-      <p:sp>
-        <p:nvSpPr>
-          <p:cNvPr id="276" name="Google Shape;276;g44e47b3645_0_195:notes"/>
-          <p:cNvSpPr/>
-          <p:nvPr>
-            <p:ph idx="2" type="sldImg"/>
-          </p:nvPr>
-        </p:nvSpPr>
-        <p:spPr>
-          <a:xfrm>
-            <a:off x="685800" y="1143000"/>
-            <a:ext cx="5486400" cy="3086100"/>
-          </a:xfrm>
-          <a:custGeom>
-            <a:rect b="b" l="l" r="r" t="t"/>
-            <a:pathLst>
-              <a:path extrusionOk="0" h="120000" w="120000">
-                <a:moveTo>
-                  <a:pt x="0" y="0"/>
-                </a:moveTo>
-                <a:lnTo>
-                  <a:pt x="120000" y="0"/>
-                </a:lnTo>
-                <a:lnTo>
-                  <a:pt x="120000" y="120000"/>
-                </a:lnTo>
-                <a:lnTo>
-                  <a:pt x="0" y="120000"/>
-                </a:lnTo>
-                <a:close/>
-              </a:path>
-            </a:pathLst>
-          </a:custGeom>
-        </p:spPr>
-      </p:sp>
-      <p:sp>
-        <p:nvSpPr>
-          <p:cNvPr id="277" name="Google Shape;277;g44e47b3645_0_195:notes"/>
-          <p:cNvSpPr txBox="1"/>
-          <p:nvPr>
-            <p:ph idx="1" type="body"/>
-          </p:nvPr>
-        </p:nvSpPr>
-        <p:spPr>
-          <a:xfrm>
-            <a:off x="685800" y="4400550"/>
-            <a:ext cx="5486400" cy="3600600"/>
-          </a:xfrm>
-          <a:prstGeom prst="rect">
-            <a:avLst/>
-          </a:prstGeom>
-        </p:spPr>
-        <p:txBody>
-          <a:bodyPr anchorCtr="0" anchor="t" bIns="45700" lIns="91425" spcFirstLastPara="1" rIns="91425" wrap="square" tIns="45700">
-            <a:noAutofit/>
-          </a:bodyPr>
-          <a:lstStyle/>
-          <a:p>
-            <a:pPr indent="0" lvl="0" marL="0" rtl="0" algn="l">
-              <a:spcBef>
-                <a:spcPts val="0"/>
-              </a:spcBef>
-              <a:spcAft>
-                <a:spcPts val="0"/>
-              </a:spcAft>
-              <a:buNone/>
-            </a:pPr>
-            <a:r>
-              <a:t/>
-            </a:r>
-            <a:endParaRPr/>
-          </a:p>
-        </p:txBody>
-      </p:sp>
-      <p:sp>
-        <p:nvSpPr>
-          <p:cNvPr id="278" name="Google Shape;278;g44e47b3645_0_195:notes"/>
+          <p:cNvPr id="277" name="Google Shape;277;g44e47b3645_0_184:notes"/>
           <p:cNvSpPr txBox="1"/>
           <p:nvPr>
             <p:ph idx="12" type="sldNum"/>
@@ -2702,7 +2731,7 @@
   <p:cSld>
     <p:spTree>
       <p:nvGrpSpPr>
-        <p:cNvPr id="289" name="Shape 289"/>
+        <p:cNvPr id="287" name="Shape 287"/>
         <p:cNvGrpSpPr/>
         <p:nvPr/>
       </p:nvGrpSpPr>
@@ -2716,7 +2745,146 @@
       </p:grpSpPr>
       <p:sp>
         <p:nvSpPr>
-          <p:cNvPr id="290" name="Google Shape;290;p3:notes"/>
+          <p:cNvPr id="288" name="Google Shape;288;g44e47b3645_0_195:notes"/>
+          <p:cNvSpPr/>
+          <p:nvPr>
+            <p:ph idx="2" type="sldImg"/>
+          </p:nvPr>
+        </p:nvSpPr>
+        <p:spPr>
+          <a:xfrm>
+            <a:off x="685800" y="1143000"/>
+            <a:ext cx="5486400" cy="3086100"/>
+          </a:xfrm>
+          <a:custGeom>
+            <a:rect b="b" l="l" r="r" t="t"/>
+            <a:pathLst>
+              <a:path extrusionOk="0" h="120000" w="120000">
+                <a:moveTo>
+                  <a:pt x="0" y="0"/>
+                </a:moveTo>
+                <a:lnTo>
+                  <a:pt x="120000" y="0"/>
+                </a:lnTo>
+                <a:lnTo>
+                  <a:pt x="120000" y="120000"/>
+                </a:lnTo>
+                <a:lnTo>
+                  <a:pt x="0" y="120000"/>
+                </a:lnTo>
+                <a:close/>
+              </a:path>
+            </a:pathLst>
+          </a:custGeom>
+        </p:spPr>
+      </p:sp>
+      <p:sp>
+        <p:nvSpPr>
+          <p:cNvPr id="289" name="Google Shape;289;g44e47b3645_0_195:notes"/>
+          <p:cNvSpPr txBox="1"/>
+          <p:nvPr>
+            <p:ph idx="1" type="body"/>
+          </p:nvPr>
+        </p:nvSpPr>
+        <p:spPr>
+          <a:xfrm>
+            <a:off x="685800" y="4400550"/>
+            <a:ext cx="5486400" cy="3600600"/>
+          </a:xfrm>
+          <a:prstGeom prst="rect">
+            <a:avLst/>
+          </a:prstGeom>
+        </p:spPr>
+        <p:txBody>
+          <a:bodyPr anchorCtr="0" anchor="t" bIns="45700" lIns="91425" spcFirstLastPara="1" rIns="91425" wrap="square" tIns="45700">
+            <a:noAutofit/>
+          </a:bodyPr>
+          <a:lstStyle/>
+          <a:p>
+            <a:pPr indent="0" lvl="0" marL="0" rtl="0" algn="l">
+              <a:spcBef>
+                <a:spcPts val="0"/>
+              </a:spcBef>
+              <a:spcAft>
+                <a:spcPts val="0"/>
+              </a:spcAft>
+              <a:buNone/>
+            </a:pPr>
+            <a:r>
+              <a:t/>
+            </a:r>
+            <a:endParaRPr/>
+          </a:p>
+        </p:txBody>
+      </p:sp>
+      <p:sp>
+        <p:nvSpPr>
+          <p:cNvPr id="290" name="Google Shape;290;g44e47b3645_0_195:notes"/>
+          <p:cNvSpPr txBox="1"/>
+          <p:nvPr>
+            <p:ph idx="12" type="sldNum"/>
+          </p:nvPr>
+        </p:nvSpPr>
+        <p:spPr>
+          <a:xfrm>
+            <a:off x="3884613" y="8685213"/>
+            <a:ext cx="2971800" cy="458700"/>
+          </a:xfrm>
+          <a:prstGeom prst="rect">
+            <a:avLst/>
+          </a:prstGeom>
+        </p:spPr>
+        <p:txBody>
+          <a:bodyPr anchorCtr="0" anchor="b" bIns="45700" lIns="91425" spcFirstLastPara="1" rIns="91425" wrap="square" tIns="45700">
+            <a:noAutofit/>
+          </a:bodyPr>
+          <a:lstStyle/>
+          <a:p>
+            <a:pPr indent="0" lvl="0" marL="0" rtl="0" algn="r">
+              <a:spcBef>
+                <a:spcPts val="0"/>
+              </a:spcBef>
+              <a:spcAft>
+                <a:spcPts val="0"/>
+              </a:spcAft>
+              <a:buNone/>
+            </a:pPr>
+            <a:fld id="{00000000-1234-1234-1234-123412341234}" type="slidenum">
+              <a:rPr lang="en-US"/>
+              <a:t>‹#›</a:t>
+            </a:fld>
+            <a:endParaRPr/>
+          </a:p>
+        </p:txBody>
+      </p:sp>
+    </p:spTree>
+  </p:cSld>
+  <p:clrMapOvr>
+    <a:masterClrMapping/>
+  </p:clrMapOvr>
+</p:notes>
+</file>
+
+<file path=ppt/notesSlides/notesSlide17.xml><?xml version="1.0" encoding="utf-8"?>
+<p:notes xmlns:a="http://schemas.openxmlformats.org/drawingml/2006/main" xmlns:r="http://schemas.openxmlformats.org/officeDocument/2006/relationships" xmlns:mc="http://schemas.openxmlformats.org/markup-compatibility/2006" xmlns:mv="urn:schemas-microsoft-com:mac:vml" xmlns:p="http://schemas.openxmlformats.org/presentationml/2006/main" xmlns:c="http://schemas.openxmlformats.org/drawingml/2006/chart" xmlns:dgm="http://schemas.openxmlformats.org/drawingml/2006/diagram" xmlns:o="urn:schemas-microsoft-com:office:office" xmlns:v="urn:schemas-microsoft-com:vml" xmlns:pvml="urn:schemas-microsoft-com:office:powerpoint" xmlns:com="http://schemas.openxmlformats.org/drawingml/2006/compatibility" xmlns:p14="http://schemas.microsoft.com/office/powerpoint/2010/main" xmlns:p15="http://schemas.microsoft.com/office/powerpoint/2012/main" showMasterPhAnim="0" showMasterSp="0">
+  <p:cSld>
+    <p:spTree>
+      <p:nvGrpSpPr>
+        <p:cNvPr id="302" name="Shape 302"/>
+        <p:cNvGrpSpPr/>
+        <p:nvPr/>
+      </p:nvGrpSpPr>
+      <p:grpSpPr>
+        <a:xfrm>
+          <a:off x="0" y="0"/>
+          <a:ext cx="0" cy="0"/>
+          <a:chOff x="0" y="0"/>
+          <a:chExt cx="0" cy="0"/>
+        </a:xfrm>
+      </p:grpSpPr>
+      <p:sp>
+        <p:nvSpPr>
+          <p:cNvPr id="303" name="Google Shape;303;p3:notes"/>
           <p:cNvSpPr txBox="1"/>
           <p:nvPr>
             <p:ph idx="1" type="body"/>
@@ -2805,7 +2973,7 @@
       </p:sp>
       <p:sp>
         <p:nvSpPr>
-          <p:cNvPr id="291" name="Google Shape;291;p3:notes"/>
+          <p:cNvPr id="304" name="Google Shape;304;p3:notes"/>
           <p:cNvSpPr/>
           <p:nvPr>
             <p:ph idx="2" type="sldImg"/>
@@ -2856,12 +3024,12 @@
 </p:notes>
 </file>
 
-<file path=ppt/notesSlides/notesSlide17.xml><?xml version="1.0" encoding="utf-8"?>
+<file path=ppt/notesSlides/notesSlide18.xml><?xml version="1.0" encoding="utf-8"?>
 <p:notes xmlns:a="http://schemas.openxmlformats.org/drawingml/2006/main" xmlns:r="http://schemas.openxmlformats.org/officeDocument/2006/relationships" xmlns:mc="http://schemas.openxmlformats.org/markup-compatibility/2006" xmlns:mv="urn:schemas-microsoft-com:mac:vml" xmlns:p="http://schemas.openxmlformats.org/presentationml/2006/main" xmlns:c="http://schemas.openxmlformats.org/drawingml/2006/chart" xmlns:dgm="http://schemas.openxmlformats.org/drawingml/2006/diagram" xmlns:o="urn:schemas-microsoft-com:office:office" xmlns:v="urn:schemas-microsoft-com:vml" xmlns:pvml="urn:schemas-microsoft-com:office:powerpoint" xmlns:com="http://schemas.openxmlformats.org/drawingml/2006/compatibility" xmlns:p14="http://schemas.microsoft.com/office/powerpoint/2010/main" xmlns:p15="http://schemas.microsoft.com/office/powerpoint/2012/main" showMasterPhAnim="0" showMasterSp="0">
   <p:cSld>
     <p:spTree>
       <p:nvGrpSpPr>
-        <p:cNvPr id="295" name="Shape 295"/>
+        <p:cNvPr id="308" name="Shape 308"/>
         <p:cNvGrpSpPr/>
         <p:nvPr/>
       </p:nvGrpSpPr>
@@ -2875,7 +3043,7 @@
       </p:grpSpPr>
       <p:sp>
         <p:nvSpPr>
-          <p:cNvPr id="296" name="Google Shape;296;g44ec726a93_0_4:notes"/>
+          <p:cNvPr id="309" name="Google Shape;309;g44ec726a93_0_4:notes"/>
           <p:cNvSpPr/>
           <p:nvPr>
             <p:ph idx="2" type="sldImg"/>
@@ -2910,7 +3078,7 @@
       </p:sp>
       <p:sp>
         <p:nvSpPr>
-          <p:cNvPr id="297" name="Google Shape;297;g44ec726a93_0_4:notes"/>
+          <p:cNvPr id="310" name="Google Shape;310;g44ec726a93_0_4:notes"/>
           <p:cNvSpPr txBox="1"/>
           <p:nvPr>
             <p:ph idx="1" type="body"/>
@@ -2950,147 +3118,7 @@
       </p:sp>
       <p:sp>
         <p:nvSpPr>
-          <p:cNvPr id="298" name="Google Shape;298;g44ec726a93_0_4:notes"/>
-          <p:cNvSpPr txBox="1"/>
-          <p:nvPr>
-            <p:ph idx="12" type="sldNum"/>
-          </p:nvPr>
-        </p:nvSpPr>
-        <p:spPr>
-          <a:xfrm>
-            <a:off x="3884613" y="8685213"/>
-            <a:ext cx="2971800" cy="458700"/>
-          </a:xfrm>
-          <a:prstGeom prst="rect">
-            <a:avLst/>
-          </a:prstGeom>
-        </p:spPr>
-        <p:txBody>
-          <a:bodyPr anchorCtr="0" anchor="b" bIns="45700" lIns="91425" spcFirstLastPara="1" rIns="91425" wrap="square" tIns="45700">
-            <a:noAutofit/>
-          </a:bodyPr>
-          <a:lstStyle/>
-          <a:p>
-            <a:pPr indent="0" lvl="0" marL="0" rtl="0" algn="r">
-              <a:spcBef>
-                <a:spcPts val="0"/>
-              </a:spcBef>
-              <a:spcAft>
-                <a:spcPts val="0"/>
-              </a:spcAft>
-              <a:buNone/>
-            </a:pPr>
-            <a:fld id="{00000000-1234-1234-1234-123412341234}" type="slidenum">
-              <a:rPr lang="en-US"/>
-              <a:t>‹#›</a:t>
-            </a:fld>
-            <a:endParaRPr/>
-          </a:p>
-        </p:txBody>
-      </p:sp>
-    </p:spTree>
-  </p:cSld>
-  <p:clrMapOvr>
-    <a:masterClrMapping/>
-  </p:clrMapOvr>
-</p:notes>
-</file>
-
-<file path=ppt/notesSlides/notesSlide18.xml><?xml version="1.0" encoding="utf-8"?>
-<p:notes xmlns:a="http://schemas.openxmlformats.org/drawingml/2006/main" xmlns:r="http://schemas.openxmlformats.org/officeDocument/2006/relationships" xmlns:mc="http://schemas.openxmlformats.org/markup-compatibility/2006" xmlns:mv="urn:schemas-microsoft-com:mac:vml" xmlns:p="http://schemas.openxmlformats.org/presentationml/2006/main" xmlns:c="http://schemas.openxmlformats.org/drawingml/2006/chart" xmlns:dgm="http://schemas.openxmlformats.org/drawingml/2006/diagram" xmlns:o="urn:schemas-microsoft-com:office:office" xmlns:v="urn:schemas-microsoft-com:vml" xmlns:pvml="urn:schemas-microsoft-com:office:powerpoint" xmlns:com="http://schemas.openxmlformats.org/drawingml/2006/compatibility" xmlns:p14="http://schemas.microsoft.com/office/powerpoint/2010/main" xmlns:p15="http://schemas.microsoft.com/office/powerpoint/2012/main" showMasterPhAnim="0" showMasterSp="0">
-  <p:cSld>
-    <p:spTree>
-      <p:nvGrpSpPr>
-        <p:cNvPr id="311" name="Shape 311"/>
-        <p:cNvGrpSpPr/>
-        <p:nvPr/>
-      </p:nvGrpSpPr>
-      <p:grpSpPr>
-        <a:xfrm>
-          <a:off x="0" y="0"/>
-          <a:ext cx="0" cy="0"/>
-          <a:chOff x="0" y="0"/>
-          <a:chExt cx="0" cy="0"/>
-        </a:xfrm>
-      </p:grpSpPr>
-      <p:sp>
-        <p:nvSpPr>
-          <p:cNvPr id="312" name="Google Shape;312;g4506a6d214_0_110:notes"/>
-          <p:cNvSpPr/>
-          <p:nvPr>
-            <p:ph idx="2" type="sldImg"/>
-          </p:nvPr>
-        </p:nvSpPr>
-        <p:spPr>
-          <a:xfrm>
-            <a:off x="685800" y="1143000"/>
-            <a:ext cx="5486400" cy="3086100"/>
-          </a:xfrm>
-          <a:custGeom>
-            <a:rect b="b" l="l" r="r" t="t"/>
-            <a:pathLst>
-              <a:path extrusionOk="0" h="120000" w="120000">
-                <a:moveTo>
-                  <a:pt x="0" y="0"/>
-                </a:moveTo>
-                <a:lnTo>
-                  <a:pt x="120000" y="0"/>
-                </a:lnTo>
-                <a:lnTo>
-                  <a:pt x="120000" y="120000"/>
-                </a:lnTo>
-                <a:lnTo>
-                  <a:pt x="0" y="120000"/>
-                </a:lnTo>
-                <a:close/>
-              </a:path>
-            </a:pathLst>
-          </a:custGeom>
-        </p:spPr>
-      </p:sp>
-      <p:sp>
-        <p:nvSpPr>
-          <p:cNvPr id="313" name="Google Shape;313;g4506a6d214_0_110:notes"/>
-          <p:cNvSpPr txBox="1"/>
-          <p:nvPr>
-            <p:ph idx="1" type="body"/>
-          </p:nvPr>
-        </p:nvSpPr>
-        <p:spPr>
-          <a:xfrm>
-            <a:off x="685800" y="4400550"/>
-            <a:ext cx="5486400" cy="3600600"/>
-          </a:xfrm>
-          <a:prstGeom prst="rect">
-            <a:avLst/>
-          </a:prstGeom>
-        </p:spPr>
-        <p:txBody>
-          <a:bodyPr anchorCtr="0" anchor="t" bIns="45700" lIns="91425" spcFirstLastPara="1" rIns="91425" wrap="square" tIns="45700">
-            <a:noAutofit/>
-          </a:bodyPr>
-          <a:lstStyle/>
-          <a:p>
-            <a:pPr indent="0" lvl="0" marL="0" rtl="0" algn="l">
-              <a:spcBef>
-                <a:spcPts val="0"/>
-              </a:spcBef>
-              <a:spcAft>
-                <a:spcPts val="0"/>
-              </a:spcAft>
-              <a:buNone/>
-            </a:pPr>
-            <a:r>
-              <a:rPr lang="en-US"/>
-              <a:t>Using Linear Algebra</a:t>
-            </a:r>
-            <a:endParaRPr/>
-          </a:p>
-        </p:txBody>
-      </p:sp>
-      <p:sp>
-        <p:nvSpPr>
-          <p:cNvPr id="314" name="Google Shape;314;g4506a6d214_0_110:notes"/>
+          <p:cNvPr id="311" name="Google Shape;311;g44ec726a93_0_4:notes"/>
           <p:cNvSpPr txBox="1"/>
           <p:nvPr>
             <p:ph idx="12" type="sldNum"/>
@@ -3141,7 +3169,7 @@
   <p:cSld>
     <p:spTree>
       <p:nvGrpSpPr>
-        <p:cNvPr id="329" name="Shape 329"/>
+        <p:cNvPr id="325" name="Shape 325"/>
         <p:cNvGrpSpPr/>
         <p:nvPr/>
       </p:nvGrpSpPr>
@@ -3155,7 +3183,7 @@
       </p:grpSpPr>
       <p:sp>
         <p:nvSpPr>
-          <p:cNvPr id="330" name="Google Shape;330;g44ec726a93_0_17:notes"/>
+          <p:cNvPr id="326" name="Google Shape;326;g4506a6d214_0_110:notes"/>
           <p:cNvSpPr/>
           <p:nvPr>
             <p:ph idx="2" type="sldImg"/>
@@ -3190,7 +3218,7 @@
       </p:sp>
       <p:sp>
         <p:nvSpPr>
-          <p:cNvPr id="331" name="Google Shape;331;g44ec726a93_0_17:notes"/>
+          <p:cNvPr id="327" name="Google Shape;327;g4506a6d214_0_110:notes"/>
           <p:cNvSpPr txBox="1"/>
           <p:nvPr>
             <p:ph idx="1" type="body"/>
@@ -3221,7 +3249,8 @@
               <a:buNone/>
             </a:pPr>
             <a:r>
-              <a:t/>
+              <a:rPr lang="en-US"/>
+              <a:t>Using Linear Algebra</a:t>
             </a:r>
             <a:endParaRPr/>
           </a:p>
@@ -3229,7 +3258,7 @@
       </p:sp>
       <p:sp>
         <p:nvSpPr>
-          <p:cNvPr id="332" name="Google Shape;332;g44ec726a93_0_17:notes"/>
+          <p:cNvPr id="328" name="Google Shape;328;g4506a6d214_0_110:notes"/>
           <p:cNvSpPr txBox="1"/>
           <p:nvPr>
             <p:ph idx="12" type="sldNum"/>
@@ -3491,7 +3520,7 @@
       </p:grpSpPr>
       <p:sp>
         <p:nvSpPr>
-          <p:cNvPr id="344" name="Google Shape;344;g4506a6d214_0_172:notes"/>
+          <p:cNvPr id="344" name="Google Shape;344;g44ec726a93_0_17:notes"/>
           <p:cNvSpPr/>
           <p:nvPr>
             <p:ph idx="2" type="sldImg"/>
@@ -3526,7 +3555,7 @@
       </p:sp>
       <p:sp>
         <p:nvSpPr>
-          <p:cNvPr id="345" name="Google Shape;345;g4506a6d214_0_172:notes"/>
+          <p:cNvPr id="345" name="Google Shape;345;g44ec726a93_0_17:notes"/>
           <p:cNvSpPr txBox="1"/>
           <p:nvPr>
             <p:ph idx="1" type="body"/>
@@ -3565,7 +3594,7 @@
       </p:sp>
       <p:sp>
         <p:nvSpPr>
-          <p:cNvPr id="346" name="Google Shape;346;g4506a6d214_0_172:notes"/>
+          <p:cNvPr id="346" name="Google Shape;346;g44ec726a93_0_17:notes"/>
           <p:cNvSpPr txBox="1"/>
           <p:nvPr>
             <p:ph idx="12" type="sldNum"/>
@@ -3616,7 +3645,7 @@
   <p:cSld>
     <p:spTree>
       <p:nvGrpSpPr>
-        <p:cNvPr id="359" name="Shape 359"/>
+        <p:cNvPr id="357" name="Shape 357"/>
         <p:cNvGrpSpPr/>
         <p:nvPr/>
       </p:nvGrpSpPr>
@@ -3630,7 +3659,7 @@
       </p:grpSpPr>
       <p:sp>
         <p:nvSpPr>
-          <p:cNvPr id="360" name="Google Shape;360;g44ec726a93_0_33:notes"/>
+          <p:cNvPr id="358" name="Google Shape;358;g4506a6d214_0_172:notes"/>
           <p:cNvSpPr/>
           <p:nvPr>
             <p:ph idx="2" type="sldImg"/>
@@ -3665,7 +3694,7 @@
       </p:sp>
       <p:sp>
         <p:nvSpPr>
-          <p:cNvPr id="361" name="Google Shape;361;g44ec726a93_0_33:notes"/>
+          <p:cNvPr id="359" name="Google Shape;359;g4506a6d214_0_172:notes"/>
           <p:cNvSpPr txBox="1"/>
           <p:nvPr>
             <p:ph idx="1" type="body"/>
@@ -3685,22 +3714,6 @@
             <a:noAutofit/>
           </a:bodyPr>
           <a:lstStyle/>
-          <a:p>
-            <a:pPr indent="0" lvl="0" marL="0" rtl="0" algn="l">
-              <a:spcBef>
-                <a:spcPts val="0"/>
-              </a:spcBef>
-              <a:spcAft>
-                <a:spcPts val="0"/>
-              </a:spcAft>
-              <a:buNone/>
-            </a:pPr>
-            <a:r>
-              <a:rPr lang="en-US"/>
-              <a:t>Usually the first eigenvalue are orders of magnitude greater than the others because the data may have fewer degrees of freedom than the number of the predictors.</a:t>
-            </a:r>
-            <a:endParaRPr/>
-          </a:p>
           <a:p>
             <a:pPr indent="0" lvl="0" marL="0" rtl="0" algn="l">
               <a:spcBef>
@@ -3720,7 +3733,7 @@
       </p:sp>
       <p:sp>
         <p:nvSpPr>
-          <p:cNvPr id="362" name="Google Shape;362;g44ec726a93_0_33:notes"/>
+          <p:cNvPr id="360" name="Google Shape;360;g4506a6d214_0_172:notes"/>
           <p:cNvSpPr txBox="1"/>
           <p:nvPr>
             <p:ph idx="12" type="sldNum"/>
@@ -3771,7 +3784,7 @@
   <p:cSld>
     <p:spTree>
       <p:nvGrpSpPr>
-        <p:cNvPr id="368" name="Shape 368"/>
+        <p:cNvPr id="369" name="Shape 369"/>
         <p:cNvGrpSpPr/>
         <p:nvPr/>
       </p:nvGrpSpPr>
@@ -3785,7 +3798,7 @@
       </p:grpSpPr>
       <p:sp>
         <p:nvSpPr>
-          <p:cNvPr id="369" name="Google Shape;369;g44ec726a93_0_48:notes"/>
+          <p:cNvPr id="370" name="Google Shape;370;g44ec726a93_0_33:notes"/>
           <p:cNvSpPr/>
           <p:nvPr>
             <p:ph idx="2" type="sldImg"/>
@@ -3820,7 +3833,7 @@
       </p:sp>
       <p:sp>
         <p:nvSpPr>
-          <p:cNvPr id="370" name="Google Shape;370;g44ec726a93_0_48:notes"/>
+          <p:cNvPr id="371" name="Google Shape;371;g44ec726a93_0_33:notes"/>
           <p:cNvSpPr txBox="1"/>
           <p:nvPr>
             <p:ph idx="1" type="body"/>
@@ -3867,8 +3880,7 @@
               <a:buNone/>
             </a:pPr>
             <a:r>
-              <a:rPr lang="en-US"/>
-              <a:t>How many eigenvalues to keep is left in teh</a:t>
+              <a:t/>
             </a:r>
             <a:endParaRPr/>
           </a:p>
@@ -3876,7 +3888,7 @@
       </p:sp>
       <p:sp>
         <p:nvSpPr>
-          <p:cNvPr id="371" name="Google Shape;371;g44ec726a93_0_48:notes"/>
+          <p:cNvPr id="372" name="Google Shape;372;g44ec726a93_0_33:notes"/>
           <p:cNvSpPr txBox="1"/>
           <p:nvPr>
             <p:ph idx="12" type="sldNum"/>
@@ -3927,7 +3939,7 @@
   <p:cSld>
     <p:spTree>
       <p:nvGrpSpPr>
-        <p:cNvPr id="380" name="Shape 380"/>
+        <p:cNvPr id="378" name="Shape 378"/>
         <p:cNvGrpSpPr/>
         <p:nvPr/>
       </p:nvGrpSpPr>
@@ -3941,7 +3953,163 @@
       </p:grpSpPr>
       <p:sp>
         <p:nvSpPr>
-          <p:cNvPr id="381" name="Google Shape;381;p21:notes"/>
+          <p:cNvPr id="379" name="Google Shape;379;g44ec726a93_0_48:notes"/>
+          <p:cNvSpPr/>
+          <p:nvPr>
+            <p:ph idx="2" type="sldImg"/>
+          </p:nvPr>
+        </p:nvSpPr>
+        <p:spPr>
+          <a:xfrm>
+            <a:off x="685800" y="1143000"/>
+            <a:ext cx="5486400" cy="3086100"/>
+          </a:xfrm>
+          <a:custGeom>
+            <a:rect b="b" l="l" r="r" t="t"/>
+            <a:pathLst>
+              <a:path extrusionOk="0" h="120000" w="120000">
+                <a:moveTo>
+                  <a:pt x="0" y="0"/>
+                </a:moveTo>
+                <a:lnTo>
+                  <a:pt x="120000" y="0"/>
+                </a:lnTo>
+                <a:lnTo>
+                  <a:pt x="120000" y="120000"/>
+                </a:lnTo>
+                <a:lnTo>
+                  <a:pt x="0" y="120000"/>
+                </a:lnTo>
+                <a:close/>
+              </a:path>
+            </a:pathLst>
+          </a:custGeom>
+        </p:spPr>
+      </p:sp>
+      <p:sp>
+        <p:nvSpPr>
+          <p:cNvPr id="380" name="Google Shape;380;g44ec726a93_0_48:notes"/>
+          <p:cNvSpPr txBox="1"/>
+          <p:nvPr>
+            <p:ph idx="1" type="body"/>
+          </p:nvPr>
+        </p:nvSpPr>
+        <p:spPr>
+          <a:xfrm>
+            <a:off x="685800" y="4400550"/>
+            <a:ext cx="5486400" cy="3600600"/>
+          </a:xfrm>
+          <a:prstGeom prst="rect">
+            <a:avLst/>
+          </a:prstGeom>
+        </p:spPr>
+        <p:txBody>
+          <a:bodyPr anchorCtr="0" anchor="t" bIns="45700" lIns="91425" spcFirstLastPara="1" rIns="91425" wrap="square" tIns="45700">
+            <a:noAutofit/>
+          </a:bodyPr>
+          <a:lstStyle/>
+          <a:p>
+            <a:pPr indent="0" lvl="0" marL="0" rtl="0" algn="l">
+              <a:spcBef>
+                <a:spcPts val="0"/>
+              </a:spcBef>
+              <a:spcAft>
+                <a:spcPts val="0"/>
+              </a:spcAft>
+              <a:buNone/>
+            </a:pPr>
+            <a:r>
+              <a:rPr lang="en-US"/>
+              <a:t>Usually the first eigenvalue are orders of magnitude greater than the others because the data may have fewer degrees of freedom than the number of the predictors.</a:t>
+            </a:r>
+            <a:endParaRPr/>
+          </a:p>
+          <a:p>
+            <a:pPr indent="0" lvl="0" marL="0" rtl="0" algn="l">
+              <a:spcBef>
+                <a:spcPts val="0"/>
+              </a:spcBef>
+              <a:spcAft>
+                <a:spcPts val="0"/>
+              </a:spcAft>
+              <a:buNone/>
+            </a:pPr>
+            <a:r>
+              <a:rPr lang="en-US"/>
+              <a:t>How many eigenvalues to keep is left in teh</a:t>
+            </a:r>
+            <a:endParaRPr/>
+          </a:p>
+        </p:txBody>
+      </p:sp>
+      <p:sp>
+        <p:nvSpPr>
+          <p:cNvPr id="381" name="Google Shape;381;g44ec726a93_0_48:notes"/>
+          <p:cNvSpPr txBox="1"/>
+          <p:nvPr>
+            <p:ph idx="12" type="sldNum"/>
+          </p:nvPr>
+        </p:nvSpPr>
+        <p:spPr>
+          <a:xfrm>
+            <a:off x="3884613" y="8685213"/>
+            <a:ext cx="2971800" cy="458700"/>
+          </a:xfrm>
+          <a:prstGeom prst="rect">
+            <a:avLst/>
+          </a:prstGeom>
+        </p:spPr>
+        <p:txBody>
+          <a:bodyPr anchorCtr="0" anchor="b" bIns="45700" lIns="91425" spcFirstLastPara="1" rIns="91425" wrap="square" tIns="45700">
+            <a:noAutofit/>
+          </a:bodyPr>
+          <a:lstStyle/>
+          <a:p>
+            <a:pPr indent="0" lvl="0" marL="0" rtl="0" algn="r">
+              <a:spcBef>
+                <a:spcPts val="0"/>
+              </a:spcBef>
+              <a:spcAft>
+                <a:spcPts val="0"/>
+              </a:spcAft>
+              <a:buNone/>
+            </a:pPr>
+            <a:fld id="{00000000-1234-1234-1234-123412341234}" type="slidenum">
+              <a:rPr lang="en-US"/>
+              <a:t>‹#›</a:t>
+            </a:fld>
+            <a:endParaRPr/>
+          </a:p>
+        </p:txBody>
+      </p:sp>
+    </p:spTree>
+  </p:cSld>
+  <p:clrMapOvr>
+    <a:masterClrMapping/>
+  </p:clrMapOvr>
+</p:notes>
+</file>
+
+<file path=ppt/notesSlides/notesSlide24.xml><?xml version="1.0" encoding="utf-8"?>
+<p:notes xmlns:a="http://schemas.openxmlformats.org/drawingml/2006/main" xmlns:r="http://schemas.openxmlformats.org/officeDocument/2006/relationships" xmlns:mc="http://schemas.openxmlformats.org/markup-compatibility/2006" xmlns:mv="urn:schemas-microsoft-com:mac:vml" xmlns:p="http://schemas.openxmlformats.org/presentationml/2006/main" xmlns:c="http://schemas.openxmlformats.org/drawingml/2006/chart" xmlns:dgm="http://schemas.openxmlformats.org/drawingml/2006/diagram" xmlns:o="urn:schemas-microsoft-com:office:office" xmlns:v="urn:schemas-microsoft-com:vml" xmlns:pvml="urn:schemas-microsoft-com:office:powerpoint" xmlns:com="http://schemas.openxmlformats.org/drawingml/2006/compatibility" xmlns:p14="http://schemas.microsoft.com/office/powerpoint/2010/main" xmlns:p15="http://schemas.microsoft.com/office/powerpoint/2012/main" showMasterPhAnim="0" showMasterSp="0">
+  <p:cSld>
+    <p:spTree>
+      <p:nvGrpSpPr>
+        <p:cNvPr id="390" name="Shape 390"/>
+        <p:cNvGrpSpPr/>
+        <p:nvPr/>
+      </p:nvGrpSpPr>
+      <p:grpSpPr>
+        <a:xfrm>
+          <a:off x="0" y="0"/>
+          <a:ext cx="0" cy="0"/>
+          <a:chOff x="0" y="0"/>
+          <a:chExt cx="0" cy="0"/>
+        </a:xfrm>
+      </p:grpSpPr>
+      <p:sp>
+        <p:nvSpPr>
+          <p:cNvPr id="391" name="Google Shape;391;p21:notes"/>
           <p:cNvSpPr txBox="1"/>
           <p:nvPr>
             <p:ph idx="1" type="body"/>
@@ -4000,7 +4168,7 @@
       </p:sp>
       <p:sp>
         <p:nvSpPr>
-          <p:cNvPr id="382" name="Google Shape;382;p21:notes"/>
+          <p:cNvPr id="392" name="Google Shape;392;p21:notes"/>
           <p:cNvSpPr/>
           <p:nvPr>
             <p:ph idx="2" type="sldImg"/>
@@ -4051,12 +4219,12 @@
 </p:notes>
 </file>
 
-<file path=ppt/notesSlides/notesSlide24.xml><?xml version="1.0" encoding="utf-8"?>
+<file path=ppt/notesSlides/notesSlide25.xml><?xml version="1.0" encoding="utf-8"?>
 <p:notes xmlns:a="http://schemas.openxmlformats.org/drawingml/2006/main" xmlns:r="http://schemas.openxmlformats.org/officeDocument/2006/relationships" xmlns:mc="http://schemas.openxmlformats.org/markup-compatibility/2006" xmlns:mv="urn:schemas-microsoft-com:mac:vml" xmlns:p="http://schemas.openxmlformats.org/presentationml/2006/main" xmlns:c="http://schemas.openxmlformats.org/drawingml/2006/chart" xmlns:dgm="http://schemas.openxmlformats.org/drawingml/2006/diagram" xmlns:o="urn:schemas-microsoft-com:office:office" xmlns:v="urn:schemas-microsoft-com:vml" xmlns:pvml="urn:schemas-microsoft-com:office:powerpoint" xmlns:com="http://schemas.openxmlformats.org/drawingml/2006/compatibility" xmlns:p14="http://schemas.microsoft.com/office/powerpoint/2010/main" xmlns:p15="http://schemas.microsoft.com/office/powerpoint/2012/main" showMasterPhAnim="0" showMasterSp="0">
   <p:cSld>
     <p:spTree>
       <p:nvGrpSpPr>
-        <p:cNvPr id="389" name="Shape 389"/>
+        <p:cNvPr id="399" name="Shape 399"/>
         <p:cNvGrpSpPr/>
         <p:nvPr/>
       </p:nvGrpSpPr>
@@ -4070,7 +4238,7 @@
       </p:grpSpPr>
       <p:sp>
         <p:nvSpPr>
-          <p:cNvPr id="390" name="Google Shape;390;g44ec726a93_0_66:notes"/>
+          <p:cNvPr id="400" name="Google Shape;400;g44ec726a93_0_66:notes"/>
           <p:cNvSpPr txBox="1"/>
           <p:nvPr>
             <p:ph idx="1" type="body"/>
@@ -4129,7 +4297,7 @@
       </p:sp>
       <p:sp>
         <p:nvSpPr>
-          <p:cNvPr id="391" name="Google Shape;391;g44ec726a93_0_66:notes"/>
+          <p:cNvPr id="401" name="Google Shape;401;g44ec726a93_0_66:notes"/>
           <p:cNvSpPr/>
           <p:nvPr>
             <p:ph idx="2" type="sldImg"/>
@@ -4180,12 +4348,12 @@
 </p:notes>
 </file>
 
-<file path=ppt/notesSlides/notesSlide25.xml><?xml version="1.0" encoding="utf-8"?>
+<file path=ppt/notesSlides/notesSlide26.xml><?xml version="1.0" encoding="utf-8"?>
 <p:notes xmlns:a="http://schemas.openxmlformats.org/drawingml/2006/main" xmlns:r="http://schemas.openxmlformats.org/officeDocument/2006/relationships" xmlns:mc="http://schemas.openxmlformats.org/markup-compatibility/2006" xmlns:mv="urn:schemas-microsoft-com:mac:vml" xmlns:p="http://schemas.openxmlformats.org/presentationml/2006/main" xmlns:c="http://schemas.openxmlformats.org/drawingml/2006/chart" xmlns:dgm="http://schemas.openxmlformats.org/drawingml/2006/diagram" xmlns:o="urn:schemas-microsoft-com:office:office" xmlns:v="urn:schemas-microsoft-com:vml" xmlns:pvml="urn:schemas-microsoft-com:office:powerpoint" xmlns:com="http://schemas.openxmlformats.org/drawingml/2006/compatibility" xmlns:p14="http://schemas.microsoft.com/office/powerpoint/2010/main" xmlns:p15="http://schemas.microsoft.com/office/powerpoint/2012/main" showMasterPhAnim="0" showMasterSp="0">
   <p:cSld>
     <p:spTree>
       <p:nvGrpSpPr>
-        <p:cNvPr id="398" name="Shape 398"/>
+        <p:cNvPr id="408" name="Shape 408"/>
         <p:cNvGrpSpPr/>
         <p:nvPr/>
       </p:nvGrpSpPr>
@@ -4199,7 +4367,7 @@
       </p:grpSpPr>
       <p:sp>
         <p:nvSpPr>
-          <p:cNvPr id="399" name="Google Shape;399;g44ec726a93_0_72:notes"/>
+          <p:cNvPr id="409" name="Google Shape;409;g44ec726a93_0_72:notes"/>
           <p:cNvSpPr txBox="1"/>
           <p:nvPr>
             <p:ph idx="1" type="body"/>
@@ -4258,7 +4426,7 @@
       </p:sp>
       <p:sp>
         <p:nvSpPr>
-          <p:cNvPr id="400" name="Google Shape;400;g44ec726a93_0_72:notes"/>
+          <p:cNvPr id="410" name="Google Shape;410;g44ec726a93_0_72:notes"/>
           <p:cNvSpPr/>
           <p:nvPr>
             <p:ph idx="2" type="sldImg"/>
@@ -4309,12 +4477,12 @@
 </p:notes>
 </file>
 
-<file path=ppt/notesSlides/notesSlide26.xml><?xml version="1.0" encoding="utf-8"?>
+<file path=ppt/notesSlides/notesSlide27.xml><?xml version="1.0" encoding="utf-8"?>
 <p:notes xmlns:a="http://schemas.openxmlformats.org/drawingml/2006/main" xmlns:r="http://schemas.openxmlformats.org/officeDocument/2006/relationships" xmlns:mc="http://schemas.openxmlformats.org/markup-compatibility/2006" xmlns:mv="urn:schemas-microsoft-com:mac:vml" xmlns:p="http://schemas.openxmlformats.org/presentationml/2006/main" xmlns:c="http://schemas.openxmlformats.org/drawingml/2006/chart" xmlns:dgm="http://schemas.openxmlformats.org/drawingml/2006/diagram" xmlns:o="urn:schemas-microsoft-com:office:office" xmlns:v="urn:schemas-microsoft-com:vml" xmlns:pvml="urn:schemas-microsoft-com:office:powerpoint" xmlns:com="http://schemas.openxmlformats.org/drawingml/2006/compatibility" xmlns:p14="http://schemas.microsoft.com/office/powerpoint/2010/main" xmlns:p15="http://schemas.microsoft.com/office/powerpoint/2012/main" showMasterPhAnim="0" showMasterSp="0">
   <p:cSld>
     <p:spTree>
       <p:nvGrpSpPr>
-        <p:cNvPr id="407" name="Shape 407"/>
+        <p:cNvPr id="417" name="Shape 417"/>
         <p:cNvGrpSpPr/>
         <p:nvPr/>
       </p:nvGrpSpPr>
@@ -4328,7 +4496,7 @@
       </p:grpSpPr>
       <p:sp>
         <p:nvSpPr>
-          <p:cNvPr id="408" name="Google Shape;408;g44ec726a93_0_93:notes"/>
+          <p:cNvPr id="418" name="Google Shape;418;g44ec726a93_0_93:notes"/>
           <p:cNvSpPr txBox="1"/>
           <p:nvPr>
             <p:ph idx="1" type="body"/>
@@ -4387,7 +4555,7 @@
       </p:sp>
       <p:sp>
         <p:nvSpPr>
-          <p:cNvPr id="409" name="Google Shape;409;g44ec726a93_0_93:notes"/>
+          <p:cNvPr id="419" name="Google Shape;419;g44ec726a93_0_93:notes"/>
           <p:cNvSpPr/>
           <p:nvPr>
             <p:ph idx="2" type="sldImg"/>
@@ -4438,12 +4606,12 @@
 </p:notes>
 </file>
 
-<file path=ppt/notesSlides/notesSlide27.xml><?xml version="1.0" encoding="utf-8"?>
+<file path=ppt/notesSlides/notesSlide28.xml><?xml version="1.0" encoding="utf-8"?>
 <p:notes xmlns:a="http://schemas.openxmlformats.org/drawingml/2006/main" xmlns:r="http://schemas.openxmlformats.org/officeDocument/2006/relationships" xmlns:mc="http://schemas.openxmlformats.org/markup-compatibility/2006" xmlns:mv="urn:schemas-microsoft-com:mac:vml" xmlns:p="http://schemas.openxmlformats.org/presentationml/2006/main" xmlns:c="http://schemas.openxmlformats.org/drawingml/2006/chart" xmlns:dgm="http://schemas.openxmlformats.org/drawingml/2006/diagram" xmlns:o="urn:schemas-microsoft-com:office:office" xmlns:v="urn:schemas-microsoft-com:vml" xmlns:pvml="urn:schemas-microsoft-com:office:powerpoint" xmlns:com="http://schemas.openxmlformats.org/drawingml/2006/compatibility" xmlns:p14="http://schemas.microsoft.com/office/powerpoint/2010/main" xmlns:p15="http://schemas.microsoft.com/office/powerpoint/2012/main" showMasterPhAnim="0" showMasterSp="0">
   <p:cSld>
     <p:spTree>
       <p:nvGrpSpPr>
-        <p:cNvPr id="415" name="Shape 415"/>
+        <p:cNvPr id="425" name="Shape 425"/>
         <p:cNvGrpSpPr/>
         <p:nvPr/>
       </p:nvGrpSpPr>
@@ -4457,7 +4625,7 @@
       </p:grpSpPr>
       <p:sp>
         <p:nvSpPr>
-          <p:cNvPr id="416" name="Google Shape;416;g44ec726a93_0_79:notes"/>
+          <p:cNvPr id="426" name="Google Shape;426;g44ec726a93_0_79:notes"/>
           <p:cNvSpPr txBox="1"/>
           <p:nvPr>
             <p:ph idx="1" type="body"/>
@@ -4516,7 +4684,7 @@
       </p:sp>
       <p:sp>
         <p:nvSpPr>
-          <p:cNvPr id="417" name="Google Shape;417;g44ec726a93_0_79:notes"/>
+          <p:cNvPr id="427" name="Google Shape;427;g44ec726a93_0_79:notes"/>
           <p:cNvSpPr/>
           <p:nvPr>
             <p:ph idx="2" type="sldImg"/>
@@ -4567,12 +4735,12 @@
 </p:notes>
 </file>
 
-<file path=ppt/notesSlides/notesSlide28.xml><?xml version="1.0" encoding="utf-8"?>
+<file path=ppt/notesSlides/notesSlide29.xml><?xml version="1.0" encoding="utf-8"?>
 <p:notes xmlns:a="http://schemas.openxmlformats.org/drawingml/2006/main" xmlns:r="http://schemas.openxmlformats.org/officeDocument/2006/relationships" xmlns:mc="http://schemas.openxmlformats.org/markup-compatibility/2006" xmlns:mv="urn:schemas-microsoft-com:mac:vml" xmlns:p="http://schemas.openxmlformats.org/presentationml/2006/main" xmlns:c="http://schemas.openxmlformats.org/drawingml/2006/chart" xmlns:dgm="http://schemas.openxmlformats.org/drawingml/2006/diagram" xmlns:o="urn:schemas-microsoft-com:office:office" xmlns:v="urn:schemas-microsoft-com:vml" xmlns:pvml="urn:schemas-microsoft-com:office:powerpoint" xmlns:com="http://schemas.openxmlformats.org/drawingml/2006/compatibility" xmlns:p14="http://schemas.microsoft.com/office/powerpoint/2010/main" xmlns:p15="http://schemas.microsoft.com/office/powerpoint/2012/main" showMasterPhAnim="0" showMasterSp="0">
   <p:cSld>
     <p:spTree>
       <p:nvGrpSpPr>
-        <p:cNvPr id="424" name="Shape 424"/>
+        <p:cNvPr id="433" name="Shape 433"/>
         <p:cNvGrpSpPr/>
         <p:nvPr/>
       </p:nvGrpSpPr>
@@ -4586,7 +4754,7 @@
       </p:grpSpPr>
       <p:sp>
         <p:nvSpPr>
-          <p:cNvPr id="425" name="Google Shape;425;g44ef648d64_0_4:notes"/>
+          <p:cNvPr id="434" name="Google Shape;434;g44ef648d64_0_4:notes"/>
           <p:cNvSpPr txBox="1"/>
           <p:nvPr>
             <p:ph idx="1" type="body"/>
@@ -4645,136 +4813,7 @@
       </p:sp>
       <p:sp>
         <p:nvSpPr>
-          <p:cNvPr id="426" name="Google Shape;426;g44ef648d64_0_4:notes"/>
-          <p:cNvSpPr/>
-          <p:nvPr>
-            <p:ph idx="2" type="sldImg"/>
-          </p:nvPr>
-        </p:nvSpPr>
-        <p:spPr>
-          <a:xfrm>
-            <a:off x="685800" y="1143000"/>
-            <a:ext cx="5486400" cy="3086100"/>
-          </a:xfrm>
-          <a:custGeom>
-            <a:rect b="b" l="l" r="r" t="t"/>
-            <a:pathLst>
-              <a:path extrusionOk="0" h="120000" w="120000">
-                <a:moveTo>
-                  <a:pt x="0" y="0"/>
-                </a:moveTo>
-                <a:lnTo>
-                  <a:pt x="120000" y="0"/>
-                </a:lnTo>
-                <a:lnTo>
-                  <a:pt x="120000" y="120000"/>
-                </a:lnTo>
-                <a:lnTo>
-                  <a:pt x="0" y="120000"/>
-                </a:lnTo>
-                <a:close/>
-              </a:path>
-            </a:pathLst>
-          </a:custGeom>
-          <a:noFill/>
-          <a:ln cap="flat" cmpd="sng" w="12700">
-            <a:solidFill>
-              <a:srgbClr val="000000"/>
-            </a:solidFill>
-            <a:prstDash val="solid"/>
-            <a:round/>
-            <a:headEnd len="sm" w="sm" type="none"/>
-            <a:tailEnd len="sm" w="sm" type="none"/>
-          </a:ln>
-        </p:spPr>
-      </p:sp>
-    </p:spTree>
-  </p:cSld>
-  <p:clrMapOvr>
-    <a:masterClrMapping/>
-  </p:clrMapOvr>
-</p:notes>
-</file>
-
-<file path=ppt/notesSlides/notesSlide29.xml><?xml version="1.0" encoding="utf-8"?>
-<p:notes xmlns:a="http://schemas.openxmlformats.org/drawingml/2006/main" xmlns:r="http://schemas.openxmlformats.org/officeDocument/2006/relationships" xmlns:mc="http://schemas.openxmlformats.org/markup-compatibility/2006" xmlns:mv="urn:schemas-microsoft-com:mac:vml" xmlns:p="http://schemas.openxmlformats.org/presentationml/2006/main" xmlns:c="http://schemas.openxmlformats.org/drawingml/2006/chart" xmlns:dgm="http://schemas.openxmlformats.org/drawingml/2006/diagram" xmlns:o="urn:schemas-microsoft-com:office:office" xmlns:v="urn:schemas-microsoft-com:vml" xmlns:pvml="urn:schemas-microsoft-com:office:powerpoint" xmlns:com="http://schemas.openxmlformats.org/drawingml/2006/compatibility" xmlns:p14="http://schemas.microsoft.com/office/powerpoint/2010/main" xmlns:p15="http://schemas.microsoft.com/office/powerpoint/2012/main" showMasterPhAnim="0" showMasterSp="0">
-  <p:cSld>
-    <p:spTree>
-      <p:nvGrpSpPr>
-        <p:cNvPr id="436" name="Shape 436"/>
-        <p:cNvGrpSpPr/>
-        <p:nvPr/>
-      </p:nvGrpSpPr>
-      <p:grpSpPr>
-        <a:xfrm>
-          <a:off x="0" y="0"/>
-          <a:ext cx="0" cy="0"/>
-          <a:chOff x="0" y="0"/>
-          <a:chExt cx="0" cy="0"/>
-        </a:xfrm>
-      </p:grpSpPr>
-      <p:sp>
-        <p:nvSpPr>
-          <p:cNvPr id="437" name="Google Shape;437;g44ec726a93_0_59:notes"/>
-          <p:cNvSpPr txBox="1"/>
-          <p:nvPr>
-            <p:ph idx="1" type="body"/>
-          </p:nvPr>
-        </p:nvSpPr>
-        <p:spPr>
-          <a:xfrm>
-            <a:off x="685800" y="4400550"/>
-            <a:ext cx="5486400" cy="3600600"/>
-          </a:xfrm>
-          <a:prstGeom prst="rect">
-            <a:avLst/>
-          </a:prstGeom>
-          <a:noFill/>
-          <a:ln>
-            <a:noFill/>
-          </a:ln>
-        </p:spPr>
-        <p:txBody>
-          <a:bodyPr anchorCtr="0" anchor="t" bIns="45700" lIns="91425" spcFirstLastPara="1" rIns="91425" wrap="square" tIns="45700">
-            <a:noAutofit/>
-          </a:bodyPr>
-          <a:lstStyle/>
-          <a:p>
-            <a:pPr indent="0" lvl="0" marL="0" marR="0" rtl="0" algn="l">
-              <a:lnSpc>
-                <a:spcPct val="100000"/>
-              </a:lnSpc>
-              <a:spcBef>
-                <a:spcPts val="0"/>
-              </a:spcBef>
-              <a:spcAft>
-                <a:spcPts val="0"/>
-              </a:spcAft>
-              <a:buClr>
-                <a:srgbClr val="000000"/>
-              </a:buClr>
-              <a:buSzPts val="1400"/>
-              <a:buFont typeface="Arial"/>
-              <a:buNone/>
-            </a:pPr>
-            <a:r>
-              <a:t/>
-            </a:r>
-            <a:endParaRPr b="0" i="0" sz="1200" u="none" cap="none" strike="noStrike">
-              <a:solidFill>
-                <a:schemeClr val="dk1"/>
-              </a:solidFill>
-              <a:latin typeface="Calibri"/>
-              <a:ea typeface="Calibri"/>
-              <a:cs typeface="Calibri"/>
-              <a:sym typeface="Calibri"/>
-            </a:endParaRPr>
-          </a:p>
-        </p:txBody>
-      </p:sp>
-      <p:sp>
-        <p:nvSpPr>
-          <p:cNvPr id="438" name="Google Shape;438;g44ec726a93_0_59:notes"/>
+          <p:cNvPr id="435" name="Google Shape;435;g44ef648d64_0_4:notes"/>
           <p:cNvSpPr/>
           <p:nvPr>
             <p:ph idx="2" type="sldImg"/>
@@ -5027,7 +5066,7 @@
   <p:cSld>
     <p:spTree>
       <p:nvGrpSpPr>
-        <p:cNvPr id="443" name="Shape 443"/>
+        <p:cNvPr id="445" name="Shape 445"/>
         <p:cNvGrpSpPr/>
         <p:nvPr/>
       </p:nvGrpSpPr>
@@ -5041,7 +5080,7 @@
       </p:grpSpPr>
       <p:sp>
         <p:nvSpPr>
-          <p:cNvPr id="444" name="Google Shape;444;p22:notes"/>
+          <p:cNvPr id="446" name="Google Shape;446;g44ec726a93_0_59:notes"/>
           <p:cNvSpPr txBox="1"/>
           <p:nvPr>
             <p:ph idx="1" type="body"/>
@@ -5050,7 +5089,7 @@
         <p:spPr>
           <a:xfrm>
             <a:off x="685800" y="4400550"/>
-            <a:ext cx="5486400" cy="3600450"/>
+            <a:ext cx="5486400" cy="3600600"/>
           </a:xfrm>
           <a:prstGeom prst="rect">
             <a:avLst/>
@@ -5100,7 +5139,136 @@
       </p:sp>
       <p:sp>
         <p:nvSpPr>
-          <p:cNvPr id="445" name="Google Shape;445;p22:notes"/>
+          <p:cNvPr id="447" name="Google Shape;447;g44ec726a93_0_59:notes"/>
+          <p:cNvSpPr/>
+          <p:nvPr>
+            <p:ph idx="2" type="sldImg"/>
+          </p:nvPr>
+        </p:nvSpPr>
+        <p:spPr>
+          <a:xfrm>
+            <a:off x="685800" y="1143000"/>
+            <a:ext cx="5486400" cy="3086100"/>
+          </a:xfrm>
+          <a:custGeom>
+            <a:rect b="b" l="l" r="r" t="t"/>
+            <a:pathLst>
+              <a:path extrusionOk="0" h="120000" w="120000">
+                <a:moveTo>
+                  <a:pt x="0" y="0"/>
+                </a:moveTo>
+                <a:lnTo>
+                  <a:pt x="120000" y="0"/>
+                </a:lnTo>
+                <a:lnTo>
+                  <a:pt x="120000" y="120000"/>
+                </a:lnTo>
+                <a:lnTo>
+                  <a:pt x="0" y="120000"/>
+                </a:lnTo>
+                <a:close/>
+              </a:path>
+            </a:pathLst>
+          </a:custGeom>
+          <a:noFill/>
+          <a:ln cap="flat" cmpd="sng" w="12700">
+            <a:solidFill>
+              <a:srgbClr val="000000"/>
+            </a:solidFill>
+            <a:prstDash val="solid"/>
+            <a:round/>
+            <a:headEnd len="sm" w="sm" type="none"/>
+            <a:tailEnd len="sm" w="sm" type="none"/>
+          </a:ln>
+        </p:spPr>
+      </p:sp>
+    </p:spTree>
+  </p:cSld>
+  <p:clrMapOvr>
+    <a:masterClrMapping/>
+  </p:clrMapOvr>
+</p:notes>
+</file>
+
+<file path=ppt/notesSlides/notesSlide31.xml><?xml version="1.0" encoding="utf-8"?>
+<p:notes xmlns:a="http://schemas.openxmlformats.org/drawingml/2006/main" xmlns:r="http://schemas.openxmlformats.org/officeDocument/2006/relationships" xmlns:mc="http://schemas.openxmlformats.org/markup-compatibility/2006" xmlns:mv="urn:schemas-microsoft-com:mac:vml" xmlns:p="http://schemas.openxmlformats.org/presentationml/2006/main" xmlns:c="http://schemas.openxmlformats.org/drawingml/2006/chart" xmlns:dgm="http://schemas.openxmlformats.org/drawingml/2006/diagram" xmlns:o="urn:schemas-microsoft-com:office:office" xmlns:v="urn:schemas-microsoft-com:vml" xmlns:pvml="urn:schemas-microsoft-com:office:powerpoint" xmlns:com="http://schemas.openxmlformats.org/drawingml/2006/compatibility" xmlns:p14="http://schemas.microsoft.com/office/powerpoint/2010/main" xmlns:p15="http://schemas.microsoft.com/office/powerpoint/2012/main" showMasterPhAnim="0" showMasterSp="0">
+  <p:cSld>
+    <p:spTree>
+      <p:nvGrpSpPr>
+        <p:cNvPr id="452" name="Shape 452"/>
+        <p:cNvGrpSpPr/>
+        <p:nvPr/>
+      </p:nvGrpSpPr>
+      <p:grpSpPr>
+        <a:xfrm>
+          <a:off x="0" y="0"/>
+          <a:ext cx="0" cy="0"/>
+          <a:chOff x="0" y="0"/>
+          <a:chExt cx="0" cy="0"/>
+        </a:xfrm>
+      </p:grpSpPr>
+      <p:sp>
+        <p:nvSpPr>
+          <p:cNvPr id="453" name="Google Shape;453;p22:notes"/>
+          <p:cNvSpPr txBox="1"/>
+          <p:nvPr>
+            <p:ph idx="1" type="body"/>
+          </p:nvPr>
+        </p:nvSpPr>
+        <p:spPr>
+          <a:xfrm>
+            <a:off x="685800" y="4400550"/>
+            <a:ext cx="5486400" cy="3600450"/>
+          </a:xfrm>
+          <a:prstGeom prst="rect">
+            <a:avLst/>
+          </a:prstGeom>
+          <a:noFill/>
+          <a:ln>
+            <a:noFill/>
+          </a:ln>
+        </p:spPr>
+        <p:txBody>
+          <a:bodyPr anchorCtr="0" anchor="t" bIns="45700" lIns="91425" spcFirstLastPara="1" rIns="91425" wrap="square" tIns="45700">
+            <a:noAutofit/>
+          </a:bodyPr>
+          <a:lstStyle/>
+          <a:p>
+            <a:pPr indent="0" lvl="0" marL="0" marR="0" rtl="0" algn="l">
+              <a:lnSpc>
+                <a:spcPct val="100000"/>
+              </a:lnSpc>
+              <a:spcBef>
+                <a:spcPts val="0"/>
+              </a:spcBef>
+              <a:spcAft>
+                <a:spcPts val="0"/>
+              </a:spcAft>
+              <a:buClr>
+                <a:srgbClr val="000000"/>
+              </a:buClr>
+              <a:buSzPts val="1400"/>
+              <a:buFont typeface="Arial"/>
+              <a:buNone/>
+            </a:pPr>
+            <a:r>
+              <a:t/>
+            </a:r>
+            <a:endParaRPr b="0" i="0" sz="1200" u="none" cap="none" strike="noStrike">
+              <a:solidFill>
+                <a:schemeClr val="dk1"/>
+              </a:solidFill>
+              <a:latin typeface="Calibri"/>
+              <a:ea typeface="Calibri"/>
+              <a:cs typeface="Calibri"/>
+              <a:sym typeface="Calibri"/>
+            </a:endParaRPr>
+          </a:p>
+        </p:txBody>
+      </p:sp>
+      <p:sp>
+        <p:nvSpPr>
+          <p:cNvPr id="454" name="Google Shape;454;p22:notes"/>
           <p:cNvSpPr/>
           <p:nvPr>
             <p:ph idx="2" type="sldImg"/>
@@ -5455,7 +5623,8 @@
               <a:buNone/>
             </a:pPr>
             <a:r>
-              <a:t/>
+              <a:rPr lang="en-US"/>
+              <a:t>We ll see a review on Statistics and LA concepts since you have seen them in previous adv. sections. </a:t>
             </a:r>
             <a:endParaRPr b="0" i="0" sz="1200" u="none" cap="none" strike="noStrike">
               <a:solidFill>
@@ -5823,7 +5992,7 @@
   <p:cSld>
     <p:spTree>
       <p:nvGrpSpPr>
-        <p:cNvPr id="182" name="Shape 182"/>
+        <p:cNvPr id="183" name="Shape 183"/>
         <p:cNvGrpSpPr/>
         <p:nvPr/>
       </p:nvGrpSpPr>
@@ -5837,7 +6006,7 @@
       </p:grpSpPr>
       <p:sp>
         <p:nvSpPr>
-          <p:cNvPr id="183" name="Google Shape;183;g44e47b3645_0_126:notes"/>
+          <p:cNvPr id="184" name="Google Shape;184;g44e47b3645_0_126:notes"/>
           <p:cNvSpPr/>
           <p:nvPr>
             <p:ph idx="2" type="sldImg"/>
@@ -5872,7 +6041,7 @@
       </p:sp>
       <p:sp>
         <p:nvSpPr>
-          <p:cNvPr id="184" name="Google Shape;184;g44e47b3645_0_126:notes"/>
+          <p:cNvPr id="185" name="Google Shape;185;g44e47b3645_0_126:notes"/>
           <p:cNvSpPr txBox="1"/>
           <p:nvPr>
             <p:ph idx="1" type="body"/>
@@ -5893,14 +6062,15 @@
           </a:bodyPr>
           <a:lstStyle/>
           <a:p>
-            <a:pPr indent="0" lvl="0" marL="0" rtl="0" algn="l">
-              <a:spcBef>
-                <a:spcPts val="0"/>
-              </a:spcBef>
-              <a:spcAft>
-                <a:spcPts val="0"/>
-              </a:spcAft>
-              <a:buNone/>
+            <a:pPr indent="-317500" lvl="0" marL="457200" rtl="0" algn="l">
+              <a:spcBef>
+                <a:spcPts val="0"/>
+              </a:spcBef>
+              <a:spcAft>
+                <a:spcPts val="0"/>
+              </a:spcAft>
+              <a:buSzPts val="1400"/>
+              <a:buAutoNum type="alphaLcParenR"/>
             </a:pPr>
             <a:r>
               <a:t/>
@@ -5911,7 +6081,7 @@
       </p:sp>
       <p:sp>
         <p:nvSpPr>
-          <p:cNvPr id="185" name="Google Shape;185;g44e47b3645_0_126:notes"/>
+          <p:cNvPr id="186" name="Google Shape;186;g44e47b3645_0_126:notes"/>
           <p:cNvSpPr txBox="1"/>
           <p:nvPr>
             <p:ph idx="12" type="sldNum"/>
@@ -5962,7 +6132,7 @@
   <p:cSld>
     <p:spTree>
       <p:nvGrpSpPr>
-        <p:cNvPr id="200" name="Shape 200"/>
+        <p:cNvPr id="201" name="Shape 201"/>
         <p:cNvGrpSpPr/>
         <p:nvPr/>
       </p:nvGrpSpPr>
@@ -5976,7 +6146,7 @@
       </p:grpSpPr>
       <p:sp>
         <p:nvSpPr>
-          <p:cNvPr id="201" name="Google Shape;201;g44fb45a767_1_8:notes"/>
+          <p:cNvPr id="202" name="Google Shape;202;g44fb45a767_1_8:notes"/>
           <p:cNvSpPr/>
           <p:nvPr>
             <p:ph idx="2" type="sldImg"/>
@@ -6011,7 +6181,7 @@
       </p:sp>
       <p:sp>
         <p:nvSpPr>
-          <p:cNvPr id="202" name="Google Shape;202;g44fb45a767_1_8:notes"/>
+          <p:cNvPr id="203" name="Google Shape;203;g44fb45a767_1_8:notes"/>
           <p:cNvSpPr txBox="1"/>
           <p:nvPr>
             <p:ph idx="1" type="body"/>
@@ -6050,7 +6220,7 @@
       </p:sp>
       <p:sp>
         <p:nvSpPr>
-          <p:cNvPr id="203" name="Google Shape;203;g44fb45a767_1_8:notes"/>
+          <p:cNvPr id="204" name="Google Shape;204;g44fb45a767_1_8:notes"/>
           <p:cNvSpPr txBox="1"/>
           <p:nvPr>
             <p:ph idx="12" type="sldNum"/>
@@ -22755,7 +22925,7 @@
   <p:cSld>
     <p:spTree>
       <p:nvGrpSpPr>
-        <p:cNvPr id="219" name="Shape 219"/>
+        <p:cNvPr id="220" name="Shape 220"/>
         <p:cNvGrpSpPr/>
         <p:nvPr/>
       </p:nvGrpSpPr>
@@ -22769,7 +22939,173 @@
       </p:grpSpPr>
       <p:sp>
         <p:nvSpPr>
-          <p:cNvPr id="220" name="Google Shape;220;p23"/>
+          <p:cNvPr id="221" name="Google Shape;221;p23"/>
+          <p:cNvSpPr txBox="1"/>
+          <p:nvPr>
+            <p:ph type="title"/>
+          </p:nvPr>
+        </p:nvSpPr>
+        <p:spPr>
+          <a:xfrm>
+            <a:off x="349292" y="216531"/>
+            <a:ext cx="11493300" cy="767400"/>
+          </a:xfrm>
+          <a:prstGeom prst="rect">
+            <a:avLst/>
+          </a:prstGeom>
+        </p:spPr>
+        <p:txBody>
+          <a:bodyPr anchorCtr="0" anchor="t" bIns="45700" lIns="91425" spcFirstLastPara="1" rIns="91425" wrap="square" tIns="45700">
+            <a:noAutofit/>
+          </a:bodyPr>
+          <a:lstStyle/>
+          <a:p>
+            <a:pPr indent="0" lvl="0" marL="0" rtl="0" algn="l">
+              <a:spcBef>
+                <a:spcPts val="0"/>
+              </a:spcBef>
+              <a:spcAft>
+                <a:spcPts val="0"/>
+              </a:spcAft>
+              <a:buNone/>
+            </a:pPr>
+            <a:r>
+              <a:rPr lang="en-US"/>
+              <a:t>Numerical verification of decomposition property</a:t>
+            </a:r>
+            <a:endParaRPr/>
+          </a:p>
+        </p:txBody>
+      </p:sp>
+      <p:sp>
+        <p:nvSpPr>
+          <p:cNvPr id="222" name="Google Shape;222;p23"/>
+          <p:cNvSpPr txBox="1"/>
+          <p:nvPr>
+            <p:ph idx="12" type="sldNum"/>
+          </p:nvPr>
+        </p:nvSpPr>
+        <p:spPr>
+          <a:xfrm>
+            <a:off x="9144000" y="6400800"/>
+            <a:ext cx="2844900" cy="365100"/>
+          </a:xfrm>
+          <a:prstGeom prst="rect">
+            <a:avLst/>
+          </a:prstGeom>
+        </p:spPr>
+        <p:txBody>
+          <a:bodyPr anchorCtr="0" anchor="ctr" bIns="45700" lIns="91425" spcFirstLastPara="1" rIns="91425" wrap="square" tIns="45700">
+            <a:noAutofit/>
+          </a:bodyPr>
+          <a:lstStyle/>
+          <a:p>
+            <a:pPr indent="0" lvl="0" marL="0" rtl="0" algn="r">
+              <a:spcBef>
+                <a:spcPts val="0"/>
+              </a:spcBef>
+              <a:spcAft>
+                <a:spcPts val="0"/>
+              </a:spcAft>
+              <a:buClr>
+                <a:srgbClr val="000000"/>
+              </a:buClr>
+              <a:buSzPts val="1200"/>
+              <a:buFont typeface="Arial"/>
+              <a:buNone/>
+            </a:pPr>
+            <a:fld id="{00000000-1234-1234-1234-123412341234}" type="slidenum">
+              <a:rPr lang="en-US"/>
+              <a:t>‹#›</a:t>
+            </a:fld>
+            <a:endParaRPr/>
+          </a:p>
+        </p:txBody>
+      </p:sp>
+      <p:pic>
+        <p:nvPicPr>
+          <p:cNvPr id="223" name="Google Shape;223;p23"/>
+          <p:cNvPicPr preferRelativeResize="0"/>
+          <p:nvPr/>
+        </p:nvPicPr>
+        <p:blipFill>
+          <a:blip r:embed="rId3">
+            <a:alphaModFix/>
+          </a:blip>
+          <a:stretch>
+            <a:fillRect/>
+          </a:stretch>
+        </p:blipFill>
+        <p:spPr>
+          <a:xfrm>
+            <a:off x="6477000" y="831531"/>
+            <a:ext cx="5568337" cy="5112068"/>
+          </a:xfrm>
+          <a:prstGeom prst="rect">
+            <a:avLst/>
+          </a:prstGeom>
+          <a:noFill/>
+          <a:ln>
+            <a:noFill/>
+          </a:ln>
+        </p:spPr>
+      </p:pic>
+      <p:pic>
+        <p:nvPicPr>
+          <p:cNvPr id="224" name="Google Shape;224;p23"/>
+          <p:cNvPicPr preferRelativeResize="0"/>
+          <p:nvPr/>
+        </p:nvPicPr>
+        <p:blipFill>
+          <a:blip r:embed="rId4">
+            <a:alphaModFix/>
+          </a:blip>
+          <a:stretch>
+            <a:fillRect/>
+          </a:stretch>
+        </p:blipFill>
+        <p:spPr>
+          <a:xfrm>
+            <a:off x="152400" y="831531"/>
+            <a:ext cx="6172200" cy="5534025"/>
+          </a:xfrm>
+          <a:prstGeom prst="rect">
+            <a:avLst/>
+          </a:prstGeom>
+          <a:noFill/>
+          <a:ln>
+            <a:noFill/>
+          </a:ln>
+        </p:spPr>
+      </p:pic>
+    </p:spTree>
+  </p:cSld>
+  <p:clrMapOvr>
+    <a:masterClrMapping/>
+  </p:clrMapOvr>
+</p:sld>
+</file>
+
+<file path=ppt/slides/slide11.xml><?xml version="1.0" encoding="utf-8"?>
+<p:sld xmlns:a="http://schemas.openxmlformats.org/drawingml/2006/main" xmlns:r="http://schemas.openxmlformats.org/officeDocument/2006/relationships" xmlns:mc="http://schemas.openxmlformats.org/markup-compatibility/2006" xmlns:mv="urn:schemas-microsoft-com:mac:vml" xmlns:p="http://schemas.openxmlformats.org/presentationml/2006/main" xmlns:c="http://schemas.openxmlformats.org/drawingml/2006/chart" xmlns:dgm="http://schemas.openxmlformats.org/drawingml/2006/diagram" xmlns:o="urn:schemas-microsoft-com:office:office" xmlns:v="urn:schemas-microsoft-com:vml" xmlns:pvml="urn:schemas-microsoft-com:office:powerpoint" xmlns:com="http://schemas.openxmlformats.org/drawingml/2006/compatibility" xmlns:p14="http://schemas.microsoft.com/office/powerpoint/2010/main" xmlns:p15="http://schemas.microsoft.com/office/powerpoint/2012/main">
+  <p:cSld>
+    <p:spTree>
+      <p:nvGrpSpPr>
+        <p:cNvPr id="229" name="Shape 229"/>
+        <p:cNvGrpSpPr/>
+        <p:nvPr/>
+      </p:nvGrpSpPr>
+      <p:grpSpPr>
+        <a:xfrm>
+          <a:off x="0" y="0"/>
+          <a:ext cx="0" cy="0"/>
+          <a:chOff x="0" y="0"/>
+          <a:chExt cx="0" cy="0"/>
+        </a:xfrm>
+      </p:grpSpPr>
+      <p:sp>
+        <p:nvSpPr>
+          <p:cNvPr id="230" name="Google Shape;230;p24"/>
           <p:cNvSpPr txBox="1"/>
           <p:nvPr>
             <p:ph type="title"/>
@@ -22809,7 +23145,7 @@
       </p:sp>
       <p:sp>
         <p:nvSpPr>
-          <p:cNvPr id="221" name="Google Shape;221;p23"/>
+          <p:cNvPr id="231" name="Google Shape;231;p24"/>
           <p:cNvSpPr txBox="1"/>
           <p:nvPr>
             <p:ph idx="1" type="body"/>
@@ -22849,14 +23185,7 @@
             </a:pPr>
             <a:r>
               <a:rPr lang="en-US"/>
-              <a:t>The eigenvalues of               and 			  are positive &amp;</a:t>
-            </a:r>
-            <a:br>
-              <a:rPr lang="en-US"/>
-            </a:br>
-            <a:r>
-              <a:rPr lang="en-US"/>
-              <a:t>real numbers: </a:t>
+              <a:t>The eigenvalues of             are positive and real numbers: </a:t>
             </a:r>
             <a:endParaRPr/>
           </a:p>
@@ -22864,7 +23193,7 @@
       </p:sp>
       <p:sp>
         <p:nvSpPr>
-          <p:cNvPr id="222" name="Google Shape;222;p23"/>
+          <p:cNvPr id="232" name="Google Shape;232;p24"/>
           <p:cNvSpPr txBox="1"/>
           <p:nvPr>
             <p:ph idx="1" type="body"/>
@@ -22872,7 +23201,7 @@
         </p:nvSpPr>
         <p:spPr>
           <a:xfrm>
-            <a:off x="1454725" y="5098725"/>
+            <a:off x="1454725" y="5327325"/>
             <a:ext cx="8319600" cy="767400"/>
           </a:xfrm>
           <a:prstGeom prst="rect">
@@ -22920,7 +23249,7 @@
       </p:sp>
       <p:pic>
         <p:nvPicPr>
-          <p:cNvPr descr="X^T X" id="223" name="Google Shape;223;p23" title="MathEquation,#000000"/>
+          <p:cNvPr descr="X^T X" id="233" name="Google Shape;233;p24" title="MathEquation,#000000"/>
           <p:cNvPicPr preferRelativeResize="0"/>
           <p:nvPr/>
         </p:nvPicPr>
@@ -22934,7 +23263,7 @@
         </p:blipFill>
         <p:spPr>
           <a:xfrm>
-            <a:off x="3294125" y="5254600"/>
+            <a:off x="3294125" y="5483200"/>
             <a:ext cx="792424" cy="355600"/>
           </a:xfrm>
           <a:prstGeom prst="rect">
@@ -22948,7 +23277,7 @@
       </p:pic>
       <p:pic>
         <p:nvPicPr>
-          <p:cNvPr descr="XX^T" id="224" name="Google Shape;224;p23" title="MathEquation,#000000"/>
+          <p:cNvPr descr="XX^T" id="234" name="Google Shape;234;p24" title="MathEquation,#000000"/>
           <p:cNvPicPr preferRelativeResize="0"/>
           <p:nvPr/>
         </p:nvPicPr>
@@ -22962,7 +23291,7 @@
         </p:blipFill>
         <p:spPr>
           <a:xfrm>
-            <a:off x="5125696" y="5266926"/>
+            <a:off x="5125696" y="5495526"/>
             <a:ext cx="792424" cy="355600"/>
           </a:xfrm>
           <a:prstGeom prst="rect">
@@ -22976,7 +23305,7 @@
       </p:pic>
       <p:pic>
         <p:nvPicPr>
-          <p:cNvPr descr="X^T X" id="225" name="Google Shape;225;p23" title="MathEquation,#000000"/>
+          <p:cNvPr descr="X^T X" id="235" name="Google Shape;235;p24" title="MathEquation,#000000"/>
           <p:cNvPicPr preferRelativeResize="0"/>
           <p:nvPr/>
         </p:nvPicPr>
@@ -22990,7 +23319,7 @@
         </p:blipFill>
         <p:spPr>
           <a:xfrm>
-            <a:off x="4165200" y="1210384"/>
+            <a:off x="4075364" y="1210384"/>
             <a:ext cx="792424" cy="355600"/>
           </a:xfrm>
           <a:prstGeom prst="rect">
@@ -23004,7 +23333,35 @@
       </p:pic>
       <p:pic>
         <p:nvPicPr>
-          <p:cNvPr descr="XX^T" id="226" name="Google Shape;226;p23" title="MathEquation,#000000"/>
+          <p:cNvPr descr="\begin{align}&#10;X^T X u &amp;= \lambda u \\ &#10;u^T X^T X u &amp;= u^T \lambda u \\&#10;(X u)^T(X u) &amp;= \lambda u^T  u \\&#10;||Xu||^2 &amp;= \lambda ||u||^2 \\&#10;&amp;\Rightarrow  \lambda &gt;0&#10;\end{align}&#10;&#10;" id="236" name="Google Shape;236;p24" title="MathEquation,#000000"/>
+          <p:cNvPicPr preferRelativeResize="0"/>
+          <p:nvPr/>
+        </p:nvPicPr>
+        <p:blipFill>
+          <a:blip r:embed="rId5">
+            <a:alphaModFix/>
+          </a:blip>
+          <a:stretch>
+            <a:fillRect/>
+          </a:stretch>
+        </p:blipFill>
+        <p:spPr>
+          <a:xfrm>
+            <a:off x="4446150" y="2001688"/>
+            <a:ext cx="3147298" cy="2313274"/>
+          </a:xfrm>
+          <a:prstGeom prst="rect">
+            <a:avLst/>
+          </a:prstGeom>
+          <a:noFill/>
+          <a:ln>
+            <a:noFill/>
+          </a:ln>
+        </p:spPr>
+      </p:pic>
+      <p:pic>
+        <p:nvPicPr>
+          <p:cNvPr descr="XX^T" id="237" name="Google Shape;237;p24" title="MathEquation,#000000"/>
           <p:cNvPicPr preferRelativeResize="0"/>
           <p:nvPr/>
         </p:nvPicPr>
@@ -23018,7 +23375,7 @@
         </p:blipFill>
         <p:spPr>
           <a:xfrm>
-            <a:off x="6047313" y="1210376"/>
+            <a:off x="10183067" y="4594160"/>
             <a:ext cx="792424" cy="355600"/>
           </a:xfrm>
           <a:prstGeom prst="rect">
@@ -23030,24 +23387,18 @@
           </a:ln>
         </p:spPr>
       </p:pic>
-      <p:pic>
-        <p:nvPicPr>
-          <p:cNvPr descr="\begin{align}&#10;X^T X u &amp;= \lambda u \\ &#10;u^T X^T X u &amp;= u^T \lambda u \\&#10;(X u)^T(X u) &amp;= \lambda u^T  u \\&#10;||Xu||^2 &amp;= \lambda ||u||^2 \\&#10;&amp;\Rightarrow  \lambda &gt;0&#10;\end{align}&#10;&#10;" id="227" name="Google Shape;227;p23" title="MathEquation,#000000"/>
-          <p:cNvPicPr preferRelativeResize="0"/>
-          <p:nvPr/>
-        </p:nvPicPr>
-        <p:blipFill>
-          <a:blip r:embed="rId5">
-            <a:alphaModFix/>
-          </a:blip>
-          <a:stretch>
-            <a:fillRect/>
-          </a:stretch>
-        </p:blipFill>
-        <p:spPr>
-          <a:xfrm>
-            <a:off x="4446150" y="2306488"/>
-            <a:ext cx="3147298" cy="2313274"/>
+      <p:sp>
+        <p:nvSpPr>
+          <p:cNvPr id="238" name="Google Shape;238;p24"/>
+          <p:cNvSpPr txBox="1"/>
+          <p:nvPr>
+            <p:ph idx="1" type="body"/>
+          </p:nvPr>
+        </p:nvSpPr>
+        <p:spPr>
+          <a:xfrm>
+            <a:off x="8239725" y="4445526"/>
+            <a:ext cx="2171700" cy="625500"/>
           </a:xfrm>
           <a:prstGeom prst="rect">
             <a:avLst/>
@@ -23057,7 +23408,37 @@
             <a:noFill/>
           </a:ln>
         </p:spPr>
-      </p:pic>
+        <p:txBody>
+          <a:bodyPr anchorCtr="0" anchor="t" bIns="45700" lIns="91425" spcFirstLastPara="1" rIns="91425" wrap="square" tIns="45700">
+            <a:noAutofit/>
+          </a:bodyPr>
+          <a:lstStyle/>
+          <a:p>
+            <a:pPr indent="0" lvl="0" marL="0" marR="0" rtl="0" algn="l">
+              <a:lnSpc>
+                <a:spcPct val="100000"/>
+              </a:lnSpc>
+              <a:spcBef>
+                <a:spcPts val="480"/>
+              </a:spcBef>
+              <a:spcAft>
+                <a:spcPts val="0"/>
+              </a:spcAft>
+              <a:buClr>
+                <a:srgbClr val="464646"/>
+              </a:buClr>
+              <a:buSzPts val="2800"/>
+              <a:buFont typeface="Arial"/>
+              <a:buNone/>
+            </a:pPr>
+            <a:r>
+              <a:rPr lang="en-US"/>
+              <a:t>Similar for </a:t>
+            </a:r>
+            <a:endParaRPr/>
+          </a:p>
+        </p:txBody>
+      </p:sp>
     </p:spTree>
   </p:cSld>
   <p:clrMapOvr>
@@ -23066,12 +23447,12 @@
 </p:sld>
 </file>
 
-<file path=ppt/slides/slide11.xml><?xml version="1.0" encoding="utf-8"?>
+<file path=ppt/slides/slide12.xml><?xml version="1.0" encoding="utf-8"?>
 <p:sld xmlns:a="http://schemas.openxmlformats.org/drawingml/2006/main" xmlns:r="http://schemas.openxmlformats.org/officeDocument/2006/relationships" xmlns:mc="http://schemas.openxmlformats.org/markup-compatibility/2006" xmlns:mv="urn:schemas-microsoft-com:mac:vml" xmlns:p="http://schemas.openxmlformats.org/presentationml/2006/main" xmlns:c="http://schemas.openxmlformats.org/drawingml/2006/chart" xmlns:dgm="http://schemas.openxmlformats.org/drawingml/2006/diagram" xmlns:o="urn:schemas-microsoft-com:office:office" xmlns:v="urn:schemas-microsoft-com:vml" xmlns:pvml="urn:schemas-microsoft-com:office:powerpoint" xmlns:com="http://schemas.openxmlformats.org/drawingml/2006/compatibility" xmlns:p14="http://schemas.microsoft.com/office/powerpoint/2010/main" xmlns:p15="http://schemas.microsoft.com/office/powerpoint/2012/main">
   <p:cSld>
     <p:spTree>
       <p:nvGrpSpPr>
-        <p:cNvPr id="232" name="Shape 232"/>
+        <p:cNvPr id="243" name="Shape 243"/>
         <p:cNvGrpSpPr/>
         <p:nvPr/>
       </p:nvGrpSpPr>
@@ -23085,7 +23466,7 @@
       </p:grpSpPr>
       <p:sp>
         <p:nvSpPr>
-          <p:cNvPr id="233" name="Google Shape;233;p24"/>
+          <p:cNvPr id="244" name="Google Shape;244;p25"/>
           <p:cNvSpPr txBox="1"/>
           <p:nvPr>
             <p:ph type="title"/>
@@ -23125,7 +23506,7 @@
       </p:sp>
       <p:sp>
         <p:nvSpPr>
-          <p:cNvPr id="234" name="Google Shape;234;p24"/>
+          <p:cNvPr id="245" name="Google Shape;245;p25"/>
           <p:cNvSpPr txBox="1"/>
           <p:nvPr>
             <p:ph idx="12" type="sldNum"/>
@@ -23165,7 +23546,7 @@
       </p:sp>
       <p:sp>
         <p:nvSpPr>
-          <p:cNvPr id="235" name="Google Shape;235;p24"/>
+          <p:cNvPr id="246" name="Google Shape;246;p25"/>
           <p:cNvSpPr txBox="1"/>
           <p:nvPr>
             <p:ph idx="1" type="body"/>
@@ -23173,7 +23554,7 @@
         </p:nvSpPr>
         <p:spPr>
           <a:xfrm>
-            <a:off x="1251700" y="4867061"/>
+            <a:off x="1251700" y="4409861"/>
             <a:ext cx="10590900" cy="767400"/>
           </a:xfrm>
           <a:prstGeom prst="rect">
@@ -23209,7 +23590,7 @@
             </a:pPr>
             <a:r>
               <a:rPr lang="en-US"/>
-              <a:t>Same eigenvalues: </a:t>
+              <a:t>Same eigenvalues. </a:t>
             </a:r>
             <a:endParaRPr/>
           </a:p>
@@ -23233,7 +23614,7 @@
             </a:pPr>
             <a:r>
               <a:rPr lang="en-US"/>
-              <a:t>Modified </a:t>
+              <a:t>Transformed </a:t>
             </a:r>
             <a:r>
               <a:rPr lang="en-US"/>
@@ -23252,7 +23633,7 @@
       </p:sp>
       <p:sp>
         <p:nvSpPr>
-          <p:cNvPr id="236" name="Google Shape;236;p24"/>
+          <p:cNvPr id="247" name="Google Shape;247;p25"/>
           <p:cNvSpPr txBox="1"/>
           <p:nvPr>
             <p:ph idx="1" type="body"/>
@@ -23296,7 +23677,7 @@
             </a:r>
             <a:r>
               <a:rPr lang="en-US"/>
-              <a:t>           share the same eigenvalues</a:t>
+              <a:t>           share the same eigenvalues:</a:t>
             </a:r>
             <a:endParaRPr/>
           </a:p>
@@ -23304,7 +23685,7 @@
       </p:sp>
       <p:pic>
         <p:nvPicPr>
-          <p:cNvPr descr="X^T X" id="237" name="Google Shape;237;p24" title="MathEquation,#000000"/>
+          <p:cNvPr descr="X^T X" id="248" name="Google Shape;248;p25" title="MathEquation,#000000"/>
           <p:cNvPicPr preferRelativeResize="0"/>
           <p:nvPr/>
         </p:nvPicPr>
@@ -23332,7 +23713,7 @@
       </p:pic>
       <p:pic>
         <p:nvPicPr>
-          <p:cNvPr descr="XX^T" id="238" name="Google Shape;238;p24" title="MathEquation,#000000"/>
+          <p:cNvPr descr="XX^T" id="249" name="Google Shape;249;p25" title="MathEquation,#000000"/>
           <p:cNvPicPr preferRelativeResize="0"/>
           <p:nvPr/>
         </p:nvPicPr>
@@ -23360,7 +23741,7 @@
       </p:pic>
       <p:pic>
         <p:nvPicPr>
-          <p:cNvPr descr="\lambda_i" id="239" name="Google Shape;239;p24" title="MathEquation,#000000"/>
+          <p:cNvPr descr="\begin{align}&#10;X^T X u &amp;= \lambda u \\&#10;X X^T X u &amp;=X \lambda u \\&#10;X X^T (X u) &amp;= \lambda (X u) \\&#10;XX^T \tilde u &amp;= \lambda \tilde u&#10;\end{align}&#10;&#10;" id="250" name="Google Shape;250;p25" title="MathEquation,#000000"/>
           <p:cNvPicPr preferRelativeResize="0"/>
           <p:nvPr/>
         </p:nvPicPr>
@@ -23374,8 +23755,8 @@
         </p:blipFill>
         <p:spPr>
           <a:xfrm>
-            <a:off x="5956425" y="4919175"/>
-            <a:ext cx="363668" cy="406399"/>
+            <a:off x="4573575" y="2208525"/>
+            <a:ext cx="3129364" cy="1905000"/>
           </a:xfrm>
           <a:prstGeom prst="rect">
             <a:avLst/>
@@ -23388,7 +23769,7 @@
       </p:pic>
       <p:pic>
         <p:nvPicPr>
-          <p:cNvPr descr="\tilde u_i =Xu" id="240" name="Google Shape;240;p24" title="MathEquation,#000000"/>
+          <p:cNvPr descr="\tilde{u} = X u" id="251" name="Google Shape;251;p25" title="MathEquation,#000000"/>
           <p:cNvPicPr preferRelativeResize="0"/>
           <p:nvPr/>
         </p:nvPicPr>
@@ -23402,36 +23783,8 @@
         </p:blipFill>
         <p:spPr>
           <a:xfrm>
-            <a:off x="5454325" y="5506475"/>
-            <a:ext cx="1526384" cy="406400"/>
-          </a:xfrm>
-          <a:prstGeom prst="rect">
-            <a:avLst/>
-          </a:prstGeom>
-          <a:noFill/>
-          <a:ln>
-            <a:noFill/>
-          </a:ln>
-        </p:spPr>
-      </p:pic>
-      <p:pic>
-        <p:nvPicPr>
-          <p:cNvPr descr="\begin{align}&#10;X^T X u &amp;= \lambda u \\&#10;X X^T X u &amp;=X \lambda u \\&#10;X X^T (X u) &amp;= \lambda (X u) \\&#10;XX^T \tilde u &amp;= \lambda \tilde u&#10;\end{align}&#10;&#10;" id="241" name="Google Shape;241;p24" title="MathEquation,#000000"/>
-          <p:cNvPicPr preferRelativeResize="0"/>
-          <p:nvPr/>
-        </p:nvPicPr>
-        <p:blipFill>
-          <a:blip r:embed="rId7">
-            <a:alphaModFix/>
-          </a:blip>
-          <a:stretch>
-            <a:fillRect/>
-          </a:stretch>
-        </p:blipFill>
-        <p:spPr>
-          <a:xfrm>
-            <a:off x="4573575" y="2208525"/>
-            <a:ext cx="3129364" cy="1905000"/>
+            <a:off x="5538975" y="5561275"/>
+            <a:ext cx="1619626" cy="421100"/>
           </a:xfrm>
           <a:prstGeom prst="rect">
             <a:avLst/>
@@ -23450,12 +23803,12 @@
 </p:sld>
 </file>
 
-<file path=ppt/slides/slide12.xml><?xml version="1.0" encoding="utf-8"?>
+<file path=ppt/slides/slide13.xml><?xml version="1.0" encoding="utf-8"?>
 <p:sld xmlns:a="http://schemas.openxmlformats.org/drawingml/2006/main" xmlns:r="http://schemas.openxmlformats.org/officeDocument/2006/relationships" xmlns:mc="http://schemas.openxmlformats.org/markup-compatibility/2006" xmlns:mv="urn:schemas-microsoft-com:mac:vml" xmlns:p="http://schemas.openxmlformats.org/presentationml/2006/main" xmlns:c="http://schemas.openxmlformats.org/drawingml/2006/chart" xmlns:dgm="http://schemas.openxmlformats.org/drawingml/2006/diagram" xmlns:o="urn:schemas-microsoft-com:office:office" xmlns:v="urn:schemas-microsoft-com:vml" xmlns:pvml="urn:schemas-microsoft-com:office:powerpoint" xmlns:com="http://schemas.openxmlformats.org/drawingml/2006/compatibility" xmlns:p14="http://schemas.microsoft.com/office/powerpoint/2010/main" xmlns:p15="http://schemas.microsoft.com/office/powerpoint/2012/main">
   <p:cSld>
     <p:spTree>
       <p:nvGrpSpPr>
-        <p:cNvPr id="246" name="Shape 246"/>
+        <p:cNvPr id="256" name="Shape 256"/>
         <p:cNvGrpSpPr/>
         <p:nvPr/>
       </p:nvGrpSpPr>
@@ -23469,7 +23822,7 @@
       </p:grpSpPr>
       <p:sp>
         <p:nvSpPr>
-          <p:cNvPr id="247" name="Google Shape;247;p25"/>
+          <p:cNvPr id="257" name="Google Shape;257;p26"/>
           <p:cNvSpPr txBox="1"/>
           <p:nvPr>
             <p:ph type="title"/>
@@ -23501,7 +23854,7 @@
             </a:pPr>
             <a:r>
               <a:rPr lang="en-US"/>
-              <a:t>The sum of eigenvalues of       	is equal to the trace</a:t>
+              <a:t>The sum of eigenvalues of       	is equal to its trace</a:t>
             </a:r>
             <a:endParaRPr/>
           </a:p>
@@ -23524,7 +23877,7 @@
       </p:sp>
       <p:sp>
         <p:nvSpPr>
-          <p:cNvPr id="248" name="Google Shape;248;p25"/>
+          <p:cNvPr id="258" name="Google Shape;258;p26"/>
           <p:cNvSpPr txBox="1"/>
           <p:nvPr>
             <p:ph idx="12" type="sldNum"/>
@@ -23564,7 +23917,7 @@
       </p:sp>
       <p:pic>
         <p:nvPicPr>
-          <p:cNvPr descr="X^T X" id="249" name="Google Shape;249;p25" title="MathEquation,#000000"/>
+          <p:cNvPr descr="X^T X" id="259" name="Google Shape;259;p26" title="MathEquation,#000000"/>
           <p:cNvPicPr preferRelativeResize="0"/>
           <p:nvPr/>
         </p:nvPicPr>
@@ -23592,7 +23945,7 @@
       </p:pic>
       <p:sp>
         <p:nvSpPr>
-          <p:cNvPr id="250" name="Google Shape;250;p25"/>
+          <p:cNvPr id="260" name="Google Shape;260;p26"/>
           <p:cNvSpPr txBox="1"/>
           <p:nvPr>
             <p:ph idx="1" type="body"/>
@@ -23600,7 +23953,7 @@
         </p:nvSpPr>
         <p:spPr>
           <a:xfrm>
-            <a:off x="498025" y="755325"/>
+            <a:off x="498025" y="832327"/>
             <a:ext cx="10326900" cy="1072800"/>
           </a:xfrm>
           <a:prstGeom prst="rect">
@@ -23647,7 +24000,7 @@
       </p:sp>
       <p:pic>
         <p:nvPicPr>
-          <p:cNvPr descr="B_{m\times n} \quad \&amp; \quad  C_{n\times m} " id="251" name="Google Shape;251;p25" title="MathEquation,#000000"/>
+          <p:cNvPr descr="B_{m\times n} \quad \&amp; \quad  C_{n\times m} " id="261" name="Google Shape;261;p26" title="MathEquation,#000000"/>
           <p:cNvPicPr preferRelativeResize="0"/>
           <p:nvPr/>
         </p:nvPicPr>
@@ -23661,7 +24014,7 @@
         </p:blipFill>
         <p:spPr>
           <a:xfrm>
-            <a:off x="5337001" y="1518413"/>
+            <a:off x="5337001" y="1595415"/>
             <a:ext cx="2679646" cy="365100"/>
           </a:xfrm>
           <a:prstGeom prst="rect">
@@ -23675,7 +24028,7 @@
       </p:pic>
       <p:pic>
         <p:nvPicPr>
-          <p:cNvPr descr="\begin{align}&#10;\text{Tr }(BC) = \sum_i^m(BC)_{ii}=\sum_i^m\sum_j^n B_{ij} C_{ji} \\&#10; \sum_i^m\sum_j^n  C_{ji} B_{ij} = \sum_j^n (CB)_{jj} = \text{Tr }(CB) &#10;\end{align}" id="252" name="Google Shape;252;p25" title="MathEquation,#000000"/>
+          <p:cNvPr descr="\begin{align}&#10;\text{Tr }(BC) = \sum_i^m(BC)_{ii}=\sum_i^m\sum_j^n B_{ij} C_{ji} \\&#10; \sum_i^m\sum_j^n  C_{ji} B_{ij} = \sum_j^n (CB)_{jj} = \text{Tr }(CB) &#10;\end{align}" id="262" name="Google Shape;262;p26" title="MathEquation,#000000"/>
           <p:cNvPicPr preferRelativeResize="0"/>
           <p:nvPr/>
         </p:nvPicPr>
@@ -23689,7 +24042,7 @@
         </p:blipFill>
         <p:spPr>
           <a:xfrm>
-            <a:off x="3615150" y="2193749"/>
+            <a:off x="3615150" y="2384650"/>
             <a:ext cx="5114094" cy="1905000"/>
           </a:xfrm>
           <a:prstGeom prst="rect">
@@ -23703,7 +24056,7 @@
       </p:pic>
       <p:pic>
         <p:nvPicPr>
-          <p:cNvPr descr="\begin{align}&#10;\text{Tr }(BC) =  \text{Tr }(CB) &#10;\end{align}" id="253" name="Google Shape;253;p25" title="MathEquation,#000000"/>
+          <p:cNvPr descr="\begin{align}&#10;\text{Tr }(BC) =  \text{Tr }(CB) &#10;\end{align}" id="263" name="Google Shape;263;p26" title="MathEquation,#000000"/>
           <p:cNvPicPr preferRelativeResize="0"/>
           <p:nvPr/>
         </p:nvPicPr>
@@ -23717,7 +24070,7 @@
         </p:blipFill>
         <p:spPr>
           <a:xfrm>
-            <a:off x="5318275" y="848527"/>
+            <a:off x="5318275" y="887831"/>
             <a:ext cx="2679650" cy="455511"/>
           </a:xfrm>
           <a:prstGeom prst="rect">
@@ -23731,7 +24084,7 @@
       </p:pic>
       <p:sp>
         <p:nvSpPr>
-          <p:cNvPr id="254" name="Google Shape;254;p25"/>
+          <p:cNvPr id="264" name="Google Shape;264;p26"/>
           <p:cNvSpPr txBox="1"/>
           <p:nvPr>
             <p:ph idx="1" type="body"/>
@@ -23739,7 +24092,7 @@
         </p:nvSpPr>
         <p:spPr>
           <a:xfrm>
-            <a:off x="498025" y="4260525"/>
+            <a:off x="498025" y="4489125"/>
             <a:ext cx="10326900" cy="1072800"/>
           </a:xfrm>
           <a:prstGeom prst="rect">
@@ -23779,7 +24132,7 @@
       </p:sp>
       <p:pic>
         <p:nvPicPr>
-          <p:cNvPr descr="\begin{align}&#10;\text{Tr }(X^T X) &amp;= \text{Tr }(U\Lambda U^T) = \text{Tr }( U^TU\Lambda)=\text{Tr }( \Lambda) \\&#10;&amp;\Rightarrow \text{Tr }(X^T X) = \sum_{i=1}^p \lambda_i&#10;\end{align}" id="255" name="Google Shape;255;p25" title="MathEquation,#000000"/>
+          <p:cNvPr descr="\begin{align}&#10;\text{Tr }(X^T X) &amp;= \text{Tr }(U\Lambda U^T) = \text{Tr }( U^TU\Lambda)=\text{Tr }( \Lambda) \\&#10;&amp;\Rightarrow \text{Tr }(X^T X) = \sum_{i=1}^p \lambda_i&#10;\end{align}" id="265" name="Google Shape;265;p26" title="MathEquation,#000000"/>
           <p:cNvPicPr preferRelativeResize="0"/>
           <p:nvPr/>
         </p:nvPicPr>
@@ -23793,8 +24146,86 @@
         </p:blipFill>
         <p:spPr>
           <a:xfrm>
-            <a:off x="3187925" y="4984550"/>
+            <a:off x="3340325" y="5136950"/>
             <a:ext cx="6488676" cy="1435600"/>
+          </a:xfrm>
+          <a:prstGeom prst="rect">
+            <a:avLst/>
+          </a:prstGeom>
+          <a:noFill/>
+          <a:ln>
+            <a:noFill/>
+          </a:ln>
+        </p:spPr>
+      </p:pic>
+      <p:sp>
+        <p:nvSpPr>
+          <p:cNvPr id="266" name="Google Shape;266;p26"/>
+          <p:cNvSpPr/>
+          <p:nvPr/>
+        </p:nvSpPr>
+        <p:spPr>
+          <a:xfrm rot="5404157">
+            <a:off x="4114340" y="5337829"/>
+            <a:ext cx="248100" cy="577800"/>
+          </a:xfrm>
+          <a:prstGeom prst="rightBrace">
+            <a:avLst>
+              <a:gd fmla="val 8333" name="adj1"/>
+              <a:gd fmla="val 50000" name="adj2"/>
+            </a:avLst>
+          </a:prstGeom>
+          <a:noFill/>
+          <a:ln cap="flat" cmpd="sng" w="28575">
+            <a:solidFill>
+              <a:schemeClr val="dk2"/>
+            </a:solidFill>
+            <a:prstDash val="solid"/>
+            <a:round/>
+            <a:headEnd len="sm" w="sm" type="none"/>
+            <a:tailEnd len="sm" w="sm" type="none"/>
+          </a:ln>
+        </p:spPr>
+        <p:txBody>
+          <a:bodyPr anchorCtr="0" anchor="ctr" bIns="91425" lIns="91425" spcFirstLastPara="1" rIns="91425" wrap="square" tIns="91425">
+            <a:noAutofit/>
+          </a:bodyPr>
+          <a:lstStyle/>
+          <a:p>
+            <a:pPr indent="0" lvl="0" marL="0" rtl="0" algn="l">
+              <a:spcBef>
+                <a:spcPts val="0"/>
+              </a:spcBef>
+              <a:spcAft>
+                <a:spcPts val="0"/>
+              </a:spcAft>
+              <a:buNone/>
+            </a:pPr>
+            <a:r>
+              <a:t/>
+            </a:r>
+            <a:endParaRPr/>
+          </a:p>
+        </p:txBody>
+      </p:sp>
+      <p:pic>
+        <p:nvPicPr>
+          <p:cNvPr descr="p\times p" id="267" name="Google Shape;267;p26" title="MathEquation,#000000"/>
+          <p:cNvPicPr preferRelativeResize="0"/>
+          <p:nvPr/>
+        </p:nvPicPr>
+        <p:blipFill>
+          <a:blip r:embed="rId8">
+            <a:alphaModFix/>
+          </a:blip>
+          <a:stretch>
+            <a:fillRect/>
+          </a:stretch>
+        </p:blipFill>
+        <p:spPr>
+          <a:xfrm>
+            <a:off x="3963601" y="5772567"/>
+            <a:ext cx="585900" cy="223371"/>
           </a:xfrm>
           <a:prstGeom prst="rect">
             <a:avLst/>
@@ -23813,12 +24244,12 @@
 </p:sld>
 </file>
 
-<file path=ppt/slides/slide13.xml><?xml version="1.0" encoding="utf-8"?>
+<file path=ppt/slides/slide14.xml><?xml version="1.0" encoding="utf-8"?>
 <p:sld xmlns:a="http://schemas.openxmlformats.org/drawingml/2006/main" xmlns:r="http://schemas.openxmlformats.org/officeDocument/2006/relationships" xmlns:mc="http://schemas.openxmlformats.org/markup-compatibility/2006" xmlns:mv="urn:schemas-microsoft-com:mac:vml" xmlns:p="http://schemas.openxmlformats.org/presentationml/2006/main" xmlns:c="http://schemas.openxmlformats.org/drawingml/2006/chart" xmlns:dgm="http://schemas.openxmlformats.org/drawingml/2006/diagram" xmlns:o="urn:schemas-microsoft-com:office:office" xmlns:v="urn:schemas-microsoft-com:vml" xmlns:pvml="urn:schemas-microsoft-com:office:powerpoint" xmlns:com="http://schemas.openxmlformats.org/drawingml/2006/compatibility" xmlns:p14="http://schemas.microsoft.com/office/powerpoint/2010/main" xmlns:p15="http://schemas.microsoft.com/office/powerpoint/2012/main">
   <p:cSld>
     <p:spTree>
       <p:nvGrpSpPr>
-        <p:cNvPr id="259" name="Shape 259"/>
+        <p:cNvPr id="271" name="Shape 271"/>
         <p:cNvGrpSpPr/>
         <p:nvPr/>
       </p:nvGrpSpPr>
@@ -23832,7 +24263,7 @@
       </p:grpSpPr>
       <p:sp>
         <p:nvSpPr>
-          <p:cNvPr id="260" name="Google Shape;260;p26"/>
+          <p:cNvPr id="272" name="Google Shape;272;p27"/>
           <p:cNvSpPr txBox="1"/>
           <p:nvPr>
             <p:ph type="title"/>
@@ -23896,7 +24327,7 @@
       </p:sp>
       <p:sp>
         <p:nvSpPr>
-          <p:cNvPr id="261" name="Google Shape;261;p26"/>
+          <p:cNvPr id="273" name="Google Shape;273;p27"/>
           <p:cNvSpPr txBox="1"/>
           <p:nvPr>
             <p:ph idx="12" type="sldNum"/>
@@ -23970,12 +24401,12 @@
 </p:sld>
 </file>
 
-<file path=ppt/slides/slide14.xml><?xml version="1.0" encoding="utf-8"?>
+<file path=ppt/slides/slide15.xml><?xml version="1.0" encoding="utf-8"?>
 <p:sld xmlns:a="http://schemas.openxmlformats.org/drawingml/2006/main" xmlns:r="http://schemas.openxmlformats.org/officeDocument/2006/relationships" xmlns:mc="http://schemas.openxmlformats.org/markup-compatibility/2006" xmlns:mv="urn:schemas-microsoft-com:mac:vml" xmlns:p="http://schemas.openxmlformats.org/presentationml/2006/main" xmlns:c="http://schemas.openxmlformats.org/drawingml/2006/chart" xmlns:dgm="http://schemas.openxmlformats.org/drawingml/2006/diagram" xmlns:o="urn:schemas-microsoft-com:office:office" xmlns:v="urn:schemas-microsoft-com:vml" xmlns:pvml="urn:schemas-microsoft-com:office:powerpoint" xmlns:com="http://schemas.openxmlformats.org/drawingml/2006/compatibility" xmlns:p14="http://schemas.microsoft.com/office/powerpoint/2010/main" xmlns:p15="http://schemas.microsoft.com/office/powerpoint/2012/main">
   <p:cSld>
     <p:spTree>
       <p:nvGrpSpPr>
-        <p:cNvPr id="266" name="Shape 266"/>
+        <p:cNvPr id="278" name="Shape 278"/>
         <p:cNvGrpSpPr/>
         <p:nvPr/>
       </p:nvGrpSpPr>
@@ -23989,7 +24420,7 @@
       </p:grpSpPr>
       <p:sp>
         <p:nvSpPr>
-          <p:cNvPr id="267" name="Google Shape;267;p27"/>
+          <p:cNvPr id="279" name="Google Shape;279;p28"/>
           <p:cNvSpPr txBox="1"/>
           <p:nvPr>
             <p:ph type="title"/>
@@ -24034,7 +24465,7 @@
       </p:sp>
       <p:sp>
         <p:nvSpPr>
-          <p:cNvPr id="268" name="Google Shape;268;p27"/>
+          <p:cNvPr id="280" name="Google Shape;280;p28"/>
           <p:cNvSpPr txBox="1"/>
           <p:nvPr>
             <p:ph idx="12" type="sldNum"/>
@@ -24074,7 +24505,7 @@
       </p:sp>
       <p:sp>
         <p:nvSpPr>
-          <p:cNvPr id="269" name="Google Shape;269;p27"/>
+          <p:cNvPr id="281" name="Google Shape;281;p28"/>
           <p:cNvSpPr txBox="1"/>
           <p:nvPr>
             <p:ph idx="1" type="body"/>
@@ -24133,7 +24564,7 @@
       </p:sp>
       <p:sp>
         <p:nvSpPr>
-          <p:cNvPr id="270" name="Google Shape;270;p27"/>
+          <p:cNvPr id="282" name="Google Shape;282;p28"/>
           <p:cNvSpPr txBox="1"/>
           <p:nvPr>
             <p:ph idx="1" type="body"/>
@@ -24177,7 +24608,7 @@
             </a:pPr>
             <a:r>
               <a:rPr lang="en-US"/>
-              <a:t>Centered Model Matrix</a:t>
+              <a:t>Centered Model Matrix:</a:t>
             </a:r>
             <a:br>
               <a:rPr lang="en-US"/>
@@ -24192,7 +24623,7 @@
       </p:sp>
       <p:pic>
         <p:nvPicPr>
-          <p:cNvPr descr="X \in {\rm I\!R}^{n\times p}&#10;" id="271" name="Google Shape;271;p27" title="MathEquation,#000000"/>
+          <p:cNvPr descr="X \in {\rm I\!R}^{n\times p}&#10;" id="283" name="Google Shape;283;p28" title="MathEquation,#000000"/>
           <p:cNvPicPr preferRelativeResize="0"/>
           <p:nvPr/>
         </p:nvPicPr>
@@ -24220,7 +24651,7 @@
       </p:pic>
       <p:pic>
         <p:nvPicPr>
-          <p:cNvPr descr="\begin{align}&#10;\hat\mu_j=\frac{1}{n}\sum_{i=1}^n x_{ij}&#10;\end{align}" id="272" name="Google Shape;272;p27" title="MathEquation,#000000"/>
+          <p:cNvPr descr="\begin{align}&#10;\hat\mu_j=\frac{1}{n}\sum_{i=1}^n x_{ij}&#10;\end{align}" id="284" name="Google Shape;284;p28" title="MathEquation,#000000"/>
           <p:cNvPicPr preferRelativeResize="0"/>
           <p:nvPr/>
         </p:nvPicPr>
@@ -24248,7 +24679,7 @@
       </p:pic>
       <p:sp>
         <p:nvSpPr>
-          <p:cNvPr id="273" name="Google Shape;273;p27"/>
+          <p:cNvPr id="285" name="Google Shape;285;p28"/>
           <p:cNvSpPr txBox="1"/>
           <p:nvPr/>
         </p:nvSpPr>
@@ -24353,7 +24784,7 @@
                 <a:cs typeface="Karla"/>
                 <a:sym typeface="Karla"/>
               </a:rPr>
-              <a:t>by subtracting the sample mean </a:t>
+              <a:t>by subtracting the sample mean: </a:t>
             </a:r>
             <a:endParaRPr/>
           </a:p>
@@ -24361,7 +24792,7 @@
       </p:sp>
       <p:pic>
         <p:nvPicPr>
-          <p:cNvPr descr="\tilde{X} = \left(X_1-\hat \mu_1,...,X_p-\hat\mu_p\right)" id="274" name="Google Shape;274;p27" title="MathEquation,#000000"/>
+          <p:cNvPr descr="\tilde X = (\vec x_1 - \hat \mu_1,...,\vec x_p - \hat \mu_p)" id="286" name="Google Shape;286;p28" title="MathEquation,#000000"/>
           <p:cNvPicPr preferRelativeResize="0"/>
           <p:nvPr/>
         </p:nvPicPr>
@@ -24375,8 +24806,8 @@
         </p:blipFill>
         <p:spPr>
           <a:xfrm>
-            <a:off x="3676049" y="5272125"/>
-            <a:ext cx="4723576" cy="543200"/>
+            <a:off x="4012224" y="5228125"/>
+            <a:ext cx="4826176" cy="591200"/>
           </a:xfrm>
           <a:prstGeom prst="rect">
             <a:avLst/>
@@ -24395,12 +24826,12 @@
 </p:sld>
 </file>
 
-<file path=ppt/slides/slide15.xml><?xml version="1.0" encoding="utf-8"?>
+<file path=ppt/slides/slide16.xml><?xml version="1.0" encoding="utf-8"?>
 <p:sld xmlns:a="http://schemas.openxmlformats.org/drawingml/2006/main" xmlns:r="http://schemas.openxmlformats.org/officeDocument/2006/relationships" xmlns:mc="http://schemas.openxmlformats.org/markup-compatibility/2006" xmlns:mv="urn:schemas-microsoft-com:mac:vml" xmlns:p="http://schemas.openxmlformats.org/presentationml/2006/main" xmlns:c="http://schemas.openxmlformats.org/drawingml/2006/chart" xmlns:dgm="http://schemas.openxmlformats.org/drawingml/2006/diagram" xmlns:o="urn:schemas-microsoft-com:office:office" xmlns:v="urn:schemas-microsoft-com:vml" xmlns:pvml="urn:schemas-microsoft-com:office:powerpoint" xmlns:com="http://schemas.openxmlformats.org/drawingml/2006/compatibility" xmlns:p14="http://schemas.microsoft.com/office/powerpoint/2010/main" xmlns:p15="http://schemas.microsoft.com/office/powerpoint/2012/main">
   <p:cSld>
     <p:spTree>
       <p:nvGrpSpPr>
-        <p:cNvPr id="279" name="Shape 279"/>
+        <p:cNvPr id="291" name="Shape 291"/>
         <p:cNvGrpSpPr/>
         <p:nvPr/>
       </p:nvGrpSpPr>
@@ -24414,7 +24845,7 @@
       </p:grpSpPr>
       <p:sp>
         <p:nvSpPr>
-          <p:cNvPr id="280" name="Google Shape;280;p28"/>
+          <p:cNvPr id="292" name="Google Shape;292;p29"/>
           <p:cNvSpPr txBox="1"/>
           <p:nvPr>
             <p:ph type="title"/>
@@ -24454,7 +24885,7 @@
       </p:sp>
       <p:sp>
         <p:nvSpPr>
-          <p:cNvPr id="281" name="Google Shape;281;p28"/>
+          <p:cNvPr id="293" name="Google Shape;293;p29"/>
           <p:cNvSpPr txBox="1"/>
           <p:nvPr>
             <p:ph idx="12" type="sldNum"/>
@@ -24494,7 +24925,7 @@
       </p:sp>
       <p:sp>
         <p:nvSpPr>
-          <p:cNvPr id="282" name="Google Shape;282;p28"/>
+          <p:cNvPr id="294" name="Google Shape;294;p29"/>
           <p:cNvSpPr txBox="1"/>
           <p:nvPr>
             <p:ph idx="1" type="body"/>
@@ -24538,7 +24969,7 @@
             </a:pPr>
             <a:r>
               <a:rPr lang="en-US"/>
-              <a:t>Consider the Covariance matrix</a:t>
+              <a:t>Consider the Covariance matrix:</a:t>
             </a:r>
             <a:br>
               <a:rPr lang="en-US"/>
@@ -24553,7 +24984,7 @@
       </p:sp>
       <p:sp>
         <p:nvSpPr>
-          <p:cNvPr id="283" name="Google Shape;283;p28"/>
+          <p:cNvPr id="295" name="Google Shape;295;p29"/>
           <p:cNvSpPr txBox="1"/>
           <p:nvPr>
             <p:ph idx="1" type="body"/>
@@ -24605,7 +25036,7 @@
       </p:sp>
       <p:sp>
         <p:nvSpPr>
-          <p:cNvPr id="284" name="Google Shape;284;p28"/>
+          <p:cNvPr id="296" name="Google Shape;296;p29"/>
           <p:cNvSpPr txBox="1"/>
           <p:nvPr>
             <p:ph idx="1" type="body"/>
@@ -24645,7 +25076,7 @@
             </a:pPr>
             <a:r>
               <a:rPr lang="en-US"/>
-              <a:t>Th diagonal terms are the sample variances</a:t>
+              <a:t>The diagonal terms are the sample variances:</a:t>
             </a:r>
             <a:endParaRPr/>
           </a:p>
@@ -24653,7 +25084,7 @@
       </p:sp>
       <p:sp>
         <p:nvSpPr>
-          <p:cNvPr id="285" name="Google Shape;285;p28"/>
+          <p:cNvPr id="297" name="Google Shape;297;p29"/>
           <p:cNvSpPr txBox="1"/>
           <p:nvPr>
             <p:ph idx="1" type="body"/>
@@ -24697,7 +25128,7 @@
             </a:r>
             <a:r>
               <a:rPr lang="en-US"/>
-              <a:t>iagonal terms are the sample covariances</a:t>
+              <a:t>iagonal terms are the sample covariances:</a:t>
             </a:r>
             <a:endParaRPr/>
           </a:p>
@@ -24705,7 +25136,7 @@
       </p:sp>
       <p:pic>
         <p:nvPicPr>
-          <p:cNvPr descr="\begin{align} &#10;S_{jj} = \frac{1}{n-1}\sum_{i=1}^n(x_{ij}-\hat\mu_j)^2&#10;\end{align}" id="286" name="Google Shape;286;p28" title="MathEquation,#000000"/>
+          <p:cNvPr descr="\begin{align} &#10;S_{jj} = \frac{1}{n-1}\sum_{i=1}^n(x_{ij}-\hat\mu_j)^2&#10;\end{align}" id="298" name="Google Shape;298;p29" title="MathEquation,#000000"/>
           <p:cNvPicPr preferRelativeResize="0"/>
           <p:nvPr/>
         </p:nvPicPr>
@@ -24733,7 +25164,7 @@
       </p:pic>
       <p:pic>
         <p:nvPicPr>
-          <p:cNvPr descr="\begin{align} &#10;S_{jk} = \frac{1}{n-1}\sum_{i=1}^n(x_{ij}-\hat\mu_j)(x_{ik}-\hat\mu_k)&#10;\end{align}" id="287" name="Google Shape;287;p28" title="MathEquation,#000000"/>
+          <p:cNvPr descr="\begin{align} &#10;S_{jk} = \frac{1}{n-1}\sum_{i=1}^n(x_{ij}-\hat\mu_j)(x_{ik}-\hat\mu_k)&#10;\end{align}" id="299" name="Google Shape;299;p29" title="MathEquation,#000000"/>
           <p:cNvPicPr preferRelativeResize="0"/>
           <p:nvPr/>
         </p:nvPicPr>
@@ -24761,7 +25192,7 @@
       </p:pic>
       <p:pic>
         <p:nvPicPr>
-          <p:cNvPr descr="\begin{align} &#10;S = \frac{1}{n-1}\tilde{X}^T \tilde{X}&#10;\end{align}" id="288" name="Google Shape;288;p28" title="MathEquation,#000000"/>
+          <p:cNvPr descr="\begin{align} &#10;S = \frac{1}{n-1}\tilde{X}^T \tilde{X}&#10;\end{align}" id="300" name="Google Shape;300;p29" title="MathEquation,#000000"/>
           <p:cNvPicPr preferRelativeResize="0"/>
           <p:nvPr/>
         </p:nvPicPr>
@@ -24787,6 +25218,34 @@
           </a:ln>
         </p:spPr>
       </p:pic>
+      <p:pic>
+        <p:nvPicPr>
+          <p:cNvPr descr="(j\neq k)" id="301" name="Google Shape;301;p29" title="MathEquation,#000000"/>
+          <p:cNvPicPr preferRelativeResize="0"/>
+          <p:nvPr/>
+        </p:nvPicPr>
+        <p:blipFill>
+          <a:blip r:embed="rId6">
+            <a:alphaModFix/>
+          </a:blip>
+          <a:stretch>
+            <a:fillRect/>
+          </a:stretch>
+        </p:blipFill>
+        <p:spPr>
+          <a:xfrm>
+            <a:off x="10458898" y="5670050"/>
+            <a:ext cx="918480" cy="365100"/>
+          </a:xfrm>
+          <a:prstGeom prst="rect">
+            <a:avLst/>
+          </a:prstGeom>
+          <a:noFill/>
+          <a:ln>
+            <a:noFill/>
+          </a:ln>
+        </p:spPr>
+      </p:pic>
     </p:spTree>
   </p:cSld>
   <p:clrMapOvr>
@@ -24795,12 +25254,12 @@
 </p:sld>
 </file>
 
-<file path=ppt/slides/slide16.xml><?xml version="1.0" encoding="utf-8"?>
+<file path=ppt/slides/slide17.xml><?xml version="1.0" encoding="utf-8"?>
 <p:sld xmlns:a="http://schemas.openxmlformats.org/drawingml/2006/main" xmlns:r="http://schemas.openxmlformats.org/officeDocument/2006/relationships" xmlns:mc="http://schemas.openxmlformats.org/markup-compatibility/2006" xmlns:mv="urn:schemas-microsoft-com:mac:vml" xmlns:p="http://schemas.openxmlformats.org/presentationml/2006/main" xmlns:c="http://schemas.openxmlformats.org/drawingml/2006/chart" xmlns:dgm="http://schemas.openxmlformats.org/drawingml/2006/diagram" xmlns:o="urn:schemas-microsoft-com:office:office" xmlns:v="urn:schemas-microsoft-com:vml" xmlns:pvml="urn:schemas-microsoft-com:office:powerpoint" xmlns:com="http://schemas.openxmlformats.org/drawingml/2006/compatibility" xmlns:p14="http://schemas.microsoft.com/office/powerpoint/2010/main" xmlns:p15="http://schemas.microsoft.com/office/powerpoint/2012/main">
   <p:cSld>
     <p:spTree>
       <p:nvGrpSpPr>
-        <p:cNvPr id="292" name="Shape 292"/>
+        <p:cNvPr id="305" name="Shape 305"/>
         <p:cNvGrpSpPr/>
         <p:nvPr/>
       </p:nvGrpSpPr>
@@ -24814,7 +25273,7 @@
       </p:grpSpPr>
       <p:sp>
         <p:nvSpPr>
-          <p:cNvPr id="293" name="Google Shape;293;p29"/>
+          <p:cNvPr id="306" name="Google Shape;306;p30"/>
           <p:cNvSpPr txBox="1"/>
           <p:nvPr>
             <p:ph type="title"/>
@@ -24902,7 +25361,7 @@
       </p:sp>
       <p:sp>
         <p:nvSpPr>
-          <p:cNvPr id="294" name="Google Shape;294;p29"/>
+          <p:cNvPr id="307" name="Google Shape;307;p30"/>
           <p:cNvSpPr txBox="1"/>
           <p:nvPr>
             <p:ph idx="12" type="sldNum"/>
@@ -24976,12 +25435,12 @@
 </p:sld>
 </file>
 
-<file path=ppt/slides/slide17.xml><?xml version="1.0" encoding="utf-8"?>
+<file path=ppt/slides/slide18.xml><?xml version="1.0" encoding="utf-8"?>
 <p:sld xmlns:a="http://schemas.openxmlformats.org/drawingml/2006/main" xmlns:r="http://schemas.openxmlformats.org/officeDocument/2006/relationships" xmlns:mc="http://schemas.openxmlformats.org/markup-compatibility/2006" xmlns:mv="urn:schemas-microsoft-com:mac:vml" xmlns:p="http://schemas.openxmlformats.org/presentationml/2006/main" xmlns:c="http://schemas.openxmlformats.org/drawingml/2006/chart" xmlns:dgm="http://schemas.openxmlformats.org/drawingml/2006/diagram" xmlns:o="urn:schemas-microsoft-com:office:office" xmlns:v="urn:schemas-microsoft-com:vml" xmlns:pvml="urn:schemas-microsoft-com:office:powerpoint" xmlns:com="http://schemas.openxmlformats.org/drawingml/2006/compatibility" xmlns:p14="http://schemas.microsoft.com/office/powerpoint/2010/main" xmlns:p15="http://schemas.microsoft.com/office/powerpoint/2012/main">
   <p:cSld>
     <p:spTree>
       <p:nvGrpSpPr>
-        <p:cNvPr id="299" name="Shape 299"/>
+        <p:cNvPr id="312" name="Shape 312"/>
         <p:cNvGrpSpPr/>
         <p:nvPr/>
       </p:nvGrpSpPr>
@@ -24995,7 +25454,7 @@
       </p:grpSpPr>
       <p:sp>
         <p:nvSpPr>
-          <p:cNvPr id="300" name="Google Shape;300;p30"/>
+          <p:cNvPr id="313" name="Google Shape;313;p31"/>
           <p:cNvSpPr txBox="1"/>
           <p:nvPr>
             <p:ph type="title"/>
@@ -25035,7 +25494,7 @@
       </p:sp>
       <p:sp>
         <p:nvSpPr>
-          <p:cNvPr id="301" name="Google Shape;301;p30"/>
+          <p:cNvPr id="314" name="Google Shape;314;p31"/>
           <p:cNvSpPr txBox="1"/>
           <p:nvPr>
             <p:ph idx="12" type="sldNum"/>
@@ -25075,7 +25534,7 @@
       </p:sp>
       <p:sp>
         <p:nvSpPr>
-          <p:cNvPr id="302" name="Google Shape;302;p30"/>
+          <p:cNvPr id="315" name="Google Shape;315;p31"/>
           <p:cNvSpPr txBox="1"/>
           <p:nvPr>
             <p:ph idx="1" type="body"/>
@@ -25083,7 +25542,7 @@
         </p:nvSpPr>
         <p:spPr>
           <a:xfrm>
-            <a:off x="419400" y="3015675"/>
+            <a:off x="419400" y="2165443"/>
             <a:ext cx="7782000" cy="1221300"/>
           </a:xfrm>
           <a:prstGeom prst="rect">
@@ -25139,7 +25598,7 @@
       </p:sp>
       <p:sp>
         <p:nvSpPr>
-          <p:cNvPr id="303" name="Google Shape;303;p30"/>
+          <p:cNvPr id="316" name="Google Shape;316;p31"/>
           <p:cNvSpPr txBox="1"/>
           <p:nvPr>
             <p:ph idx="1" type="body"/>
@@ -25147,8 +25606,8 @@
         </p:nvSpPr>
         <p:spPr>
           <a:xfrm>
-            <a:off x="419400" y="4692075"/>
-            <a:ext cx="7872000" cy="1729800"/>
+            <a:off x="406566" y="3612441"/>
+            <a:ext cx="8012400" cy="1100100"/>
           </a:xfrm>
           <a:prstGeom prst="rect">
             <a:avLst/>
@@ -25183,15 +25642,7 @@
             </a:pPr>
             <a:r>
               <a:rPr lang="en-US"/>
-              <a:t>Now</a:t>
-            </a:r>
-            <a:r>
-              <a:rPr lang="en-US"/>
-              <a:t>,</a:t>
-            </a:r>
-            <a:r>
-              <a:rPr lang="en-US"/>
-              <a:t> the data with the greatest variance lie on the first coordinate (first principal component) and so on.</a:t>
+              <a:t>The data with the greatest variance lie on the first axis (first principal component) and so on.</a:t>
             </a:r>
             <a:endParaRPr/>
           </a:p>
@@ -25199,7 +25650,7 @@
       </p:sp>
       <p:sp>
         <p:nvSpPr>
-          <p:cNvPr id="304" name="Google Shape;304;p30"/>
+          <p:cNvPr id="317" name="Google Shape;317;p31"/>
           <p:cNvSpPr txBox="1"/>
           <p:nvPr>
             <p:ph idx="1" type="body"/>
@@ -25207,8 +25658,8 @@
         </p:nvSpPr>
         <p:spPr>
           <a:xfrm>
-            <a:off x="419400" y="1186875"/>
-            <a:ext cx="7486800" cy="1729800"/>
+            <a:off x="419400" y="1110675"/>
+            <a:ext cx="7601700" cy="716700"/>
           </a:xfrm>
           <a:prstGeom prst="rect">
             <a:avLst/>
@@ -25243,7 +25694,7 @@
             </a:pPr>
             <a:r>
               <a:rPr lang="en-US"/>
-              <a:t>PCA tries to fit an n-dimensional </a:t>
+              <a:t>PCA tries to fit an </a:t>
             </a:r>
             <a:r>
               <a:rPr b="1" lang="en-US">
@@ -25263,7 +25714,7 @@
       </p:sp>
       <p:pic>
         <p:nvPicPr>
-          <p:cNvPr id="305" name="Google Shape;305;p30"/>
+          <p:cNvPr id="318" name="Google Shape;318;p31"/>
           <p:cNvPicPr preferRelativeResize="0"/>
           <p:nvPr/>
         </p:nvPicPr>
@@ -25291,7 +25742,7 @@
       </p:pic>
       <p:pic>
         <p:nvPicPr>
-          <p:cNvPr id="306" name="Google Shape;306;p30"/>
+          <p:cNvPr id="319" name="Google Shape;319;p31"/>
           <p:cNvPicPr preferRelativeResize="0"/>
           <p:nvPr/>
         </p:nvPicPr>
@@ -25319,7 +25770,7 @@
       </p:pic>
       <p:sp>
         <p:nvSpPr>
-          <p:cNvPr id="307" name="Google Shape;307;p30"/>
+          <p:cNvPr id="320" name="Google Shape;320;p31"/>
           <p:cNvSpPr/>
           <p:nvPr/>
         </p:nvSpPr>
@@ -25371,7 +25822,7 @@
       </p:sp>
       <p:sp>
         <p:nvSpPr>
-          <p:cNvPr id="308" name="Google Shape;308;p30"/>
+          <p:cNvPr id="321" name="Google Shape;321;p31"/>
           <p:cNvSpPr/>
           <p:nvPr/>
         </p:nvSpPr>
@@ -25429,7 +25880,7 @@
       </p:sp>
       <p:sp>
         <p:nvSpPr>
-          <p:cNvPr id="309" name="Google Shape;309;p30"/>
+          <p:cNvPr id="322" name="Google Shape;322;p31"/>
           <p:cNvSpPr/>
           <p:nvPr/>
         </p:nvSpPr>
@@ -25487,13 +25938,13 @@
       </p:sp>
       <p:sp>
         <p:nvSpPr>
-          <p:cNvPr id="310" name="Google Shape;310;p30"/>
+          <p:cNvPr id="323" name="Google Shape;323;p31"/>
           <p:cNvSpPr txBox="1"/>
           <p:nvPr/>
         </p:nvSpPr>
         <p:spPr>
           <a:xfrm>
-            <a:off x="7068949" y="6317658"/>
+            <a:off x="10040749" y="6445192"/>
             <a:ext cx="1718100" cy="365100"/>
           </a:xfrm>
           <a:prstGeom prst="rect">
@@ -25522,6 +25973,58 @@
             <a:r>
               <a:rPr lang="en-US"/>
               <a:t>J. Jauregui (2012)</a:t>
+            </a:r>
+            <a:endParaRPr/>
+          </a:p>
+        </p:txBody>
+      </p:sp>
+      <p:sp>
+        <p:nvSpPr>
+          <p:cNvPr id="324" name="Google Shape;324;p31"/>
+          <p:cNvSpPr txBox="1"/>
+          <p:nvPr>
+            <p:ph idx="1" type="body"/>
+          </p:nvPr>
+        </p:nvSpPr>
+        <p:spPr>
+          <a:xfrm>
+            <a:off x="419400" y="5099544"/>
+            <a:ext cx="7782000" cy="1221300"/>
+          </a:xfrm>
+          <a:prstGeom prst="rect">
+            <a:avLst/>
+          </a:prstGeom>
+          <a:noFill/>
+          <a:ln>
+            <a:noFill/>
+          </a:ln>
+        </p:spPr>
+        <p:txBody>
+          <a:bodyPr anchorCtr="0" anchor="t" bIns="45700" lIns="91425" spcFirstLastPara="1" rIns="91425" wrap="square" tIns="45700">
+            <a:noAutofit/>
+          </a:bodyPr>
+          <a:lstStyle/>
+          <a:p>
+            <a:pPr indent="0" lvl="0" marL="0" rtl="0" algn="l">
+              <a:lnSpc>
+                <a:spcPct val="100000"/>
+              </a:lnSpc>
+              <a:spcBef>
+                <a:spcPts val="480"/>
+              </a:spcBef>
+              <a:spcAft>
+                <a:spcPts val="0"/>
+              </a:spcAft>
+              <a:buClr>
+                <a:srgbClr val="464646"/>
+              </a:buClr>
+              <a:buSzPts val="2800"/>
+              <a:buFont typeface="Arial"/>
+              <a:buNone/>
+            </a:pPr>
+            <a:r>
+              <a:rPr lang="en-US"/>
+              <a:t>PCA reduces the dimensions by throwing away the low variance principal components.</a:t>
             </a:r>
             <a:endParaRPr/>
           </a:p>
@@ -25535,12 +26038,12 @@
 </p:sld>
 </file>
 
-<file path=ppt/slides/slide18.xml><?xml version="1.0" encoding="utf-8"?>
+<file path=ppt/slides/slide19.xml><?xml version="1.0" encoding="utf-8"?>
 <p:sld xmlns:a="http://schemas.openxmlformats.org/drawingml/2006/main" xmlns:r="http://schemas.openxmlformats.org/officeDocument/2006/relationships" xmlns:mc="http://schemas.openxmlformats.org/markup-compatibility/2006" xmlns:mv="urn:schemas-microsoft-com:mac:vml" xmlns:p="http://schemas.openxmlformats.org/presentationml/2006/main" xmlns:c="http://schemas.openxmlformats.org/drawingml/2006/chart" xmlns:dgm="http://schemas.openxmlformats.org/drawingml/2006/diagram" xmlns:o="urn:schemas-microsoft-com:office:office" xmlns:v="urn:schemas-microsoft-com:vml" xmlns:pvml="urn:schemas-microsoft-com:office:powerpoint" xmlns:com="http://schemas.openxmlformats.org/drawingml/2006/compatibility" xmlns:p14="http://schemas.microsoft.com/office/powerpoint/2010/main" xmlns:p15="http://schemas.microsoft.com/office/powerpoint/2012/main">
   <p:cSld>
     <p:spTree>
       <p:nvGrpSpPr>
-        <p:cNvPr id="315" name="Shape 315"/>
+        <p:cNvPr id="329" name="Shape 329"/>
         <p:cNvGrpSpPr/>
         <p:nvPr/>
       </p:nvGrpSpPr>
@@ -25554,7 +26057,7 @@
       </p:grpSpPr>
       <p:sp>
         <p:nvSpPr>
-          <p:cNvPr id="316" name="Google Shape;316;p31"/>
+          <p:cNvPr id="330" name="Google Shape;330;p32"/>
           <p:cNvSpPr txBox="1"/>
           <p:nvPr>
             <p:ph type="title"/>
@@ -25594,7 +26097,7 @@
       </p:sp>
       <p:sp>
         <p:nvSpPr>
-          <p:cNvPr id="317" name="Google Shape;317;p31"/>
+          <p:cNvPr id="331" name="Google Shape;331;p32"/>
           <p:cNvSpPr txBox="1"/>
           <p:nvPr>
             <p:ph idx="12" type="sldNum"/>
@@ -25634,7 +26137,7 @@
       </p:sp>
       <p:sp>
         <p:nvSpPr>
-          <p:cNvPr id="318" name="Google Shape;318;p31"/>
+          <p:cNvPr id="332" name="Google Shape;332;p32"/>
           <p:cNvSpPr txBox="1"/>
           <p:nvPr>
             <p:ph idx="1" type="body"/>
@@ -25706,7 +26209,7 @@
       </p:sp>
       <p:pic>
         <p:nvPicPr>
-          <p:cNvPr id="319" name="Google Shape;319;p31"/>
+          <p:cNvPr id="333" name="Google Shape;333;p32"/>
           <p:cNvPicPr preferRelativeResize="0"/>
           <p:nvPr/>
         </p:nvPicPr>
@@ -25734,7 +26237,7 @@
       </p:pic>
       <p:pic>
         <p:nvPicPr>
-          <p:cNvPr descr="\begin{align} &#10;S&#10;\end{align}" id="320" name="Google Shape;320;p31" title="MathEquation,#000000"/>
+          <p:cNvPr descr="\begin{align} &#10;S&#10;\end{align}" id="334" name="Google Shape;334;p32" title="MathEquation,#000000"/>
           <p:cNvPicPr preferRelativeResize="0"/>
           <p:nvPr/>
         </p:nvPicPr>
@@ -25762,7 +26265,7 @@
       </p:pic>
       <p:sp>
         <p:nvSpPr>
-          <p:cNvPr id="321" name="Google Shape;321;p31"/>
+          <p:cNvPr id="335" name="Google Shape;335;p32"/>
           <p:cNvSpPr txBox="1"/>
           <p:nvPr>
             <p:ph idx="1" type="body"/>
@@ -25830,7 +26333,7 @@
       </p:sp>
       <p:pic>
         <p:nvPicPr>
-          <p:cNvPr descr="\begin{align} &#10; S v_i = \lambda_i v_i&#10;\end{align}" id="322" name="Google Shape;322;p31" title="MathEquation,#000000"/>
+          <p:cNvPr descr="\begin{align} &#10; S v_i = \lambda_i v_i&#10;\end{align}" id="336" name="Google Shape;336;p32" title="MathEquation,#000000"/>
           <p:cNvPicPr preferRelativeResize="0"/>
           <p:nvPr/>
         </p:nvPicPr>
@@ -25858,7 +26361,7 @@
       </p:pic>
       <p:pic>
         <p:nvPicPr>
-          <p:cNvPr descr="\begin{align} &#10; S = V\Lambda V^T&#10;\end{align}" id="323" name="Google Shape;323;p31" title="MathEquation,#000000"/>
+          <p:cNvPr descr="\begin{align} &#10; S = V\Lambda V^T&#10;\end{align}" id="337" name="Google Shape;337;p32" title="MathEquation,#000000"/>
           <p:cNvPicPr preferRelativeResize="0"/>
           <p:nvPr/>
         </p:nvPicPr>
@@ -25886,7 +26389,7 @@
       </p:pic>
       <p:sp>
         <p:nvSpPr>
-          <p:cNvPr id="324" name="Google Shape;324;p31"/>
+          <p:cNvPr id="338" name="Google Shape;338;p32"/>
           <p:cNvSpPr txBox="1"/>
           <p:nvPr>
             <p:ph idx="1" type="body"/>
@@ -25930,7 +26433,7 @@
             </a:pPr>
             <a:r>
               <a:rPr lang="en-US"/>
-              <a:t>The eigenvalues are sorted in the  </a:t>
+              <a:t>The eigenvalues are sorted in      as:  </a:t>
             </a:r>
             <a:endParaRPr/>
           </a:p>
@@ -25938,7 +26441,7 @@
       </p:sp>
       <p:pic>
         <p:nvPicPr>
-          <p:cNvPr descr="\begin{align} &#10;\Lambda&#10;\end{align}" id="325" name="Google Shape;325;p31" title="MathEquation,#000000"/>
+          <p:cNvPr descr="\begin{align} &#10;\Lambda&#10;\end{align}" id="339" name="Google Shape;339;p32" title="MathEquation,#000000"/>
           <p:cNvPicPr preferRelativeResize="0"/>
           <p:nvPr/>
         </p:nvPicPr>
@@ -25952,7 +26455,7 @@
         </p:blipFill>
         <p:spPr>
           <a:xfrm>
-            <a:off x="6014765" y="3631439"/>
+            <a:off x="5354633" y="3631439"/>
             <a:ext cx="357750" cy="426179"/>
           </a:xfrm>
           <a:prstGeom prst="rect">
@@ -25966,7 +26469,7 @@
       </p:pic>
       <p:pic>
         <p:nvPicPr>
-          <p:cNvPr descr="\begin{align} &#10;\lambda_1&gt;\lambda_2&gt;...&gt;\lambda_p&#10;\end{align}" id="326" name="Google Shape;326;p31" title="MathEquation,#000000"/>
+          <p:cNvPr descr="\begin{align} &#10;\lambda_1&gt;\lambda_2&gt;...&gt;\lambda_p&#10;\end{align}" id="340" name="Google Shape;340;p32" title="MathEquation,#000000"/>
           <p:cNvPicPr preferRelativeResize="0"/>
           <p:nvPr/>
         </p:nvPicPr>
@@ -25994,7 +26497,7 @@
       </p:pic>
       <p:pic>
         <p:nvPicPr>
-          <p:cNvPr descr="\begin{align} &#10;v_i&#10;\end{align}" id="327" name="Google Shape;327;p31" title="MathEquation,#000000"/>
+          <p:cNvPr descr="\begin{align} &#10;v_i&#10;\end{align}" id="341" name="Google Shape;341;p32" title="MathEquation,#000000"/>
           <p:cNvPicPr preferRelativeResize="0"/>
           <p:nvPr/>
         </p:nvPicPr>
@@ -26022,7 +26525,7 @@
       </p:pic>
       <p:pic>
         <p:nvPicPr>
-          <p:cNvPr descr="\begin{align} &#10;S&#10;\end{align}" id="328" name="Google Shape;328;p31" title="MathEquation,#000000"/>
+          <p:cNvPr descr="\begin{align} &#10;S&#10;\end{align}" id="342" name="Google Shape;342;p32" title="MathEquation,#000000"/>
           <p:cNvPicPr preferRelativeResize="0"/>
           <p:nvPr/>
         </p:nvPicPr>
@@ -26038,421 +26541,6 @@
           <a:xfrm>
             <a:off x="10251909" y="5328272"/>
             <a:ext cx="357766" cy="447675"/>
-          </a:xfrm>
-          <a:prstGeom prst="rect">
-            <a:avLst/>
-          </a:prstGeom>
-          <a:noFill/>
-          <a:ln>
-            <a:noFill/>
-          </a:ln>
-        </p:spPr>
-      </p:pic>
-    </p:spTree>
-  </p:cSld>
-  <p:clrMapOvr>
-    <a:masterClrMapping/>
-  </p:clrMapOvr>
-</p:sld>
-</file>
-
-<file path=ppt/slides/slide19.xml><?xml version="1.0" encoding="utf-8"?>
-<p:sld xmlns:a="http://schemas.openxmlformats.org/drawingml/2006/main" xmlns:r="http://schemas.openxmlformats.org/officeDocument/2006/relationships" xmlns:mc="http://schemas.openxmlformats.org/markup-compatibility/2006" xmlns:mv="urn:schemas-microsoft-com:mac:vml" xmlns:p="http://schemas.openxmlformats.org/presentationml/2006/main" xmlns:c="http://schemas.openxmlformats.org/drawingml/2006/chart" xmlns:dgm="http://schemas.openxmlformats.org/drawingml/2006/diagram" xmlns:o="urn:schemas-microsoft-com:office:office" xmlns:v="urn:schemas-microsoft-com:vml" xmlns:pvml="urn:schemas-microsoft-com:office:powerpoint" xmlns:com="http://schemas.openxmlformats.org/drawingml/2006/compatibility" xmlns:p14="http://schemas.microsoft.com/office/powerpoint/2010/main" xmlns:p15="http://schemas.microsoft.com/office/powerpoint/2012/main">
-  <p:cSld>
-    <p:spTree>
-      <p:nvGrpSpPr>
-        <p:cNvPr id="333" name="Shape 333"/>
-        <p:cNvGrpSpPr/>
-        <p:nvPr/>
-      </p:nvGrpSpPr>
-      <p:grpSpPr>
-        <a:xfrm>
-          <a:off x="0" y="0"/>
-          <a:ext cx="0" cy="0"/>
-          <a:chOff x="0" y="0"/>
-          <a:chExt cx="0" cy="0"/>
-        </a:xfrm>
-      </p:grpSpPr>
-      <p:sp>
-        <p:nvSpPr>
-          <p:cNvPr id="334" name="Google Shape;334;p32"/>
-          <p:cNvSpPr txBox="1"/>
-          <p:nvPr>
-            <p:ph type="title"/>
-          </p:nvPr>
-        </p:nvSpPr>
-        <p:spPr>
-          <a:xfrm>
-            <a:off x="349292" y="216531"/>
-            <a:ext cx="11493300" cy="767400"/>
-          </a:xfrm>
-          <a:prstGeom prst="rect">
-            <a:avLst/>
-          </a:prstGeom>
-        </p:spPr>
-        <p:txBody>
-          <a:bodyPr anchorCtr="0" anchor="t" bIns="45700" lIns="91425" spcFirstLastPara="1" rIns="91425" wrap="square" tIns="45700">
-            <a:noAutofit/>
-          </a:bodyPr>
-          <a:lstStyle/>
-          <a:p>
-            <a:pPr indent="0" lvl="0" marL="0" rtl="0" algn="l">
-              <a:spcBef>
-                <a:spcPts val="0"/>
-              </a:spcBef>
-              <a:spcAft>
-                <a:spcPts val="0"/>
-              </a:spcAft>
-              <a:buNone/>
-            </a:pPr>
-            <a:r>
-              <a:rPr lang="en-US"/>
-              <a:t>Measure the importance of the principal components</a:t>
-            </a:r>
-            <a:endParaRPr/>
-          </a:p>
-        </p:txBody>
-      </p:sp>
-      <p:sp>
-        <p:nvSpPr>
-          <p:cNvPr id="335" name="Google Shape;335;p32"/>
-          <p:cNvSpPr txBox="1"/>
-          <p:nvPr>
-            <p:ph idx="12" type="sldNum"/>
-          </p:nvPr>
-        </p:nvSpPr>
-        <p:spPr>
-          <a:xfrm>
-            <a:off x="9144000" y="6400800"/>
-            <a:ext cx="2844900" cy="365100"/>
-          </a:xfrm>
-          <a:prstGeom prst="rect">
-            <a:avLst/>
-          </a:prstGeom>
-        </p:spPr>
-        <p:txBody>
-          <a:bodyPr anchorCtr="0" anchor="ctr" bIns="45700" lIns="91425" spcFirstLastPara="1" rIns="91425" wrap="square" tIns="45700">
-            <a:noAutofit/>
-          </a:bodyPr>
-          <a:lstStyle/>
-          <a:p>
-            <a:pPr indent="0" lvl="0" marL="0" rtl="0" algn="r">
-              <a:spcBef>
-                <a:spcPts val="0"/>
-              </a:spcBef>
-              <a:spcAft>
-                <a:spcPts val="0"/>
-              </a:spcAft>
-              <a:buNone/>
-            </a:pPr>
-            <a:fld id="{00000000-1234-1234-1234-123412341234}" type="slidenum">
-              <a:rPr lang="en-US"/>
-              <a:t>‹#›</a:t>
-            </a:fld>
-            <a:endParaRPr/>
-          </a:p>
-        </p:txBody>
-      </p:sp>
-      <p:sp>
-        <p:nvSpPr>
-          <p:cNvPr id="336" name="Google Shape;336;p32"/>
-          <p:cNvSpPr txBox="1"/>
-          <p:nvPr>
-            <p:ph idx="1" type="body"/>
-          </p:nvPr>
-        </p:nvSpPr>
-        <p:spPr>
-          <a:xfrm>
-            <a:off x="574225" y="1250625"/>
-            <a:ext cx="11338500" cy="767400"/>
-          </a:xfrm>
-          <a:prstGeom prst="rect">
-            <a:avLst/>
-          </a:prstGeom>
-          <a:noFill/>
-          <a:ln>
-            <a:noFill/>
-          </a:ln>
-        </p:spPr>
-        <p:txBody>
-          <a:bodyPr anchorCtr="0" anchor="t" bIns="45700" lIns="91425" spcFirstLastPara="1" rIns="91425" wrap="square" tIns="45700">
-            <a:noAutofit/>
-          </a:bodyPr>
-          <a:lstStyle/>
-          <a:p>
-            <a:pPr indent="0" lvl="0" marL="0" marR="0" rtl="0" algn="l">
-              <a:lnSpc>
-                <a:spcPct val="100000"/>
-              </a:lnSpc>
-              <a:spcBef>
-                <a:spcPts val="480"/>
-              </a:spcBef>
-              <a:spcAft>
-                <a:spcPts val="0"/>
-              </a:spcAft>
-              <a:buClr>
-                <a:srgbClr val="464646"/>
-              </a:buClr>
-              <a:buSzPts val="2800"/>
-              <a:buFont typeface="Arial"/>
-              <a:buNone/>
-            </a:pPr>
-            <a:r>
-              <a:rPr lang="en-US"/>
-              <a:t>The </a:t>
-            </a:r>
-            <a:r>
-              <a:rPr b="1" lang="en-US"/>
-              <a:t>total sample variance</a:t>
-            </a:r>
-            <a:r>
-              <a:rPr lang="en-US"/>
-              <a:t> of the predictors:</a:t>
-            </a:r>
-            <a:br>
-              <a:rPr lang="en-US"/>
-            </a:br>
-            <a:r>
-              <a:rPr lang="en-US"/>
-              <a:t>	</a:t>
-            </a:r>
-            <a:endParaRPr/>
-          </a:p>
-        </p:txBody>
-      </p:sp>
-      <p:sp>
-        <p:nvSpPr>
-          <p:cNvPr id="337" name="Google Shape;337;p32"/>
-          <p:cNvSpPr txBox="1"/>
-          <p:nvPr>
-            <p:ph idx="1" type="body"/>
-          </p:nvPr>
-        </p:nvSpPr>
-        <p:spPr>
-          <a:xfrm>
-            <a:off x="469750" y="3269925"/>
-            <a:ext cx="11493300" cy="1004400"/>
-          </a:xfrm>
-          <a:prstGeom prst="rect">
-            <a:avLst/>
-          </a:prstGeom>
-          <a:noFill/>
-          <a:ln>
-            <a:noFill/>
-          </a:ln>
-        </p:spPr>
-        <p:txBody>
-          <a:bodyPr anchorCtr="0" anchor="t" bIns="45700" lIns="91425" spcFirstLastPara="1" rIns="91425" wrap="square" tIns="45700">
-            <a:noAutofit/>
-          </a:bodyPr>
-          <a:lstStyle/>
-          <a:p>
-            <a:pPr indent="0" lvl="0" marL="0" marR="0" rtl="0" algn="l">
-              <a:lnSpc>
-                <a:spcPct val="100000"/>
-              </a:lnSpc>
-              <a:spcBef>
-                <a:spcPts val="480"/>
-              </a:spcBef>
-              <a:spcAft>
-                <a:spcPts val="0"/>
-              </a:spcAft>
-              <a:buClr>
-                <a:srgbClr val="464646"/>
-              </a:buClr>
-              <a:buSzPts val="2800"/>
-              <a:buFont typeface="Arial"/>
-              <a:buNone/>
-            </a:pPr>
-            <a:r>
-              <a:rPr lang="en-US"/>
-              <a:t>The fraction of the total sample variance that corresponds to  </a:t>
-            </a:r>
-            <a:br>
-              <a:rPr lang="en-US"/>
-            </a:br>
-            <a:r>
-              <a:rPr lang="en-US"/>
-              <a:t>	</a:t>
-            </a:r>
-            <a:endParaRPr/>
-          </a:p>
-        </p:txBody>
-      </p:sp>
-      <p:sp>
-        <p:nvSpPr>
-          <p:cNvPr id="338" name="Google Shape;338;p32"/>
-          <p:cNvSpPr txBox="1"/>
-          <p:nvPr>
-            <p:ph idx="1" type="body"/>
-          </p:nvPr>
-        </p:nvSpPr>
-        <p:spPr>
-          <a:xfrm>
-            <a:off x="726625" y="5289225"/>
-            <a:ext cx="11338500" cy="767400"/>
-          </a:xfrm>
-          <a:prstGeom prst="rect">
-            <a:avLst/>
-          </a:prstGeom>
-          <a:noFill/>
-          <a:ln>
-            <a:noFill/>
-          </a:ln>
-        </p:spPr>
-        <p:txBody>
-          <a:bodyPr anchorCtr="0" anchor="t" bIns="45700" lIns="91425" spcFirstLastPara="1" rIns="91425" wrap="square" tIns="45700">
-            <a:noAutofit/>
-          </a:bodyPr>
-          <a:lstStyle/>
-          <a:p>
-            <a:pPr indent="0" lvl="0" marL="0" marR="0" rtl="0" algn="l">
-              <a:lnSpc>
-                <a:spcPct val="100000"/>
-              </a:lnSpc>
-              <a:spcBef>
-                <a:spcPts val="480"/>
-              </a:spcBef>
-              <a:spcAft>
-                <a:spcPts val="0"/>
-              </a:spcAft>
-              <a:buClr>
-                <a:srgbClr val="464646"/>
-              </a:buClr>
-              <a:buSzPts val="2800"/>
-              <a:buFont typeface="Arial"/>
-              <a:buNone/>
-            </a:pPr>
-            <a:r>
-              <a:rPr lang="en-US"/>
-              <a:t>so, the       indicates the “importance” of the </a:t>
-            </a:r>
-            <a:r>
-              <a:rPr lang="en-US"/>
-              <a:t>i</a:t>
-            </a:r>
-            <a:r>
-              <a:rPr baseline="30000" lang="en-US"/>
-              <a:t>th</a:t>
-            </a:r>
-            <a:r>
-              <a:rPr lang="en-US"/>
-              <a:t> </a:t>
-            </a:r>
-            <a:r>
-              <a:rPr lang="en-US"/>
-              <a:t>principal component</a:t>
-            </a:r>
-            <a:r>
-              <a:rPr lang="en-US"/>
-              <a:t> </a:t>
-            </a:r>
-            <a:endParaRPr/>
-          </a:p>
-        </p:txBody>
-      </p:sp>
-      <p:pic>
-        <p:nvPicPr>
-          <p:cNvPr descr="\begin{align} &#10;\lambda_i&#10;\end{align}" id="339" name="Google Shape;339;p32" title="MathEquation,#000000"/>
-          <p:cNvPicPr preferRelativeResize="0"/>
-          <p:nvPr/>
-        </p:nvPicPr>
-        <p:blipFill>
-          <a:blip r:embed="rId3">
-            <a:alphaModFix/>
-          </a:blip>
-          <a:stretch>
-            <a:fillRect/>
-          </a:stretch>
-        </p:blipFill>
-        <p:spPr>
-          <a:xfrm>
-            <a:off x="1999825" y="5468799"/>
-            <a:ext cx="393290" cy="381000"/>
-          </a:xfrm>
-          <a:prstGeom prst="rect">
-            <a:avLst/>
-          </a:prstGeom>
-          <a:noFill/>
-          <a:ln>
-            <a:noFill/>
-          </a:ln>
-        </p:spPr>
-      </p:pic>
-      <p:pic>
-        <p:nvPicPr>
-          <p:cNvPr descr="&#10;\begin{align}&#10;\text{Tr }(S) &amp;= \sum_{j=1}^p S_{jj}= \frac{1}{n-1} \sum_{j=1}^p \sum_{i=1}^n (x_{ij}-\hat\mu_j)^2 = \sum_{i=1}^p \lambda_i&#10;\end{align}" id="340" name="Google Shape;340;p32" title="MathEquation,#000000"/>
-          <p:cNvPicPr preferRelativeResize="0"/>
-          <p:nvPr/>
-        </p:nvPicPr>
-        <p:blipFill>
-          <a:blip r:embed="rId4">
-            <a:alphaModFix/>
-          </a:blip>
-          <a:stretch>
-            <a:fillRect/>
-          </a:stretch>
-        </p:blipFill>
-        <p:spPr>
-          <a:xfrm>
-            <a:off x="2367825" y="1975625"/>
-            <a:ext cx="7238904" cy="1004400"/>
-          </a:xfrm>
-          <a:prstGeom prst="rect">
-            <a:avLst/>
-          </a:prstGeom>
-          <a:noFill/>
-          <a:ln>
-            <a:noFill/>
-          </a:ln>
-        </p:spPr>
-      </p:pic>
-      <p:pic>
-        <p:nvPicPr>
-          <p:cNvPr descr="\begin{align}&#10;\frac{\lambda_i}{\sum_{j=1}^p \lambda_j }= \frac{\lambda_i}{\text{Tr }(S)}&#10;\end{align}" id="341" name="Google Shape;341;p32" title="MathEquation,#000000"/>
-          <p:cNvPicPr preferRelativeResize="0"/>
-          <p:nvPr/>
-        </p:nvPicPr>
-        <p:blipFill>
-          <a:blip r:embed="rId5">
-            <a:alphaModFix/>
-          </a:blip>
-          <a:stretch>
-            <a:fillRect/>
-          </a:stretch>
-        </p:blipFill>
-        <p:spPr>
-          <a:xfrm>
-            <a:off x="4203127" y="3983878"/>
-            <a:ext cx="2844900" cy="953046"/>
-          </a:xfrm>
-          <a:prstGeom prst="rect">
-            <a:avLst/>
-          </a:prstGeom>
-          <a:noFill/>
-          <a:ln>
-            <a:noFill/>
-          </a:ln>
-        </p:spPr>
-      </p:pic>
-      <p:pic>
-        <p:nvPicPr>
-          <p:cNvPr descr="\begin{align}v_i&#10;\end{align}" id="342" name="Google Shape;342;p32" title="MathEquation,#000000"/>
-          <p:cNvPicPr preferRelativeResize="0"/>
-          <p:nvPr/>
-        </p:nvPicPr>
-        <p:blipFill>
-          <a:blip r:embed="rId6">
-            <a:alphaModFix/>
-          </a:blip>
-          <a:stretch>
-            <a:fillRect/>
-          </a:stretch>
-        </p:blipFill>
-        <p:spPr>
-          <a:xfrm>
-            <a:off x="10587790" y="3316198"/>
-            <a:ext cx="483234" cy="508000"/>
           </a:xfrm>
           <a:prstGeom prst="rect">
             <a:avLst/>
@@ -26650,7 +26738,7 @@
             </a:pPr>
             <a:r>
               <a:rPr lang="en-US" sz="2800"/>
-              <a:t>Linear Algebra (Recap)</a:t>
+              <a:t>Linear Algebra (Recap).</a:t>
             </a:r>
             <a:endParaRPr b="0" i="0" sz="2800" u="none" cap="none" strike="noStrike">
               <a:solidFill>
@@ -26682,7 +26770,7 @@
             </a:pPr>
             <a:r>
               <a:rPr lang="en-US" sz="2800"/>
-              <a:t>Statistics (Recap)</a:t>
+              <a:t>Statistics (Recap).</a:t>
             </a:r>
             <a:br>
               <a:rPr lang="en-US" sz="2800"/>
@@ -26745,7 +26833,7 @@
             </a:pPr>
             <a:r>
               <a:rPr lang="en-US" sz="2800"/>
-              <a:t>Foundation</a:t>
+              <a:t>Foundation.</a:t>
             </a:r>
             <a:endParaRPr b="0" i="0" sz="2800" u="none" cap="none" strike="noStrike">
               <a:solidFill>
@@ -26777,7 +26865,7 @@
             </a:pPr>
             <a:r>
               <a:rPr lang="en-US" sz="2800"/>
-              <a:t>Assumptions &amp; Limitations </a:t>
+              <a:t>Assumptions &amp; Limitations.</a:t>
             </a:r>
             <a:endParaRPr sz="2800"/>
           </a:p>
@@ -26945,7 +27033,7 @@
             </a:pPr>
             <a:r>
               <a:rPr lang="en-US"/>
-              <a:t>Back to spring-mass example</a:t>
+              <a:t>Measure the importance of the principal components</a:t>
             </a:r>
             <a:endParaRPr/>
           </a:p>
@@ -27001,7 +27089,7 @@
         </p:nvSpPr>
         <p:spPr>
           <a:xfrm>
-            <a:off x="574225" y="1022025"/>
+            <a:off x="574225" y="1250625"/>
             <a:ext cx="11338500" cy="767400"/>
           </a:xfrm>
           <a:prstGeom prst="rect">
@@ -27037,15 +27125,149 @@
             </a:pPr>
             <a:r>
               <a:rPr lang="en-US"/>
-              <a:t>The principal</a:t>
+              <a:t>The </a:t>
+            </a:r>
+            <a:r>
+              <a:rPr b="1" lang="en-US"/>
+              <a:t>total sample variance</a:t>
             </a:r>
             <a:r>
               <a:rPr lang="en-US"/>
-              <a:t> comp.        </a:t>
+              <a:t> of the predictors:</a:t>
+            </a:r>
+            <a:br>
+              <a:rPr lang="en-US"/>
+            </a:br>
+            <a:r>
+              <a:rPr lang="en-US"/>
+              <a:t>	</a:t>
+            </a:r>
+            <a:endParaRPr/>
+          </a:p>
+        </p:txBody>
+      </p:sp>
+      <p:sp>
+        <p:nvSpPr>
+          <p:cNvPr id="351" name="Google Shape;351;p33"/>
+          <p:cNvSpPr txBox="1"/>
+          <p:nvPr>
+            <p:ph idx="1" type="body"/>
+          </p:nvPr>
+        </p:nvSpPr>
+        <p:spPr>
+          <a:xfrm>
+            <a:off x="469750" y="3269925"/>
+            <a:ext cx="11493300" cy="1004400"/>
+          </a:xfrm>
+          <a:prstGeom prst="rect">
+            <a:avLst/>
+          </a:prstGeom>
+          <a:noFill/>
+          <a:ln>
+            <a:noFill/>
+          </a:ln>
+        </p:spPr>
+        <p:txBody>
+          <a:bodyPr anchorCtr="0" anchor="t" bIns="45700" lIns="91425" spcFirstLastPara="1" rIns="91425" wrap="square" tIns="45700">
+            <a:noAutofit/>
+          </a:bodyPr>
+          <a:lstStyle/>
+          <a:p>
+            <a:pPr indent="0" lvl="0" marL="0" marR="0" rtl="0" algn="l">
+              <a:lnSpc>
+                <a:spcPct val="100000"/>
+              </a:lnSpc>
+              <a:spcBef>
+                <a:spcPts val="480"/>
+              </a:spcBef>
+              <a:spcAft>
+                <a:spcPts val="0"/>
+              </a:spcAft>
+              <a:buClr>
+                <a:srgbClr val="464646"/>
+              </a:buClr>
+              <a:buSzPts val="2800"/>
+              <a:buFont typeface="Arial"/>
+              <a:buNone/>
+            </a:pPr>
+            <a:r>
+              <a:rPr lang="en-US"/>
+              <a:t>The fraction of the total sample variance that corresponds to      :</a:t>
+            </a:r>
+            <a:br>
+              <a:rPr lang="en-US"/>
+            </a:br>
+            <a:r>
+              <a:rPr lang="en-US"/>
+              <a:t>	</a:t>
+            </a:r>
+            <a:endParaRPr/>
+          </a:p>
+        </p:txBody>
+      </p:sp>
+      <p:sp>
+        <p:nvSpPr>
+          <p:cNvPr id="352" name="Google Shape;352;p33"/>
+          <p:cNvSpPr txBox="1"/>
+          <p:nvPr>
+            <p:ph idx="1" type="body"/>
+          </p:nvPr>
+        </p:nvSpPr>
+        <p:spPr>
+          <a:xfrm>
+            <a:off x="726625" y="5289225"/>
+            <a:ext cx="11338500" cy="767400"/>
+          </a:xfrm>
+          <a:prstGeom prst="rect">
+            <a:avLst/>
+          </a:prstGeom>
+          <a:noFill/>
+          <a:ln>
+            <a:noFill/>
+          </a:ln>
+        </p:spPr>
+        <p:txBody>
+          <a:bodyPr anchorCtr="0" anchor="t" bIns="45700" lIns="91425" spcFirstLastPara="1" rIns="91425" wrap="square" tIns="45700">
+            <a:noAutofit/>
+          </a:bodyPr>
+          <a:lstStyle/>
+          <a:p>
+            <a:pPr indent="0" lvl="0" marL="0" marR="0" rtl="0" algn="l">
+              <a:lnSpc>
+                <a:spcPct val="100000"/>
+              </a:lnSpc>
+              <a:spcBef>
+                <a:spcPts val="480"/>
+              </a:spcBef>
+              <a:spcAft>
+                <a:spcPts val="0"/>
+              </a:spcAft>
+              <a:buClr>
+                <a:srgbClr val="464646"/>
+              </a:buClr>
+              <a:buSzPts val="2800"/>
+              <a:buFont typeface="Arial"/>
+              <a:buNone/>
+            </a:pPr>
+            <a:r>
+              <a:rPr lang="en-US"/>
+              <a:t>so, the       indicates the “importance” of the </a:t>
             </a:r>
             <a:r>
               <a:rPr lang="en-US"/>
-              <a:t>denote directions in        that are “natural” for the data and linear combinations of the original coordinates.  </a:t>
+              <a:t>i</a:t>
+            </a:r>
+            <a:r>
+              <a:rPr baseline="30000" lang="en-US"/>
+              <a:t>th</a:t>
+            </a:r>
+            <a:r>
+              <a:rPr lang="en-US"/>
+              <a:t> </a:t>
+            </a:r>
+            <a:r>
+              <a:rPr lang="en-US"/>
+              <a:t>principal component.</a:t>
             </a:r>
             <a:endParaRPr/>
           </a:p>
@@ -27053,7 +27275,7 @@
       </p:sp>
       <p:pic>
         <p:nvPicPr>
-          <p:cNvPr descr="\begin{align}v_i&#10;\end{align}" id="351" name="Google Shape;351;p33" title="MathEquation,#000000"/>
+          <p:cNvPr descr="\begin{align} &#10;\lambda_i&#10;\end{align}" id="353" name="Google Shape;353;p33" title="MathEquation,#000000"/>
           <p:cNvPicPr preferRelativeResize="0"/>
           <p:nvPr/>
         </p:nvPicPr>
@@ -27067,8 +27289,8 @@
         </p:blipFill>
         <p:spPr>
           <a:xfrm>
-            <a:off x="3988047" y="1080425"/>
-            <a:ext cx="483234" cy="508000"/>
+            <a:off x="1999825" y="5468799"/>
+            <a:ext cx="393290" cy="381000"/>
           </a:xfrm>
           <a:prstGeom prst="rect">
             <a:avLst/>
@@ -27081,7 +27303,7 @@
       </p:pic>
       <p:pic>
         <p:nvPicPr>
-          <p:cNvPr descr="\begin{align}&#10; {\rm I\!R}^{n}&#10;\end{align}" id="352" name="Google Shape;352;p33" title="MathEquation,#000000"/>
+          <p:cNvPr descr="&#10;\begin{align}&#10;\text{Tr }(S) &amp;= \sum_{j=1}^p S_{jj}= \frac{1}{n-1} \sum_{j=1}^p \sum_{i=1}^n (x_{ij}-\hat\mu_j)^2 = \sum_{i=1}^p \lambda_i&#10;\end{align}" id="354" name="Google Shape;354;p33" title="MathEquation,#000000"/>
           <p:cNvPicPr preferRelativeResize="0"/>
           <p:nvPr/>
         </p:nvPicPr>
@@ -27095,8 +27317,8 @@
         </p:blipFill>
         <p:spPr>
           <a:xfrm>
-            <a:off x="7912763" y="1190227"/>
-            <a:ext cx="535936" cy="365100"/>
+            <a:off x="2367825" y="1975625"/>
+            <a:ext cx="7238904" cy="1004400"/>
           </a:xfrm>
           <a:prstGeom prst="rect">
             <a:avLst/>
@@ -27109,7 +27331,7 @@
       </p:pic>
       <p:pic>
         <p:nvPicPr>
-          <p:cNvPr id="353" name="Google Shape;353;p33"/>
+          <p:cNvPr descr="\begin{align}&#10;\frac{\lambda_i}{\sum_{j=1}^p \lambda_j }= \frac{\lambda_i}{\text{Tr }(S)}&#10;\end{align}" id="355" name="Google Shape;355;p33" title="MathEquation,#000000"/>
           <p:cNvPicPr preferRelativeResize="0"/>
           <p:nvPr/>
         </p:nvPicPr>
@@ -27123,8 +27345,8 @@
         </p:blipFill>
         <p:spPr>
           <a:xfrm>
-            <a:off x="613525" y="2309425"/>
-            <a:ext cx="3640400" cy="2545975"/>
+            <a:off x="4203127" y="3983878"/>
+            <a:ext cx="2844900" cy="953046"/>
           </a:xfrm>
           <a:prstGeom prst="rect">
             <a:avLst/>
@@ -27135,155 +27357,9 @@
           </a:ln>
         </p:spPr>
       </p:pic>
-      <p:sp>
-        <p:nvSpPr>
-          <p:cNvPr id="354" name="Google Shape;354;p33"/>
-          <p:cNvSpPr txBox="1"/>
-          <p:nvPr>
-            <p:ph idx="1" type="body"/>
-          </p:nvPr>
-        </p:nvSpPr>
-        <p:spPr>
-          <a:xfrm>
-            <a:off x="4607300" y="2165025"/>
-            <a:ext cx="7533900" cy="2626200"/>
-          </a:xfrm>
-          <a:prstGeom prst="rect">
-            <a:avLst/>
-          </a:prstGeom>
-          <a:noFill/>
-          <a:ln>
-            <a:noFill/>
-          </a:ln>
-        </p:spPr>
-        <p:txBody>
-          <a:bodyPr anchorCtr="0" anchor="t" bIns="45700" lIns="91425" spcFirstLastPara="1" rIns="91425" wrap="square" tIns="45700">
-            <a:noAutofit/>
-          </a:bodyPr>
-          <a:lstStyle/>
-          <a:p>
-            <a:pPr indent="0" lvl="0" marL="0" marR="0" rtl="0" algn="l">
-              <a:lnSpc>
-                <a:spcPct val="150000"/>
-              </a:lnSpc>
-              <a:spcBef>
-                <a:spcPts val="480"/>
-              </a:spcBef>
-              <a:spcAft>
-                <a:spcPts val="0"/>
-              </a:spcAft>
-              <a:buClr>
-                <a:srgbClr val="464646"/>
-              </a:buClr>
-              <a:buSzPts val="2800"/>
-              <a:buFont typeface="Arial"/>
-              <a:buNone/>
-            </a:pPr>
-            <a:r>
-              <a:rPr lang="en-US"/>
-              <a:t>For the spring-mass example:</a:t>
-            </a:r>
-            <a:endParaRPr/>
-          </a:p>
-          <a:p>
-            <a:pPr indent="0" lvl="0" marL="0" marR="0" rtl="0" algn="l">
-              <a:lnSpc>
-                <a:spcPct val="100000"/>
-              </a:lnSpc>
-              <a:spcBef>
-                <a:spcPts val="480"/>
-              </a:spcBef>
-              <a:spcAft>
-                <a:spcPts val="0"/>
-              </a:spcAft>
-              <a:buClr>
-                <a:srgbClr val="464646"/>
-              </a:buClr>
-              <a:buSzPts val="2800"/>
-              <a:buFont typeface="Arial"/>
-              <a:buNone/>
-            </a:pPr>
-            <a:r>
-              <a:t/>
-            </a:r>
-            <a:endParaRPr/>
-          </a:p>
-          <a:p>
-            <a:pPr indent="0" lvl="0" marL="0" marR="0" rtl="0" algn="l">
-              <a:lnSpc>
-                <a:spcPct val="100000"/>
-              </a:lnSpc>
-              <a:spcBef>
-                <a:spcPts val="480"/>
-              </a:spcBef>
-              <a:spcAft>
-                <a:spcPts val="0"/>
-              </a:spcAft>
-              <a:buClr>
-                <a:srgbClr val="464646"/>
-              </a:buClr>
-              <a:buSzPts val="2800"/>
-              <a:buFont typeface="Arial"/>
-              <a:buNone/>
-            </a:pPr>
-            <a:r>
-              <a:rPr lang="en-US"/>
-              <a:t>with </a:t>
-            </a:r>
-            <a:endParaRPr/>
-          </a:p>
-          <a:p>
-            <a:pPr indent="0" lvl="0" marL="0" marR="0" rtl="0" algn="l">
-              <a:lnSpc>
-                <a:spcPct val="100000"/>
-              </a:lnSpc>
-              <a:spcBef>
-                <a:spcPts val="480"/>
-              </a:spcBef>
-              <a:spcAft>
-                <a:spcPts val="0"/>
-              </a:spcAft>
-              <a:buClr>
-                <a:srgbClr val="464646"/>
-              </a:buClr>
-              <a:buSzPts val="2800"/>
-              <a:buFont typeface="Arial"/>
-              <a:buNone/>
-            </a:pPr>
-            <a:r>
-              <a:t/>
-            </a:r>
-            <a:endParaRPr/>
-          </a:p>
-          <a:p>
-            <a:pPr indent="0" lvl="0" marL="0" marR="0" rtl="0" algn="l">
-              <a:lnSpc>
-                <a:spcPct val="100000"/>
-              </a:lnSpc>
-              <a:spcBef>
-                <a:spcPts val="480"/>
-              </a:spcBef>
-              <a:spcAft>
-                <a:spcPts val="0"/>
-              </a:spcAft>
-              <a:buClr>
-                <a:srgbClr val="464646"/>
-              </a:buClr>
-              <a:buSzPts val="2800"/>
-              <a:buFont typeface="Arial"/>
-              <a:buNone/>
-            </a:pPr>
-            <a:r>
-              <a:rPr lang="en-US"/>
-              <a:t>as it represents the x-axis</a:t>
-            </a:r>
-            <a:endParaRPr/>
-          </a:p>
-        </p:txBody>
-      </p:sp>
       <p:pic>
         <p:nvPicPr>
-          <p:cNvPr descr="\begin{align}&#10;\lambda_1/\sum_j\lambda_j \simeq 1&#10;\end{align}" id="355" name="Google Shape;355;p33" title="MathEquation,#000000"/>
+          <p:cNvPr descr="\begin{align}v_i&#10;\end{align}" id="356" name="Google Shape;356;p33" title="MathEquation,#000000"/>
           <p:cNvPicPr preferRelativeResize="0"/>
           <p:nvPr/>
         </p:nvPicPr>
@@ -27297,115 +27373,7 @@
         </p:blipFill>
         <p:spPr>
           <a:xfrm>
-            <a:off x="7186849" y="3718625"/>
-            <a:ext cx="1999734" cy="767400"/>
-          </a:xfrm>
-          <a:prstGeom prst="rect">
-            <a:avLst/>
-          </a:prstGeom>
-          <a:noFill/>
-          <a:ln>
-            <a:noFill/>
-          </a:ln>
-        </p:spPr>
-      </p:pic>
-      <p:sp>
-        <p:nvSpPr>
-          <p:cNvPr id="356" name="Google Shape;356;p33"/>
-          <p:cNvSpPr txBox="1"/>
-          <p:nvPr>
-            <p:ph idx="1" type="body"/>
-          </p:nvPr>
-        </p:nvSpPr>
-        <p:spPr>
-          <a:xfrm>
-            <a:off x="574225" y="5441625"/>
-            <a:ext cx="11338500" cy="767400"/>
-          </a:xfrm>
-          <a:prstGeom prst="rect">
-            <a:avLst/>
-          </a:prstGeom>
-          <a:noFill/>
-          <a:ln>
-            <a:noFill/>
-          </a:ln>
-        </p:spPr>
-        <p:txBody>
-          <a:bodyPr anchorCtr="0" anchor="t" bIns="45700" lIns="91425" spcFirstLastPara="1" rIns="91425" wrap="square" tIns="45700">
-            <a:noAutofit/>
-          </a:bodyPr>
-          <a:lstStyle/>
-          <a:p>
-            <a:pPr indent="0" lvl="0" marL="0" marR="0" rtl="0" algn="l">
-              <a:lnSpc>
-                <a:spcPct val="100000"/>
-              </a:lnSpc>
-              <a:spcBef>
-                <a:spcPts val="480"/>
-              </a:spcBef>
-              <a:spcAft>
-                <a:spcPts val="0"/>
-              </a:spcAft>
-              <a:buClr>
-                <a:srgbClr val="464646"/>
-              </a:buClr>
-              <a:buSzPts val="2800"/>
-              <a:buFont typeface="Arial"/>
-              <a:buNone/>
-            </a:pPr>
-            <a:r>
-              <a:rPr lang="en-US"/>
-              <a:t>Hence, PCA indicates that there may be fewer variables, represented by        , that are responsible for the variability of the response</a:t>
-            </a:r>
-            <a:endParaRPr/>
-          </a:p>
-        </p:txBody>
-      </p:sp>
-      <p:pic>
-        <p:nvPicPr>
-          <p:cNvPr descr="\begin{align}&#10;v_1 = (0.2, 0.9, 0.4)&#10;\end{align}" id="357" name="Google Shape;357;p33" title="MathEquation,#000000"/>
-          <p:cNvPicPr preferRelativeResize="0"/>
-          <p:nvPr/>
-        </p:nvPicPr>
-        <p:blipFill>
-          <a:blip r:embed="rId7">
-            <a:alphaModFix/>
-          </a:blip>
-          <a:stretch>
-            <a:fillRect/>
-          </a:stretch>
-        </p:blipFill>
-        <p:spPr>
-          <a:xfrm>
-            <a:off x="6543575" y="2810575"/>
-            <a:ext cx="3003076" cy="446700"/>
-          </a:xfrm>
-          <a:prstGeom prst="rect">
-            <a:avLst/>
-          </a:prstGeom>
-          <a:noFill/>
-          <a:ln>
-            <a:noFill/>
-          </a:ln>
-        </p:spPr>
-      </p:pic>
-      <p:pic>
-        <p:nvPicPr>
-          <p:cNvPr descr="\begin{align}v_i&#10;\end{align}" id="358" name="Google Shape;358;p33" title="MathEquation,#000000"/>
-          <p:cNvPicPr preferRelativeResize="0"/>
-          <p:nvPr/>
-        </p:nvPicPr>
-        <p:blipFill>
-          <a:blip r:embed="rId3">
-            <a:alphaModFix/>
-          </a:blip>
-          <a:stretch>
-            <a:fillRect/>
-          </a:stretch>
-        </p:blipFill>
-        <p:spPr>
-          <a:xfrm>
-            <a:off x="1240040" y="5904273"/>
+            <a:off x="10523622" y="3316198"/>
             <a:ext cx="483234" cy="508000"/>
           </a:xfrm>
           <a:prstGeom prst="rect">
@@ -27430,7 +27398,7 @@
   <p:cSld>
     <p:spTree>
       <p:nvGrpSpPr>
-        <p:cNvPr id="363" name="Shape 363"/>
+        <p:cNvPr id="361" name="Shape 361"/>
         <p:cNvGrpSpPr/>
         <p:nvPr/>
       </p:nvGrpSpPr>
@@ -27444,7 +27412,7 @@
       </p:grpSpPr>
       <p:sp>
         <p:nvSpPr>
-          <p:cNvPr id="364" name="Google Shape;364;p34"/>
+          <p:cNvPr id="362" name="Google Shape;362;p34"/>
           <p:cNvSpPr txBox="1"/>
           <p:nvPr>
             <p:ph type="title"/>
@@ -27476,7 +27444,7 @@
             </a:pPr>
             <a:r>
               <a:rPr lang="en-US"/>
-              <a:t>PCA Dimensionality Reduction	</a:t>
+              <a:t>Back to spring-mass example</a:t>
             </a:r>
             <a:endParaRPr/>
           </a:p>
@@ -27484,7 +27452,7 @@
       </p:sp>
       <p:sp>
         <p:nvSpPr>
-          <p:cNvPr id="365" name="Google Shape;365;p34"/>
+          <p:cNvPr id="363" name="Google Shape;363;p34"/>
           <p:cNvSpPr txBox="1"/>
           <p:nvPr>
             <p:ph idx="12" type="sldNum"/>
@@ -27522,61 +27490,9 @@
           </a:p>
         </p:txBody>
       </p:sp>
-      <p:sp>
-        <p:nvSpPr>
-          <p:cNvPr id="366" name="Google Shape;366;p34"/>
-          <p:cNvSpPr txBox="1"/>
-          <p:nvPr>
-            <p:ph idx="1" type="body"/>
-          </p:nvPr>
-        </p:nvSpPr>
-        <p:spPr>
-          <a:xfrm>
-            <a:off x="650425" y="983925"/>
-            <a:ext cx="10590900" cy="1004400"/>
-          </a:xfrm>
-          <a:prstGeom prst="rect">
-            <a:avLst/>
-          </a:prstGeom>
-          <a:noFill/>
-          <a:ln>
-            <a:noFill/>
-          </a:ln>
-        </p:spPr>
-        <p:txBody>
-          <a:bodyPr anchorCtr="0" anchor="t" bIns="45700" lIns="91425" spcFirstLastPara="1" rIns="91425" wrap="square" tIns="45700">
-            <a:noAutofit/>
-          </a:bodyPr>
-          <a:lstStyle/>
-          <a:p>
-            <a:pPr indent="0" lvl="0" marL="0" marR="0" rtl="0" algn="l">
-              <a:lnSpc>
-                <a:spcPct val="100000"/>
-              </a:lnSpc>
-              <a:spcBef>
-                <a:spcPts val="480"/>
-              </a:spcBef>
-              <a:spcAft>
-                <a:spcPts val="0"/>
-              </a:spcAft>
-              <a:buClr>
-                <a:srgbClr val="464646"/>
-              </a:buClr>
-              <a:buSzPts val="2800"/>
-              <a:buFont typeface="Arial"/>
-              <a:buNone/>
-            </a:pPr>
-            <a:r>
-              <a:rPr lang="en-US"/>
-              <a:t>The Spectrum represents the dimensionality reduction by  PCA</a:t>
-            </a:r>
-            <a:endParaRPr/>
-          </a:p>
-        </p:txBody>
-      </p:sp>
       <p:pic>
         <p:nvPicPr>
-          <p:cNvPr id="367" name="Google Shape;367;p34"/>
+          <p:cNvPr id="364" name="Google Shape;364;p34"/>
           <p:cNvPicPr preferRelativeResize="0"/>
           <p:nvPr/>
         </p:nvPicPr>
@@ -27590,8 +27506,8 @@
         </p:blipFill>
         <p:spPr>
           <a:xfrm>
-            <a:off x="2518025" y="1849525"/>
-            <a:ext cx="6787450" cy="4327750"/>
+            <a:off x="613525" y="1182250"/>
+            <a:ext cx="4816285" cy="3368350"/>
           </a:xfrm>
           <a:prstGeom prst="rect">
             <a:avLst/>
@@ -27602,6 +27518,282 @@
           </a:ln>
         </p:spPr>
       </p:pic>
+      <p:sp>
+        <p:nvSpPr>
+          <p:cNvPr id="365" name="Google Shape;365;p34"/>
+          <p:cNvSpPr txBox="1"/>
+          <p:nvPr>
+            <p:ph idx="1" type="body"/>
+          </p:nvPr>
+        </p:nvSpPr>
+        <p:spPr>
+          <a:xfrm>
+            <a:off x="5750300" y="1479225"/>
+            <a:ext cx="6092400" cy="507900"/>
+          </a:xfrm>
+          <a:prstGeom prst="rect">
+            <a:avLst/>
+          </a:prstGeom>
+          <a:noFill/>
+          <a:ln>
+            <a:noFill/>
+          </a:ln>
+        </p:spPr>
+        <p:txBody>
+          <a:bodyPr anchorCtr="0" anchor="t" bIns="45700" lIns="91425" spcFirstLastPara="1" rIns="91425" wrap="square" tIns="45700">
+            <a:noAutofit/>
+          </a:bodyPr>
+          <a:lstStyle/>
+          <a:p>
+            <a:pPr indent="0" lvl="0" marL="0" marR="0" rtl="0" algn="l">
+              <a:lnSpc>
+                <a:spcPct val="100000"/>
+              </a:lnSpc>
+              <a:spcBef>
+                <a:spcPts val="480"/>
+              </a:spcBef>
+              <a:spcAft>
+                <a:spcPts val="0"/>
+              </a:spcAft>
+              <a:buClr>
+                <a:srgbClr val="464646"/>
+              </a:buClr>
+              <a:buSzPts val="2800"/>
+              <a:buFont typeface="Arial"/>
+              <a:buNone/>
+            </a:pPr>
+            <a:r>
+              <a:rPr lang="en-US"/>
+              <a:t>PCA finds:</a:t>
+            </a:r>
+            <a:endParaRPr/>
+          </a:p>
+          <a:p>
+            <a:pPr indent="0" lvl="0" marL="0" marR="0" rtl="0" algn="l">
+              <a:lnSpc>
+                <a:spcPct val="100000"/>
+              </a:lnSpc>
+              <a:spcBef>
+                <a:spcPts val="480"/>
+              </a:spcBef>
+              <a:spcAft>
+                <a:spcPts val="0"/>
+              </a:spcAft>
+              <a:buClr>
+                <a:srgbClr val="464646"/>
+              </a:buClr>
+              <a:buSzPts val="2800"/>
+              <a:buFont typeface="Arial"/>
+              <a:buNone/>
+            </a:pPr>
+            <a:r>
+              <a:t/>
+            </a:r>
+            <a:endParaRPr/>
+          </a:p>
+          <a:p>
+            <a:pPr indent="0" lvl="0" marL="0" marR="0" rtl="0" algn="l">
+              <a:lnSpc>
+                <a:spcPct val="100000"/>
+              </a:lnSpc>
+              <a:spcBef>
+                <a:spcPts val="480"/>
+              </a:spcBef>
+              <a:spcAft>
+                <a:spcPts val="0"/>
+              </a:spcAft>
+              <a:buClr>
+                <a:srgbClr val="464646"/>
+              </a:buClr>
+              <a:buSzPts val="2800"/>
+              <a:buFont typeface="Arial"/>
+              <a:buNone/>
+            </a:pPr>
+            <a:r>
+              <a:t/>
+            </a:r>
+            <a:endParaRPr/>
+          </a:p>
+        </p:txBody>
+      </p:sp>
+      <p:pic>
+        <p:nvPicPr>
+          <p:cNvPr descr="\begin{align}&#10;\lambda_1/\sum_j\lambda_j \simeq 1&#10;\end{align}" id="366" name="Google Shape;366;p34" title="MathEquation,#000000"/>
+          <p:cNvPicPr preferRelativeResize="0"/>
+          <p:nvPr/>
+        </p:nvPicPr>
+        <p:blipFill>
+          <a:blip r:embed="rId4">
+            <a:alphaModFix/>
+          </a:blip>
+          <a:stretch>
+            <a:fillRect/>
+          </a:stretch>
+        </p:blipFill>
+        <p:spPr>
+          <a:xfrm>
+            <a:off x="7289525" y="2255575"/>
+            <a:ext cx="2316500" cy="888950"/>
+          </a:xfrm>
+          <a:prstGeom prst="rect">
+            <a:avLst/>
+          </a:prstGeom>
+          <a:noFill/>
+          <a:ln>
+            <a:noFill/>
+          </a:ln>
+        </p:spPr>
+      </p:pic>
+      <p:sp>
+        <p:nvSpPr>
+          <p:cNvPr id="367" name="Google Shape;367;p34"/>
+          <p:cNvSpPr txBox="1"/>
+          <p:nvPr>
+            <p:ph idx="1" type="body"/>
+          </p:nvPr>
+        </p:nvSpPr>
+        <p:spPr>
+          <a:xfrm>
+            <a:off x="574225" y="4984425"/>
+            <a:ext cx="11338500" cy="1141500"/>
+          </a:xfrm>
+          <a:prstGeom prst="rect">
+            <a:avLst/>
+          </a:prstGeom>
+          <a:noFill/>
+          <a:ln>
+            <a:noFill/>
+          </a:ln>
+        </p:spPr>
+        <p:txBody>
+          <a:bodyPr anchorCtr="0" anchor="t" bIns="45700" lIns="91425" spcFirstLastPara="1" rIns="91425" wrap="square" tIns="45700">
+            <a:noAutofit/>
+          </a:bodyPr>
+          <a:lstStyle/>
+          <a:p>
+            <a:pPr indent="0" lvl="0" marL="0" marR="0" rtl="0" algn="l">
+              <a:lnSpc>
+                <a:spcPct val="100000"/>
+              </a:lnSpc>
+              <a:spcBef>
+                <a:spcPts val="480"/>
+              </a:spcBef>
+              <a:spcAft>
+                <a:spcPts val="0"/>
+              </a:spcAft>
+              <a:buClr>
+                <a:srgbClr val="464646"/>
+              </a:buClr>
+              <a:buSzPts val="2800"/>
+              <a:buFont typeface="Arial"/>
+              <a:buNone/>
+            </a:pPr>
+            <a:r>
+              <a:rPr lang="en-US"/>
+              <a:t>Hence, PCA indicates that there may be fewer variables that are essentially responsible for the variability of the response.</a:t>
+            </a:r>
+            <a:endParaRPr/>
+          </a:p>
+        </p:txBody>
+      </p:sp>
+      <p:sp>
+        <p:nvSpPr>
+          <p:cNvPr id="368" name="Google Shape;368;p34"/>
+          <p:cNvSpPr txBox="1"/>
+          <p:nvPr>
+            <p:ph idx="1" type="body"/>
+          </p:nvPr>
+        </p:nvSpPr>
+        <p:spPr>
+          <a:xfrm>
+            <a:off x="5750300" y="3384225"/>
+            <a:ext cx="6162300" cy="507900"/>
+          </a:xfrm>
+          <a:prstGeom prst="rect">
+            <a:avLst/>
+          </a:prstGeom>
+          <a:noFill/>
+          <a:ln>
+            <a:noFill/>
+          </a:ln>
+        </p:spPr>
+        <p:txBody>
+          <a:bodyPr anchorCtr="0" anchor="t" bIns="45700" lIns="91425" spcFirstLastPara="1" rIns="91425" wrap="square" tIns="45700">
+            <a:noAutofit/>
+          </a:bodyPr>
+          <a:lstStyle/>
+          <a:p>
+            <a:pPr indent="0" lvl="0" marL="0" marR="0" rtl="0" algn="l">
+              <a:lnSpc>
+                <a:spcPct val="100000"/>
+              </a:lnSpc>
+              <a:spcBef>
+                <a:spcPts val="480"/>
+              </a:spcBef>
+              <a:spcAft>
+                <a:spcPts val="0"/>
+              </a:spcAft>
+              <a:buClr>
+                <a:srgbClr val="464646"/>
+              </a:buClr>
+              <a:buSzPts val="2800"/>
+              <a:buFont typeface="Arial"/>
+              <a:buNone/>
+            </a:pPr>
+            <a:r>
+              <a:rPr lang="en-US"/>
+              <a:t>revealing the one-degree of freedom.</a:t>
+            </a:r>
+            <a:endParaRPr/>
+          </a:p>
+          <a:p>
+            <a:pPr indent="0" lvl="0" marL="0" marR="0" rtl="0" algn="l">
+              <a:lnSpc>
+                <a:spcPct val="100000"/>
+              </a:lnSpc>
+              <a:spcBef>
+                <a:spcPts val="480"/>
+              </a:spcBef>
+              <a:spcAft>
+                <a:spcPts val="0"/>
+              </a:spcAft>
+              <a:buClr>
+                <a:srgbClr val="464646"/>
+              </a:buClr>
+              <a:buSzPts val="2800"/>
+              <a:buFont typeface="Arial"/>
+              <a:buNone/>
+            </a:pPr>
+            <a:r>
+              <a:t/>
+            </a:r>
+            <a:endParaRPr/>
+          </a:p>
+          <a:p>
+            <a:pPr indent="0" lvl="0" marL="0" marR="0" rtl="0" algn="l">
+              <a:lnSpc>
+                <a:spcPct val="100000"/>
+              </a:lnSpc>
+              <a:spcBef>
+                <a:spcPts val="480"/>
+              </a:spcBef>
+              <a:spcAft>
+                <a:spcPts val="0"/>
+              </a:spcAft>
+              <a:buClr>
+                <a:srgbClr val="464646"/>
+              </a:buClr>
+              <a:buSzPts val="2800"/>
+              <a:buFont typeface="Arial"/>
+              <a:buNone/>
+            </a:pPr>
+            <a:r>
+              <a:t/>
+            </a:r>
+            <a:endParaRPr/>
+          </a:p>
+        </p:txBody>
+      </p:sp>
     </p:spTree>
   </p:cSld>
   <p:clrMapOvr>
@@ -27615,7 +27807,7 @@
   <p:cSld>
     <p:spTree>
       <p:nvGrpSpPr>
-        <p:cNvPr id="372" name="Shape 372"/>
+        <p:cNvPr id="373" name="Shape 373"/>
         <p:cNvGrpSpPr/>
         <p:nvPr/>
       </p:nvGrpSpPr>
@@ -27629,7 +27821,7 @@
       </p:grpSpPr>
       <p:sp>
         <p:nvSpPr>
-          <p:cNvPr id="373" name="Google Shape;373;p35"/>
+          <p:cNvPr id="374" name="Google Shape;374;p35"/>
           <p:cNvSpPr txBox="1"/>
           <p:nvPr>
             <p:ph type="title"/>
@@ -27669,7 +27861,7 @@
       </p:sp>
       <p:sp>
         <p:nvSpPr>
-          <p:cNvPr id="374" name="Google Shape;374;p35"/>
+          <p:cNvPr id="375" name="Google Shape;375;p35"/>
           <p:cNvSpPr txBox="1"/>
           <p:nvPr>
             <p:ph idx="12" type="sldNum"/>
@@ -27709,7 +27901,7 @@
       </p:sp>
       <p:sp>
         <p:nvSpPr>
-          <p:cNvPr id="375" name="Google Shape;375;p35"/>
+          <p:cNvPr id="376" name="Google Shape;376;p35"/>
           <p:cNvSpPr txBox="1"/>
           <p:nvPr>
             <p:ph idx="1" type="body"/>
@@ -27753,7 +27945,192 @@
             </a:pPr>
             <a:r>
               <a:rPr lang="en-US"/>
-              <a:t>There is no rule in how many eigenvalues to keep, but it is generally clear and left in analyst’s discretion</a:t>
+              <a:t>The Spectrum represents the dimensionality reduction by PCA.</a:t>
+            </a:r>
+            <a:endParaRPr/>
+          </a:p>
+        </p:txBody>
+      </p:sp>
+      <p:pic>
+        <p:nvPicPr>
+          <p:cNvPr id="377" name="Google Shape;377;p35"/>
+          <p:cNvPicPr preferRelativeResize="0"/>
+          <p:nvPr/>
+        </p:nvPicPr>
+        <p:blipFill>
+          <a:blip r:embed="rId3">
+            <a:alphaModFix/>
+          </a:blip>
+          <a:stretch>
+            <a:fillRect/>
+          </a:stretch>
+        </p:blipFill>
+        <p:spPr>
+          <a:xfrm>
+            <a:off x="2518025" y="1849525"/>
+            <a:ext cx="6787450" cy="4327750"/>
+          </a:xfrm>
+          <a:prstGeom prst="rect">
+            <a:avLst/>
+          </a:prstGeom>
+          <a:noFill/>
+          <a:ln>
+            <a:noFill/>
+          </a:ln>
+        </p:spPr>
+      </p:pic>
+    </p:spTree>
+  </p:cSld>
+  <p:clrMapOvr>
+    <a:masterClrMapping/>
+  </p:clrMapOvr>
+</p:sld>
+</file>
+
+<file path=ppt/slides/slide23.xml><?xml version="1.0" encoding="utf-8"?>
+<p:sld xmlns:a="http://schemas.openxmlformats.org/drawingml/2006/main" xmlns:r="http://schemas.openxmlformats.org/officeDocument/2006/relationships" xmlns:mc="http://schemas.openxmlformats.org/markup-compatibility/2006" xmlns:mv="urn:schemas-microsoft-com:mac:vml" xmlns:p="http://schemas.openxmlformats.org/presentationml/2006/main" xmlns:c="http://schemas.openxmlformats.org/drawingml/2006/chart" xmlns:dgm="http://schemas.openxmlformats.org/drawingml/2006/diagram" xmlns:o="urn:schemas-microsoft-com:office:office" xmlns:v="urn:schemas-microsoft-com:vml" xmlns:pvml="urn:schemas-microsoft-com:office:powerpoint" xmlns:com="http://schemas.openxmlformats.org/drawingml/2006/compatibility" xmlns:p14="http://schemas.microsoft.com/office/powerpoint/2010/main" xmlns:p15="http://schemas.microsoft.com/office/powerpoint/2012/main">
+  <p:cSld>
+    <p:spTree>
+      <p:nvGrpSpPr>
+        <p:cNvPr id="382" name="Shape 382"/>
+        <p:cNvGrpSpPr/>
+        <p:nvPr/>
+      </p:nvGrpSpPr>
+      <p:grpSpPr>
+        <a:xfrm>
+          <a:off x="0" y="0"/>
+          <a:ext cx="0" cy="0"/>
+          <a:chOff x="0" y="0"/>
+          <a:chExt cx="0" cy="0"/>
+        </a:xfrm>
+      </p:grpSpPr>
+      <p:sp>
+        <p:nvSpPr>
+          <p:cNvPr id="383" name="Google Shape;383;p36"/>
+          <p:cNvSpPr txBox="1"/>
+          <p:nvPr>
+            <p:ph type="title"/>
+          </p:nvPr>
+        </p:nvSpPr>
+        <p:spPr>
+          <a:xfrm>
+            <a:off x="349292" y="216531"/>
+            <a:ext cx="11493300" cy="767400"/>
+          </a:xfrm>
+          <a:prstGeom prst="rect">
+            <a:avLst/>
+          </a:prstGeom>
+        </p:spPr>
+        <p:txBody>
+          <a:bodyPr anchorCtr="0" anchor="t" bIns="45700" lIns="91425" spcFirstLastPara="1" rIns="91425" wrap="square" tIns="45700">
+            <a:noAutofit/>
+          </a:bodyPr>
+          <a:lstStyle/>
+          <a:p>
+            <a:pPr indent="0" lvl="0" marL="0" rtl="0" algn="l">
+              <a:spcBef>
+                <a:spcPts val="0"/>
+              </a:spcBef>
+              <a:spcAft>
+                <a:spcPts val="0"/>
+              </a:spcAft>
+              <a:buNone/>
+            </a:pPr>
+            <a:r>
+              <a:rPr lang="en-US"/>
+              <a:t>PCA Dimensionality Reduction	</a:t>
+            </a:r>
+            <a:endParaRPr/>
+          </a:p>
+        </p:txBody>
+      </p:sp>
+      <p:sp>
+        <p:nvSpPr>
+          <p:cNvPr id="384" name="Google Shape;384;p36"/>
+          <p:cNvSpPr txBox="1"/>
+          <p:nvPr>
+            <p:ph idx="12" type="sldNum"/>
+          </p:nvPr>
+        </p:nvSpPr>
+        <p:spPr>
+          <a:xfrm>
+            <a:off x="9144000" y="6400800"/>
+            <a:ext cx="2844900" cy="365100"/>
+          </a:xfrm>
+          <a:prstGeom prst="rect">
+            <a:avLst/>
+          </a:prstGeom>
+        </p:spPr>
+        <p:txBody>
+          <a:bodyPr anchorCtr="0" anchor="ctr" bIns="45700" lIns="91425" spcFirstLastPara="1" rIns="91425" wrap="square" tIns="45700">
+            <a:noAutofit/>
+          </a:bodyPr>
+          <a:lstStyle/>
+          <a:p>
+            <a:pPr indent="0" lvl="0" marL="0" rtl="0" algn="r">
+              <a:spcBef>
+                <a:spcPts val="0"/>
+              </a:spcBef>
+              <a:spcAft>
+                <a:spcPts val="0"/>
+              </a:spcAft>
+              <a:buNone/>
+            </a:pPr>
+            <a:fld id="{00000000-1234-1234-1234-123412341234}" type="slidenum">
+              <a:rPr lang="en-US"/>
+              <a:t>‹#›</a:t>
+            </a:fld>
+            <a:endParaRPr/>
+          </a:p>
+        </p:txBody>
+      </p:sp>
+      <p:sp>
+        <p:nvSpPr>
+          <p:cNvPr id="385" name="Google Shape;385;p36"/>
+          <p:cNvSpPr txBox="1"/>
+          <p:nvPr>
+            <p:ph idx="1" type="body"/>
+          </p:nvPr>
+        </p:nvSpPr>
+        <p:spPr>
+          <a:xfrm>
+            <a:off x="650425" y="983925"/>
+            <a:ext cx="10590900" cy="1004400"/>
+          </a:xfrm>
+          <a:prstGeom prst="rect">
+            <a:avLst/>
+          </a:prstGeom>
+          <a:noFill/>
+          <a:ln>
+            <a:noFill/>
+          </a:ln>
+        </p:spPr>
+        <p:txBody>
+          <a:bodyPr anchorCtr="0" anchor="t" bIns="45700" lIns="91425" spcFirstLastPara="1" rIns="91425" wrap="square" tIns="45700">
+            <a:noAutofit/>
+          </a:bodyPr>
+          <a:lstStyle/>
+          <a:p>
+            <a:pPr indent="0" lvl="0" marL="0" marR="0" rtl="0" algn="l">
+              <a:lnSpc>
+                <a:spcPct val="100000"/>
+              </a:lnSpc>
+              <a:spcBef>
+                <a:spcPts val="480"/>
+              </a:spcBef>
+              <a:spcAft>
+                <a:spcPts val="0"/>
+              </a:spcAft>
+              <a:buClr>
+                <a:srgbClr val="464646"/>
+              </a:buClr>
+              <a:buSzPts val="2800"/>
+              <a:buFont typeface="Arial"/>
+              <a:buNone/>
+            </a:pPr>
+            <a:r>
+              <a:rPr lang="en-US"/>
+              <a:t>There is no rule in how many eigenvalues to keep, but it is generally clear and left in analyst’s discretion.</a:t>
             </a:r>
             <a:br>
               <a:rPr lang="en-US"/>
@@ -27768,7 +28145,7 @@
       </p:sp>
       <p:grpSp>
         <p:nvGrpSpPr>
-          <p:cNvPr id="376" name="Google Shape;376;p35"/>
+          <p:cNvPr id="386" name="Google Shape;386;p36"/>
           <p:cNvGrpSpPr/>
           <p:nvPr/>
         </p:nvGrpSpPr>
@@ -27782,7 +28159,7 @@
         </p:grpSpPr>
         <p:pic>
           <p:nvPicPr>
-            <p:cNvPr id="377" name="Google Shape;377;p35"/>
+            <p:cNvPr id="387" name="Google Shape;387;p36"/>
             <p:cNvPicPr preferRelativeResize="0"/>
             <p:nvPr/>
           </p:nvPicPr>
@@ -27810,7 +28187,7 @@
         </p:pic>
         <p:pic>
           <p:nvPicPr>
-            <p:cNvPr id="378" name="Google Shape;378;p35"/>
+            <p:cNvPr id="388" name="Google Shape;388;p36"/>
             <p:cNvPicPr preferRelativeResize="0"/>
             <p:nvPr/>
           </p:nvPicPr>
@@ -27839,7 +28216,7 @@
       </p:grpSp>
       <p:sp>
         <p:nvSpPr>
-          <p:cNvPr id="379" name="Google Shape;379;p35"/>
+          <p:cNvPr id="389" name="Google Shape;389;p36"/>
           <p:cNvSpPr txBox="1"/>
           <p:nvPr/>
         </p:nvSpPr>
@@ -27895,12 +28272,12 @@
 </p:sld>
 </file>
 
-<file path=ppt/slides/slide23.xml><?xml version="1.0" encoding="utf-8"?>
+<file path=ppt/slides/slide24.xml><?xml version="1.0" encoding="utf-8"?>
 <p:sld xmlns:a="http://schemas.openxmlformats.org/drawingml/2006/main" xmlns:r="http://schemas.openxmlformats.org/officeDocument/2006/relationships" xmlns:mc="http://schemas.openxmlformats.org/markup-compatibility/2006" xmlns:mv="urn:schemas-microsoft-com:mac:vml" xmlns:p="http://schemas.openxmlformats.org/presentationml/2006/main" xmlns:c="http://schemas.openxmlformats.org/drawingml/2006/chart" xmlns:dgm="http://schemas.openxmlformats.org/drawingml/2006/diagram" xmlns:o="urn:schemas-microsoft-com:office:office" xmlns:v="urn:schemas-microsoft-com:vml" xmlns:pvml="urn:schemas-microsoft-com:office:powerpoint" xmlns:com="http://schemas.openxmlformats.org/drawingml/2006/compatibility" xmlns:p14="http://schemas.microsoft.com/office/powerpoint/2010/main" xmlns:p15="http://schemas.microsoft.com/office/powerpoint/2012/main">
   <p:cSld>
     <p:spTree>
       <p:nvGrpSpPr>
-        <p:cNvPr id="383" name="Shape 383"/>
+        <p:cNvPr id="393" name="Shape 393"/>
         <p:cNvGrpSpPr/>
         <p:nvPr/>
       </p:nvGrpSpPr>
@@ -27914,7 +28291,7 @@
       </p:grpSpPr>
       <p:sp>
         <p:nvSpPr>
-          <p:cNvPr id="384" name="Google Shape;384;p36"/>
+          <p:cNvPr id="394" name="Google Shape;394;p37"/>
           <p:cNvSpPr txBox="1"/>
           <p:nvPr>
             <p:ph type="title"/>
@@ -27974,7 +28351,7 @@
       </p:sp>
       <p:sp>
         <p:nvSpPr>
-          <p:cNvPr id="385" name="Google Shape;385;p36"/>
+          <p:cNvPr id="395" name="Google Shape;395;p37"/>
           <p:cNvSpPr txBox="1"/>
           <p:nvPr>
             <p:ph idx="12" type="sldNum"/>
@@ -28042,7 +28419,7 @@
       </p:sp>
       <p:sp>
         <p:nvSpPr>
-          <p:cNvPr id="386" name="Google Shape;386;p36"/>
+          <p:cNvPr id="396" name="Google Shape;396;p37"/>
           <p:cNvSpPr txBox="1"/>
           <p:nvPr>
             <p:ph idx="1" type="body"/>
@@ -28144,7 +28521,7 @@
       </p:sp>
       <p:sp>
         <p:nvSpPr>
-          <p:cNvPr id="387" name="Google Shape;387;p36"/>
+          <p:cNvPr id="397" name="Google Shape;397;p37"/>
           <p:cNvSpPr txBox="1"/>
           <p:nvPr>
             <p:ph idx="1" type="body"/>
@@ -28223,7 +28600,7 @@
       </p:sp>
       <p:sp>
         <p:nvSpPr>
-          <p:cNvPr id="388" name="Google Shape;388;p36"/>
+          <p:cNvPr id="398" name="Google Shape;398;p37"/>
           <p:cNvSpPr txBox="1"/>
           <p:nvPr>
             <p:ph idx="1" type="body"/>
@@ -28281,12 +28658,12 @@
 </p:sld>
 </file>
 
-<file path=ppt/slides/slide24.xml><?xml version="1.0" encoding="utf-8"?>
+<file path=ppt/slides/slide25.xml><?xml version="1.0" encoding="utf-8"?>
 <p:sld xmlns:a="http://schemas.openxmlformats.org/drawingml/2006/main" xmlns:r="http://schemas.openxmlformats.org/officeDocument/2006/relationships" xmlns:mc="http://schemas.openxmlformats.org/markup-compatibility/2006" xmlns:mv="urn:schemas-microsoft-com:mac:vml" xmlns:p="http://schemas.openxmlformats.org/presentationml/2006/main" xmlns:c="http://schemas.openxmlformats.org/drawingml/2006/chart" xmlns:dgm="http://schemas.openxmlformats.org/drawingml/2006/diagram" xmlns:o="urn:schemas-microsoft-com:office:office" xmlns:v="urn:schemas-microsoft-com:vml" xmlns:pvml="urn:schemas-microsoft-com:office:powerpoint" xmlns:com="http://schemas.openxmlformats.org/drawingml/2006/compatibility" xmlns:p14="http://schemas.microsoft.com/office/powerpoint/2010/main" xmlns:p15="http://schemas.microsoft.com/office/powerpoint/2012/main">
   <p:cSld>
     <p:spTree>
       <p:nvGrpSpPr>
-        <p:cNvPr id="392" name="Shape 392"/>
+        <p:cNvPr id="402" name="Shape 402"/>
         <p:cNvGrpSpPr/>
         <p:nvPr/>
       </p:nvGrpSpPr>
@@ -28300,7 +28677,7 @@
       </p:grpSpPr>
       <p:sp>
         <p:nvSpPr>
-          <p:cNvPr id="393" name="Google Shape;393;p37"/>
+          <p:cNvPr id="403" name="Google Shape;403;p38"/>
           <p:cNvSpPr txBox="1"/>
           <p:nvPr>
             <p:ph type="title"/>
@@ -28360,7 +28737,7 @@
       </p:sp>
       <p:sp>
         <p:nvSpPr>
-          <p:cNvPr id="394" name="Google Shape;394;p37"/>
+          <p:cNvPr id="404" name="Google Shape;404;p38"/>
           <p:cNvSpPr txBox="1"/>
           <p:nvPr>
             <p:ph idx="12" type="sldNum"/>
@@ -28428,7 +28805,7 @@
       </p:sp>
       <p:sp>
         <p:nvSpPr>
-          <p:cNvPr id="395" name="Google Shape;395;p37"/>
+          <p:cNvPr id="405" name="Google Shape;405;p38"/>
           <p:cNvSpPr txBox="1"/>
           <p:nvPr>
             <p:ph idx="1" type="body"/>
@@ -28488,7 +28865,7 @@
       </p:sp>
       <p:sp>
         <p:nvSpPr>
-          <p:cNvPr id="396" name="Google Shape;396;p37"/>
+          <p:cNvPr id="406" name="Google Shape;406;p38"/>
           <p:cNvSpPr txBox="1"/>
           <p:nvPr>
             <p:ph idx="1" type="body"/>
@@ -28547,7 +28924,7 @@
       </p:sp>
       <p:sp>
         <p:nvSpPr>
-          <p:cNvPr id="397" name="Google Shape;397;p37"/>
+          <p:cNvPr id="407" name="Google Shape;407;p38"/>
           <p:cNvSpPr txBox="1"/>
           <p:nvPr>
             <p:ph idx="1" type="body"/>
@@ -28591,7 +28968,7 @@
             </a:pPr>
             <a:r>
               <a:rPr lang="en-US"/>
-              <a:t>When a predictor is heavily deviate from Normal distribution, an appropriate nonlinear transformation of the predictor may solve this problem.</a:t>
+              <a:t>When a predictor is heavily deviate from Normal distribution, an appropriate nonlinear transformation may solve this problem.</a:t>
             </a:r>
             <a:endParaRPr/>
           </a:p>
@@ -28605,12 +28982,12 @@
 </p:sld>
 </file>
 
-<file path=ppt/slides/slide25.xml><?xml version="1.0" encoding="utf-8"?>
+<file path=ppt/slides/slide26.xml><?xml version="1.0" encoding="utf-8"?>
 <p:sld xmlns:a="http://schemas.openxmlformats.org/drawingml/2006/main" xmlns:r="http://schemas.openxmlformats.org/officeDocument/2006/relationships" xmlns:mc="http://schemas.openxmlformats.org/markup-compatibility/2006" xmlns:mv="urn:schemas-microsoft-com:mac:vml" xmlns:p="http://schemas.openxmlformats.org/presentationml/2006/main" xmlns:c="http://schemas.openxmlformats.org/drawingml/2006/chart" xmlns:dgm="http://schemas.openxmlformats.org/drawingml/2006/diagram" xmlns:o="urn:schemas-microsoft-com:office:office" xmlns:v="urn:schemas-microsoft-com:vml" xmlns:pvml="urn:schemas-microsoft-com:office:powerpoint" xmlns:com="http://schemas.openxmlformats.org/drawingml/2006/compatibility" xmlns:p14="http://schemas.microsoft.com/office/powerpoint/2010/main" xmlns:p15="http://schemas.microsoft.com/office/powerpoint/2012/main">
   <p:cSld>
     <p:spTree>
       <p:nvGrpSpPr>
-        <p:cNvPr id="401" name="Shape 401"/>
+        <p:cNvPr id="411" name="Shape 411"/>
         <p:cNvGrpSpPr/>
         <p:nvPr/>
       </p:nvGrpSpPr>
@@ -28624,7 +29001,7 @@
       </p:grpSpPr>
       <p:sp>
         <p:nvSpPr>
-          <p:cNvPr id="402" name="Google Shape;402;p38"/>
+          <p:cNvPr id="412" name="Google Shape;412;p39"/>
           <p:cNvSpPr txBox="1"/>
           <p:nvPr>
             <p:ph type="title"/>
@@ -28684,7 +29061,7 @@
       </p:sp>
       <p:sp>
         <p:nvSpPr>
-          <p:cNvPr id="403" name="Google Shape;403;p38"/>
+          <p:cNvPr id="413" name="Google Shape;413;p39"/>
           <p:cNvSpPr txBox="1"/>
           <p:nvPr>
             <p:ph idx="12" type="sldNum"/>
@@ -28752,7 +29129,7 @@
       </p:sp>
       <p:sp>
         <p:nvSpPr>
-          <p:cNvPr id="404" name="Google Shape;404;p38"/>
+          <p:cNvPr id="414" name="Google Shape;414;p39"/>
           <p:cNvSpPr txBox="1"/>
           <p:nvPr>
             <p:ph idx="1" type="body"/>
@@ -28812,7 +29189,7 @@
       </p:sp>
       <p:sp>
         <p:nvSpPr>
-          <p:cNvPr id="405" name="Google Shape;405;p38"/>
+          <p:cNvPr id="415" name="Google Shape;415;p39"/>
           <p:cNvSpPr txBox="1"/>
           <p:nvPr>
             <p:ph idx="1" type="body"/>
@@ -28856,7 +29233,7 @@
             </a:pPr>
             <a:r>
               <a:rPr lang="en-US"/>
-              <a:t>This is intuitively reasonable, that lower variability components describe lesse the data, but it is not always true and needs to be checked.</a:t>
+              <a:t>It is intuitively reasonable, that lower variability components describe less the data, but it is not always true.</a:t>
             </a:r>
             <a:endParaRPr/>
           </a:p>
@@ -28864,7 +29241,7 @@
       </p:sp>
       <p:pic>
         <p:nvPicPr>
-          <p:cNvPr descr="\begin{align}&#10;\lambda_i&#10;\end{align}" id="406" name="Google Shape;406;p38" title="MathEquation,#000000"/>
+          <p:cNvPr descr="\begin{align}&#10;\lambda_i&#10;\end{align}" id="416" name="Google Shape;416;p39" title="MathEquation,#000000"/>
           <p:cNvPicPr preferRelativeResize="0"/>
           <p:nvPr/>
         </p:nvPicPr>
@@ -28898,12 +29275,12 @@
 </p:sld>
 </file>
 
-<file path=ppt/slides/slide26.xml><?xml version="1.0" encoding="utf-8"?>
+<file path=ppt/slides/slide27.xml><?xml version="1.0" encoding="utf-8"?>
 <p:sld xmlns:a="http://schemas.openxmlformats.org/drawingml/2006/main" xmlns:r="http://schemas.openxmlformats.org/officeDocument/2006/relationships" xmlns:mc="http://schemas.openxmlformats.org/markup-compatibility/2006" xmlns:mv="urn:schemas-microsoft-com:mac:vml" xmlns:p="http://schemas.openxmlformats.org/presentationml/2006/main" xmlns:c="http://schemas.openxmlformats.org/drawingml/2006/chart" xmlns:dgm="http://schemas.openxmlformats.org/drawingml/2006/diagram" xmlns:o="urn:schemas-microsoft-com:office:office" xmlns:v="urn:schemas-microsoft-com:vml" xmlns:pvml="urn:schemas-microsoft-com:office:powerpoint" xmlns:com="http://schemas.openxmlformats.org/drawingml/2006/compatibility" xmlns:p14="http://schemas.microsoft.com/office/powerpoint/2010/main" xmlns:p15="http://schemas.microsoft.com/office/powerpoint/2012/main">
   <p:cSld>
     <p:spTree>
       <p:nvGrpSpPr>
-        <p:cNvPr id="410" name="Shape 410"/>
+        <p:cNvPr id="420" name="Shape 420"/>
         <p:cNvGrpSpPr/>
         <p:nvPr/>
       </p:nvGrpSpPr>
@@ -28917,7 +29294,7 @@
       </p:grpSpPr>
       <p:sp>
         <p:nvSpPr>
-          <p:cNvPr id="411" name="Google Shape;411;p39"/>
+          <p:cNvPr id="421" name="Google Shape;421;p40"/>
           <p:cNvSpPr txBox="1"/>
           <p:nvPr>
             <p:ph type="title"/>
@@ -28977,7 +29354,7 @@
       </p:sp>
       <p:sp>
         <p:nvSpPr>
-          <p:cNvPr id="412" name="Google Shape;412;p39"/>
+          <p:cNvPr id="422" name="Google Shape;422;p40"/>
           <p:cNvSpPr txBox="1"/>
           <p:nvPr>
             <p:ph idx="12" type="sldNum"/>
@@ -29045,7 +29422,7 @@
       </p:sp>
       <p:sp>
         <p:nvSpPr>
-          <p:cNvPr id="413" name="Google Shape;413;p39"/>
+          <p:cNvPr id="423" name="Google Shape;423;p40"/>
           <p:cNvSpPr txBox="1"/>
           <p:nvPr>
             <p:ph idx="1" type="body"/>
@@ -29097,7 +29474,7 @@
             </a:r>
             <a:r>
               <a:rPr lang="en-US"/>
-              <a:t> are orthogonal allowing us to use linear algebra techniques</a:t>
+              <a:t> are orthogonal allowing us to use linear algebra techniques.</a:t>
             </a:r>
             <a:endParaRPr/>
           </a:p>
@@ -29105,7 +29482,7 @@
       </p:sp>
       <p:sp>
         <p:nvSpPr>
-          <p:cNvPr id="414" name="Google Shape;414;p39"/>
+          <p:cNvPr id="424" name="Google Shape;424;p40"/>
           <p:cNvSpPr txBox="1"/>
           <p:nvPr>
             <p:ph idx="1" type="body"/>
@@ -29163,12 +29540,12 @@
 </p:sld>
 </file>
 
-<file path=ppt/slides/slide27.xml><?xml version="1.0" encoding="utf-8"?>
+<file path=ppt/slides/slide28.xml><?xml version="1.0" encoding="utf-8"?>
 <p:sld xmlns:a="http://schemas.openxmlformats.org/drawingml/2006/main" xmlns:r="http://schemas.openxmlformats.org/officeDocument/2006/relationships" xmlns:mc="http://schemas.openxmlformats.org/markup-compatibility/2006" xmlns:mv="urn:schemas-microsoft-com:mac:vml" xmlns:p="http://schemas.openxmlformats.org/presentationml/2006/main" xmlns:c="http://schemas.openxmlformats.org/drawingml/2006/chart" xmlns:dgm="http://schemas.openxmlformats.org/drawingml/2006/diagram" xmlns:o="urn:schemas-microsoft-com:office:office" xmlns:v="urn:schemas-microsoft-com:vml" xmlns:pvml="urn:schemas-microsoft-com:office:powerpoint" xmlns:com="http://schemas.openxmlformats.org/drawingml/2006/compatibility" xmlns:p14="http://schemas.microsoft.com/office/powerpoint/2010/main" xmlns:p15="http://schemas.microsoft.com/office/powerpoint/2012/main">
   <p:cSld>
     <p:spTree>
       <p:nvGrpSpPr>
-        <p:cNvPr id="418" name="Shape 418"/>
+        <p:cNvPr id="428" name="Shape 428"/>
         <p:cNvGrpSpPr/>
         <p:nvPr/>
       </p:nvGrpSpPr>
@@ -29182,7 +29559,7 @@
       </p:grpSpPr>
       <p:sp>
         <p:nvSpPr>
-          <p:cNvPr id="419" name="Google Shape;419;p40"/>
+          <p:cNvPr id="429" name="Google Shape;429;p41"/>
           <p:cNvSpPr txBox="1"/>
           <p:nvPr>
             <p:ph type="title"/>
@@ -29242,7 +29619,7 @@
       </p:sp>
       <p:sp>
         <p:nvSpPr>
-          <p:cNvPr id="420" name="Google Shape;420;p40"/>
+          <p:cNvPr id="430" name="Google Shape;430;p41"/>
           <p:cNvSpPr txBox="1"/>
           <p:nvPr>
             <p:ph idx="12" type="sldNum"/>
@@ -29310,7 +29687,7 @@
       </p:sp>
       <p:sp>
         <p:nvSpPr>
-          <p:cNvPr id="421" name="Google Shape;421;p40"/>
+          <p:cNvPr id="431" name="Google Shape;431;p41"/>
           <p:cNvSpPr txBox="1"/>
           <p:nvPr>
             <p:ph idx="1" type="body"/>
@@ -29318,8 +29695,8 @@
         </p:nvSpPr>
         <p:spPr>
           <a:xfrm>
-            <a:off x="650425" y="1593525"/>
-            <a:ext cx="10751100" cy="1004400"/>
+            <a:off x="539025" y="1593525"/>
+            <a:ext cx="11303400" cy="1004400"/>
           </a:xfrm>
           <a:prstGeom prst="rect">
             <a:avLst/>
@@ -29335,7 +29712,7 @@
           </a:bodyPr>
           <a:lstStyle/>
           <a:p>
-            <a:pPr indent="0" lvl="0" marL="457200" marR="0" rtl="0" algn="l">
+            <a:pPr indent="0" lvl="0" marL="0" marR="0" rtl="0" algn="l">
               <a:lnSpc>
                 <a:spcPct val="100000"/>
               </a:lnSpc>
@@ -29349,43 +29726,27 @@
             </a:pPr>
             <a:r>
               <a:rPr lang="en-US"/>
-              <a:t>PCA consists of a change of basis from Euclidean basis, where we measure the predictors, to an orthonormal basis of eigenvectors of </a:t>
+              <a:t>PCA assumes that data lie on a lower dimensional </a:t>
+            </a:r>
+            <a:r>
+              <a:rPr lang="en-US"/>
+              <a:t>linear manifold. So, a linear transformation</a:t>
+            </a:r>
+            <a:r>
+              <a:rPr b="1" lang="en-US"/>
+              <a:t> </a:t>
+            </a:r>
+            <a:r>
+              <a:rPr lang="en-US"/>
+              <a:t>yields an orthonormal basis.</a:t>
             </a:r>
             <a:endParaRPr/>
           </a:p>
         </p:txBody>
       </p:sp>
-      <p:pic>
-        <p:nvPicPr>
-          <p:cNvPr id="422" name="Google Shape;422;p40"/>
-          <p:cNvPicPr preferRelativeResize="0"/>
-          <p:nvPr/>
-        </p:nvPicPr>
-        <p:blipFill>
-          <a:blip r:embed="rId3">
-            <a:alphaModFix/>
-          </a:blip>
-          <a:stretch>
-            <a:fillRect/>
-          </a:stretch>
-        </p:blipFill>
-        <p:spPr>
-          <a:xfrm>
-            <a:off x="3826161" y="2610171"/>
-            <a:ext cx="824750" cy="309300"/>
-          </a:xfrm>
-          <a:prstGeom prst="rect">
-            <a:avLst/>
-          </a:prstGeom>
-          <a:noFill/>
-          <a:ln>
-            <a:noFill/>
-          </a:ln>
-        </p:spPr>
-      </p:pic>
       <p:sp>
         <p:nvSpPr>
-          <p:cNvPr id="423" name="Google Shape;423;p40"/>
+          <p:cNvPr id="432" name="Google Shape;432;p41"/>
           <p:cNvSpPr txBox="1"/>
           <p:nvPr>
             <p:ph idx="1" type="body"/>
@@ -29393,8 +29754,8 @@
         </p:nvSpPr>
         <p:spPr>
           <a:xfrm>
-            <a:off x="1103700" y="3879525"/>
-            <a:ext cx="10297800" cy="1549200"/>
+            <a:off x="603175" y="3879525"/>
+            <a:ext cx="10722000" cy="1549200"/>
           </a:xfrm>
           <a:prstGeom prst="rect">
             <a:avLst/>
@@ -29438,12 +29799,12 @@
 </p:sld>
 </file>
 
-<file path=ppt/slides/slide28.xml><?xml version="1.0" encoding="utf-8"?>
+<file path=ppt/slides/slide29.xml><?xml version="1.0" encoding="utf-8"?>
 <p:sld xmlns:a="http://schemas.openxmlformats.org/drawingml/2006/main" xmlns:r="http://schemas.openxmlformats.org/officeDocument/2006/relationships" xmlns:mc="http://schemas.openxmlformats.org/markup-compatibility/2006" xmlns:mv="urn:schemas-microsoft-com:mac:vml" xmlns:p="http://schemas.openxmlformats.org/presentationml/2006/main" xmlns:c="http://schemas.openxmlformats.org/drawingml/2006/chart" xmlns:dgm="http://schemas.openxmlformats.org/drawingml/2006/diagram" xmlns:o="urn:schemas-microsoft-com:office:office" xmlns:v="urn:schemas-microsoft-com:vml" xmlns:pvml="urn:schemas-microsoft-com:office:powerpoint" xmlns:com="http://schemas.openxmlformats.org/drawingml/2006/compatibility" xmlns:p14="http://schemas.microsoft.com/office/powerpoint/2010/main" xmlns:p15="http://schemas.microsoft.com/office/powerpoint/2012/main">
   <p:cSld>
     <p:spTree>
       <p:nvGrpSpPr>
-        <p:cNvPr id="427" name="Shape 427"/>
+        <p:cNvPr id="436" name="Shape 436"/>
         <p:cNvGrpSpPr/>
         <p:nvPr/>
       </p:nvGrpSpPr>
@@ -29457,7 +29818,7 @@
       </p:grpSpPr>
       <p:sp>
         <p:nvSpPr>
-          <p:cNvPr id="428" name="Google Shape;428;p41"/>
+          <p:cNvPr id="437" name="Google Shape;437;p42"/>
           <p:cNvSpPr txBox="1"/>
           <p:nvPr>
             <p:ph type="title"/>
@@ -29525,7 +29886,7 @@
       </p:sp>
       <p:sp>
         <p:nvSpPr>
-          <p:cNvPr id="429" name="Google Shape;429;p41"/>
+          <p:cNvPr id="438" name="Google Shape;438;p42"/>
           <p:cNvSpPr txBox="1"/>
           <p:nvPr>
             <p:ph idx="12" type="sldNum"/>
@@ -29593,7 +29954,7 @@
       </p:sp>
       <p:sp>
         <p:nvSpPr>
-          <p:cNvPr id="430" name="Google Shape;430;p41"/>
+          <p:cNvPr id="439" name="Google Shape;439;p42"/>
           <p:cNvSpPr txBox="1"/>
           <p:nvPr>
             <p:ph idx="1" type="body"/>
@@ -29661,7 +30022,7 @@
       </p:sp>
       <p:sp>
         <p:nvSpPr>
-          <p:cNvPr id="431" name="Google Shape;431;p41"/>
+          <p:cNvPr id="440" name="Google Shape;440;p42"/>
           <p:cNvSpPr txBox="1"/>
           <p:nvPr>
             <p:ph idx="1" type="body"/>
@@ -29705,7 +30066,7 @@
             </a:pPr>
             <a:r>
               <a:rPr lang="en-US"/>
-              <a:t>Centered nonlinear representation</a:t>
+              <a:t>Centered nonlinear representation:</a:t>
             </a:r>
             <a:endParaRPr/>
           </a:p>
@@ -29713,7 +30074,7 @@
       </p:sp>
       <p:sp>
         <p:nvSpPr>
-          <p:cNvPr id="432" name="Google Shape;432;p41"/>
+          <p:cNvPr id="441" name="Google Shape;441;p42"/>
           <p:cNvSpPr txBox="1"/>
           <p:nvPr>
             <p:ph idx="1" type="body"/>
@@ -29757,7 +30118,7 @@
             </a:pPr>
             <a:r>
               <a:rPr lang="en-US"/>
-              <a:t>Apply PCA to the modified Kernel</a:t>
+              <a:t>Apply PCA to the modified Kernel:</a:t>
             </a:r>
             <a:endParaRPr/>
           </a:p>
@@ -29765,7 +30126,7 @@
       </p:sp>
       <p:pic>
         <p:nvPicPr>
-          <p:cNvPr descr="\begin{align}&#10;K = \Phi(X)^T\Phi(X)&#10;\end{align}" id="433" name="Google Shape;433;p41" title="MathEquation,#000000"/>
+          <p:cNvPr descr="\begin{align}&#10;K = \Phi(X)^T\Phi(X)&#10;\end{align}" id="442" name="Google Shape;442;p42" title="MathEquation,#000000"/>
           <p:cNvPicPr preferRelativeResize="0"/>
           <p:nvPr/>
         </p:nvPicPr>
@@ -29793,7 +30154,7 @@
       </p:pic>
       <p:pic>
         <p:nvPicPr>
-          <p:cNvPr descr="\begin{align}&#10;\tilde{K} = \tilde\Phi(X)^T \tilde\Phi(X)&#10;\end{align}" id="434" name="Google Shape;434;p41" title="MathEquation,#000000"/>
+          <p:cNvPr descr="\begin{align}&#10;\tilde{K} = \tilde\Phi(X)^T \tilde\Phi(X)&#10;\end{align}" id="443" name="Google Shape;443;p42" title="MathEquation,#000000"/>
           <p:cNvPicPr preferRelativeResize="0"/>
           <p:nvPr/>
         </p:nvPicPr>
@@ -29821,7 +30182,7 @@
       </p:pic>
       <p:pic>
         <p:nvPicPr>
-          <p:cNvPr descr="\begin{align}&#10; \tilde\Phi(X)= \Phi(X) -E[\Phi(X)]&#10;\end{align}" id="435" name="Google Shape;435;p41" title="MathEquation,#000000"/>
+          <p:cNvPr descr="\begin{align}&#10; \tilde\Phi(X)= \Phi(X) -E[\Phi(X)]&#10;\end{align}" id="444" name="Google Shape;444;p42" title="MathEquation,#000000"/>
           <p:cNvPicPr preferRelativeResize="0"/>
           <p:nvPr/>
         </p:nvPicPr>
@@ -29847,411 +30208,6 @@
           </a:ln>
         </p:spPr>
       </p:pic>
-    </p:spTree>
-  </p:cSld>
-  <p:clrMapOvr>
-    <a:masterClrMapping/>
-  </p:clrMapOvr>
-</p:sld>
-</file>
-
-<file path=ppt/slides/slide29.xml><?xml version="1.0" encoding="utf-8"?>
-<p:sld xmlns:a="http://schemas.openxmlformats.org/drawingml/2006/main" xmlns:r="http://schemas.openxmlformats.org/officeDocument/2006/relationships" xmlns:mc="http://schemas.openxmlformats.org/markup-compatibility/2006" xmlns:mv="urn:schemas-microsoft-com:mac:vml" xmlns:p="http://schemas.openxmlformats.org/presentationml/2006/main" xmlns:c="http://schemas.openxmlformats.org/drawingml/2006/chart" xmlns:dgm="http://schemas.openxmlformats.org/drawingml/2006/diagram" xmlns:o="urn:schemas-microsoft-com:office:office" xmlns:v="urn:schemas-microsoft-com:vml" xmlns:pvml="urn:schemas-microsoft-com:office:powerpoint" xmlns:com="http://schemas.openxmlformats.org/drawingml/2006/compatibility" xmlns:p14="http://schemas.microsoft.com/office/powerpoint/2010/main" xmlns:p15="http://schemas.microsoft.com/office/powerpoint/2012/main">
-  <p:cSld>
-    <p:spTree>
-      <p:nvGrpSpPr>
-        <p:cNvPr id="439" name="Shape 439"/>
-        <p:cNvGrpSpPr/>
-        <p:nvPr/>
-      </p:nvGrpSpPr>
-      <p:grpSpPr>
-        <a:xfrm>
-          <a:off x="0" y="0"/>
-          <a:ext cx="0" cy="0"/>
-          <a:chOff x="0" y="0"/>
-          <a:chExt cx="0" cy="0"/>
-        </a:xfrm>
-      </p:grpSpPr>
-      <p:sp>
-        <p:nvSpPr>
-          <p:cNvPr id="440" name="Google Shape;440;p42"/>
-          <p:cNvSpPr txBox="1"/>
-          <p:nvPr>
-            <p:ph type="title"/>
-          </p:nvPr>
-        </p:nvSpPr>
-        <p:spPr>
-          <a:xfrm>
-            <a:off x="349292" y="216531"/>
-            <a:ext cx="11493300" cy="767400"/>
-          </a:xfrm>
-          <a:prstGeom prst="rect">
-            <a:avLst/>
-          </a:prstGeom>
-          <a:noFill/>
-          <a:ln>
-            <a:noFill/>
-          </a:ln>
-        </p:spPr>
-        <p:txBody>
-          <a:bodyPr anchorCtr="0" anchor="t" bIns="45700" lIns="91425" spcFirstLastPara="1" rIns="91425" wrap="square" tIns="45700">
-            <a:noAutofit/>
-          </a:bodyPr>
-          <a:lstStyle/>
-          <a:p>
-            <a:pPr indent="0" lvl="0" marL="0" marR="0" rtl="0" algn="l">
-              <a:lnSpc>
-                <a:spcPct val="100000"/>
-              </a:lnSpc>
-              <a:spcBef>
-                <a:spcPts val="0"/>
-              </a:spcBef>
-              <a:spcAft>
-                <a:spcPts val="0"/>
-              </a:spcAft>
-              <a:buClr>
-                <a:srgbClr val="464646"/>
-              </a:buClr>
-              <a:buSzPts val="3200"/>
-              <a:buFont typeface="Karla"/>
-              <a:buNone/>
-            </a:pPr>
-            <a:r>
-              <a:rPr lang="en-US"/>
-              <a:t>Summary</a:t>
-            </a:r>
-            <a:endParaRPr b="0" i="0" sz="3200" u="none" cap="none" strike="noStrike">
-              <a:solidFill>
-                <a:srgbClr val="464646"/>
-              </a:solidFill>
-              <a:latin typeface="Karla"/>
-              <a:ea typeface="Karla"/>
-              <a:cs typeface="Karla"/>
-              <a:sym typeface="Karla"/>
-            </a:endParaRPr>
-          </a:p>
-        </p:txBody>
-      </p:sp>
-      <p:sp>
-        <p:nvSpPr>
-          <p:cNvPr id="441" name="Google Shape;441;p42"/>
-          <p:cNvSpPr txBox="1"/>
-          <p:nvPr>
-            <p:ph idx="1" type="body"/>
-          </p:nvPr>
-        </p:nvSpPr>
-        <p:spPr>
-          <a:xfrm>
-            <a:off x="636300" y="949150"/>
-            <a:ext cx="11100000" cy="5294400"/>
-          </a:xfrm>
-          <a:prstGeom prst="rect">
-            <a:avLst/>
-          </a:prstGeom>
-          <a:noFill/>
-          <a:ln>
-            <a:noFill/>
-          </a:ln>
-        </p:spPr>
-        <p:txBody>
-          <a:bodyPr anchorCtr="0" anchor="t" bIns="45700" lIns="91425" spcFirstLastPara="1" rIns="91425" wrap="square" tIns="45700">
-            <a:noAutofit/>
-          </a:bodyPr>
-          <a:lstStyle/>
-          <a:p>
-            <a:pPr indent="-457200" lvl="0" marL="457200" marR="0" rtl="0" algn="l">
-              <a:lnSpc>
-                <a:spcPct val="100000"/>
-              </a:lnSpc>
-              <a:spcBef>
-                <a:spcPts val="0"/>
-              </a:spcBef>
-              <a:spcAft>
-                <a:spcPts val="0"/>
-              </a:spcAft>
-              <a:buClr>
-                <a:srgbClr val="464646"/>
-              </a:buClr>
-              <a:buSzPts val="2400"/>
-              <a:buFont typeface="Arial"/>
-              <a:buChar char="•"/>
-            </a:pPr>
-            <a:r>
-              <a:rPr b="1" lang="en-US" sz="2400"/>
-              <a:t>Dimensionality Reduction Methods </a:t>
-            </a:r>
-            <a:endParaRPr b="1" i="0" sz="2400" u="none" cap="none" strike="noStrike">
-              <a:solidFill>
-                <a:srgbClr val="464646"/>
-              </a:solidFill>
-            </a:endParaRPr>
-          </a:p>
-          <a:p>
-            <a:pPr indent="-539750" lvl="1" marL="1257269" marR="0" rtl="0" algn="l">
-              <a:lnSpc>
-                <a:spcPct val="100000"/>
-              </a:lnSpc>
-              <a:spcBef>
-                <a:spcPts val="400"/>
-              </a:spcBef>
-              <a:spcAft>
-                <a:spcPts val="0"/>
-              </a:spcAft>
-              <a:buClr>
-                <a:srgbClr val="464646"/>
-              </a:buClr>
-              <a:buSzPts val="2400"/>
-              <a:buFont typeface="Calibri"/>
-              <a:buAutoNum type="arabicPeriod"/>
-            </a:pPr>
-            <a:r>
-              <a:rPr lang="en-US"/>
-              <a:t>A process of reducing the number of predictor variables under consideration.</a:t>
-            </a:r>
-            <a:endParaRPr/>
-          </a:p>
-          <a:p>
-            <a:pPr indent="-539750" lvl="1" marL="1257269" rtl="0" algn="l">
-              <a:lnSpc>
-                <a:spcPct val="100000"/>
-              </a:lnSpc>
-              <a:spcBef>
-                <a:spcPts val="480"/>
-              </a:spcBef>
-              <a:spcAft>
-                <a:spcPts val="0"/>
-              </a:spcAft>
-              <a:buClr>
-                <a:srgbClr val="464646"/>
-              </a:buClr>
-              <a:buSzPts val="2400"/>
-              <a:buFont typeface="Calibri"/>
-              <a:buAutoNum type="arabicPeriod"/>
-            </a:pPr>
-            <a:r>
-              <a:rPr lang="en-US"/>
-              <a:t>To find a more meaningful basis to express our data filtering the noise and revealing the hidden structure.</a:t>
-            </a:r>
-            <a:br>
-              <a:rPr lang="en-US"/>
-            </a:br>
-            <a:endParaRPr b="0" i="0" u="none" cap="none" strike="noStrike">
-              <a:solidFill>
-                <a:srgbClr val="464646"/>
-              </a:solidFill>
-              <a:latin typeface="Karla"/>
-              <a:ea typeface="Karla"/>
-              <a:cs typeface="Karla"/>
-              <a:sym typeface="Karla"/>
-            </a:endParaRPr>
-          </a:p>
-          <a:p>
-            <a:pPr indent="-514350" lvl="0" marL="514350" marR="0" rtl="0" algn="l">
-              <a:lnSpc>
-                <a:spcPct val="100000"/>
-              </a:lnSpc>
-              <a:spcBef>
-                <a:spcPts val="480"/>
-              </a:spcBef>
-              <a:spcAft>
-                <a:spcPts val="0"/>
-              </a:spcAft>
-              <a:buClr>
-                <a:srgbClr val="464646"/>
-              </a:buClr>
-              <a:buSzPts val="2400"/>
-              <a:buFont typeface="Arial"/>
-              <a:buChar char="•"/>
-            </a:pPr>
-            <a:r>
-              <a:rPr b="1" lang="en-US" sz="2400"/>
-              <a:t>Principal Component Analysis</a:t>
-            </a:r>
-            <a:endParaRPr b="1" i="0" sz="2400" u="none" cap="none" strike="noStrike">
-              <a:solidFill>
-                <a:srgbClr val="464646"/>
-              </a:solidFill>
-            </a:endParaRPr>
-          </a:p>
-          <a:p>
-            <a:pPr indent="-539750" lvl="1" marL="1257269" rtl="0" algn="l">
-              <a:spcBef>
-                <a:spcPts val="0"/>
-              </a:spcBef>
-              <a:spcAft>
-                <a:spcPts val="0"/>
-              </a:spcAft>
-              <a:buClr>
-                <a:srgbClr val="464646"/>
-              </a:buClr>
-              <a:buSzPts val="2400"/>
-              <a:buFont typeface="Arial"/>
-              <a:buAutoNum type="arabicPeriod"/>
-            </a:pPr>
-            <a:r>
-              <a:rPr lang="en-US"/>
-              <a:t>A powerful </a:t>
-            </a:r>
-            <a:r>
-              <a:rPr i="1" lang="en-US"/>
-              <a:t>Statistical </a:t>
-            </a:r>
-            <a:r>
-              <a:rPr lang="en-US"/>
-              <a:t>tool for analyzing  data sets and is formulated in the context of </a:t>
-            </a:r>
-            <a:r>
-              <a:rPr i="1" lang="en-US"/>
-              <a:t>Linear Algebra</a:t>
-            </a:r>
-            <a:r>
-              <a:rPr lang="en-US"/>
-              <a:t>.</a:t>
-            </a:r>
-            <a:endParaRPr/>
-          </a:p>
-          <a:p>
-            <a:pPr indent="-539750" lvl="1" marL="1257269" marR="0" rtl="0" algn="l">
-              <a:lnSpc>
-                <a:spcPct val="100000"/>
-              </a:lnSpc>
-              <a:spcBef>
-                <a:spcPts val="400"/>
-              </a:spcBef>
-              <a:spcAft>
-                <a:spcPts val="0"/>
-              </a:spcAft>
-              <a:buClr>
-                <a:srgbClr val="464646"/>
-              </a:buClr>
-              <a:buSzPts val="2400"/>
-              <a:buFont typeface="Calibri"/>
-              <a:buAutoNum type="arabicPeriod"/>
-            </a:pPr>
-            <a:r>
-              <a:rPr lang="en-US"/>
-              <a:t>Spectral decomposition: We reduce the dimension of predictors by reducing the number of principal components and their eigenvalues.</a:t>
-            </a:r>
-            <a:endParaRPr/>
-          </a:p>
-          <a:p>
-            <a:pPr indent="-539750" lvl="1" marL="1257269" marR="0" rtl="0" algn="l">
-              <a:lnSpc>
-                <a:spcPct val="100000"/>
-              </a:lnSpc>
-              <a:spcBef>
-                <a:spcPts val="400"/>
-              </a:spcBef>
-              <a:spcAft>
-                <a:spcPts val="0"/>
-              </a:spcAft>
-              <a:buClr>
-                <a:srgbClr val="464646"/>
-              </a:buClr>
-              <a:buSzPts val="2400"/>
-              <a:buFont typeface="Calibri"/>
-              <a:buAutoNum type="arabicPeriod"/>
-            </a:pPr>
-            <a:r>
-              <a:rPr lang="en-US"/>
-              <a:t>PCA is based on strong assumptions that we need to check.</a:t>
-            </a:r>
-            <a:endParaRPr/>
-          </a:p>
-          <a:p>
-            <a:pPr indent="-539750" lvl="1" marL="1257269" marR="0" rtl="0" algn="l">
-              <a:lnSpc>
-                <a:spcPct val="100000"/>
-              </a:lnSpc>
-              <a:spcBef>
-                <a:spcPts val="400"/>
-              </a:spcBef>
-              <a:spcAft>
-                <a:spcPts val="0"/>
-              </a:spcAft>
-              <a:buClr>
-                <a:srgbClr val="464646"/>
-              </a:buClr>
-              <a:buSzPts val="2400"/>
-              <a:buFont typeface="Calibri"/>
-              <a:buAutoNum type="arabicPeriod"/>
-            </a:pPr>
-            <a:r>
-              <a:rPr lang="en-US"/>
-              <a:t>Kernel PCA for nonlinear dimensionality reduction.</a:t>
-            </a:r>
-            <a:endParaRPr/>
-          </a:p>
-        </p:txBody>
-      </p:sp>
-      <p:sp>
-        <p:nvSpPr>
-          <p:cNvPr id="442" name="Google Shape;442;p42"/>
-          <p:cNvSpPr txBox="1"/>
-          <p:nvPr>
-            <p:ph idx="12" type="sldNum"/>
-          </p:nvPr>
-        </p:nvSpPr>
-        <p:spPr>
-          <a:xfrm>
-            <a:off x="9144000" y="6400800"/>
-            <a:ext cx="2844900" cy="365100"/>
-          </a:xfrm>
-          <a:prstGeom prst="rect">
-            <a:avLst/>
-          </a:prstGeom>
-          <a:noFill/>
-          <a:ln>
-            <a:noFill/>
-          </a:ln>
-        </p:spPr>
-        <p:txBody>
-          <a:bodyPr anchorCtr="0" anchor="ctr" bIns="45700" lIns="91425" spcFirstLastPara="1" rIns="91425" wrap="square" tIns="45700">
-            <a:noAutofit/>
-          </a:bodyPr>
-          <a:lstStyle/>
-          <a:p>
-            <a:pPr indent="0" lvl="0" marL="0" marR="0" rtl="0" algn="r">
-              <a:lnSpc>
-                <a:spcPct val="100000"/>
-              </a:lnSpc>
-              <a:spcBef>
-                <a:spcPts val="0"/>
-              </a:spcBef>
-              <a:spcAft>
-                <a:spcPts val="0"/>
-              </a:spcAft>
-              <a:buClr>
-                <a:srgbClr val="000000"/>
-              </a:buClr>
-              <a:buSzPts val="1200"/>
-              <a:buFont typeface="Arial"/>
-              <a:buNone/>
-            </a:pPr>
-            <a:fld id="{00000000-1234-1234-1234-123412341234}" type="slidenum">
-              <a:rPr b="0" i="0" lang="en-US" sz="1200" u="none" cap="none" strike="noStrike">
-                <a:solidFill>
-                  <a:srgbClr val="888888"/>
-                </a:solidFill>
-                <a:latin typeface="Calibri"/>
-                <a:ea typeface="Calibri"/>
-                <a:cs typeface="Calibri"/>
-                <a:sym typeface="Calibri"/>
-              </a:rPr>
-              <a:t>‹#›</a:t>
-            </a:fld>
-            <a:endParaRPr b="0" i="0" sz="1200" u="none" cap="none" strike="noStrike">
-              <a:solidFill>
-                <a:srgbClr val="888888"/>
-              </a:solidFill>
-              <a:latin typeface="Calibri"/>
-              <a:ea typeface="Calibri"/>
-              <a:cs typeface="Calibri"/>
-              <a:sym typeface="Calibri"/>
-            </a:endParaRPr>
-          </a:p>
-        </p:txBody>
-      </p:sp>
     </p:spTree>
   </p:cSld>
   <p:clrMapOvr>
@@ -30504,7 +30460,7 @@
             </a:pPr>
             <a:r>
               <a:rPr lang="en-US"/>
-              <a:t>To find a more meaningful basis to express our data filtering the noise and revealing the hidden structure</a:t>
+              <a:t>To find a more meaningful basis to express our data filtering the noise and revealing the hidden structure.</a:t>
             </a:r>
             <a:endParaRPr/>
           </a:p>
@@ -30644,7 +30600,7 @@
   <p:cSld>
     <p:spTree>
       <p:nvGrpSpPr>
-        <p:cNvPr id="446" name="Shape 446"/>
+        <p:cNvPr id="448" name="Shape 448"/>
         <p:cNvGrpSpPr/>
         <p:nvPr/>
       </p:nvGrpSpPr>
@@ -30658,7 +30614,412 @@
       </p:grpSpPr>
       <p:sp>
         <p:nvSpPr>
-          <p:cNvPr id="447" name="Google Shape;447;p43"/>
+          <p:cNvPr id="449" name="Google Shape;449;p43"/>
+          <p:cNvSpPr txBox="1"/>
+          <p:nvPr>
+            <p:ph type="title"/>
+          </p:nvPr>
+        </p:nvSpPr>
+        <p:spPr>
+          <a:xfrm>
+            <a:off x="349292" y="216531"/>
+            <a:ext cx="11493300" cy="767400"/>
+          </a:xfrm>
+          <a:prstGeom prst="rect">
+            <a:avLst/>
+          </a:prstGeom>
+          <a:noFill/>
+          <a:ln>
+            <a:noFill/>
+          </a:ln>
+        </p:spPr>
+        <p:txBody>
+          <a:bodyPr anchorCtr="0" anchor="t" bIns="45700" lIns="91425" spcFirstLastPara="1" rIns="91425" wrap="square" tIns="45700">
+            <a:noAutofit/>
+          </a:bodyPr>
+          <a:lstStyle/>
+          <a:p>
+            <a:pPr indent="0" lvl="0" marL="0" marR="0" rtl="0" algn="l">
+              <a:lnSpc>
+                <a:spcPct val="100000"/>
+              </a:lnSpc>
+              <a:spcBef>
+                <a:spcPts val="0"/>
+              </a:spcBef>
+              <a:spcAft>
+                <a:spcPts val="0"/>
+              </a:spcAft>
+              <a:buClr>
+                <a:srgbClr val="464646"/>
+              </a:buClr>
+              <a:buSzPts val="3200"/>
+              <a:buFont typeface="Karla"/>
+              <a:buNone/>
+            </a:pPr>
+            <a:r>
+              <a:rPr lang="en-US"/>
+              <a:t>Summary</a:t>
+            </a:r>
+            <a:endParaRPr b="0" i="0" sz="3200" u="none" cap="none" strike="noStrike">
+              <a:solidFill>
+                <a:srgbClr val="464646"/>
+              </a:solidFill>
+              <a:latin typeface="Karla"/>
+              <a:ea typeface="Karla"/>
+              <a:cs typeface="Karla"/>
+              <a:sym typeface="Karla"/>
+            </a:endParaRPr>
+          </a:p>
+        </p:txBody>
+      </p:sp>
+      <p:sp>
+        <p:nvSpPr>
+          <p:cNvPr id="450" name="Google Shape;450;p43"/>
+          <p:cNvSpPr txBox="1"/>
+          <p:nvPr>
+            <p:ph idx="1" type="body"/>
+          </p:nvPr>
+        </p:nvSpPr>
+        <p:spPr>
+          <a:xfrm>
+            <a:off x="636300" y="949150"/>
+            <a:ext cx="11100000" cy="5294400"/>
+          </a:xfrm>
+          <a:prstGeom prst="rect">
+            <a:avLst/>
+          </a:prstGeom>
+          <a:noFill/>
+          <a:ln>
+            <a:noFill/>
+          </a:ln>
+        </p:spPr>
+        <p:txBody>
+          <a:bodyPr anchorCtr="0" anchor="t" bIns="45700" lIns="91425" spcFirstLastPara="1" rIns="91425" wrap="square" tIns="45700">
+            <a:noAutofit/>
+          </a:bodyPr>
+          <a:lstStyle/>
+          <a:p>
+            <a:pPr indent="-457200" lvl="0" marL="457200" marR="0" rtl="0" algn="l">
+              <a:lnSpc>
+                <a:spcPct val="100000"/>
+              </a:lnSpc>
+              <a:spcBef>
+                <a:spcPts val="0"/>
+              </a:spcBef>
+              <a:spcAft>
+                <a:spcPts val="0"/>
+              </a:spcAft>
+              <a:buClr>
+                <a:srgbClr val="464646"/>
+              </a:buClr>
+              <a:buSzPts val="2400"/>
+              <a:buFont typeface="Arial"/>
+              <a:buChar char="•"/>
+            </a:pPr>
+            <a:r>
+              <a:rPr b="1" lang="en-US" sz="2400"/>
+              <a:t>Dimensionality Reduction Methods </a:t>
+            </a:r>
+            <a:endParaRPr b="1" i="0" sz="2400" u="none" cap="none" strike="noStrike">
+              <a:solidFill>
+                <a:srgbClr val="464646"/>
+              </a:solidFill>
+            </a:endParaRPr>
+          </a:p>
+          <a:p>
+            <a:pPr indent="-539750" lvl="1" marL="1257269" marR="0" rtl="0" algn="l">
+              <a:lnSpc>
+                <a:spcPct val="100000"/>
+              </a:lnSpc>
+              <a:spcBef>
+                <a:spcPts val="400"/>
+              </a:spcBef>
+              <a:spcAft>
+                <a:spcPts val="0"/>
+              </a:spcAft>
+              <a:buClr>
+                <a:srgbClr val="464646"/>
+              </a:buClr>
+              <a:buSzPts val="2400"/>
+              <a:buFont typeface="Calibri"/>
+              <a:buAutoNum type="arabicPeriod"/>
+            </a:pPr>
+            <a:r>
+              <a:rPr lang="en-US"/>
+              <a:t>A process of reducing the number of predictor variables under consideration.</a:t>
+            </a:r>
+            <a:endParaRPr/>
+          </a:p>
+          <a:p>
+            <a:pPr indent="-539750" lvl="1" marL="1257269" rtl="0" algn="l">
+              <a:lnSpc>
+                <a:spcPct val="100000"/>
+              </a:lnSpc>
+              <a:spcBef>
+                <a:spcPts val="480"/>
+              </a:spcBef>
+              <a:spcAft>
+                <a:spcPts val="0"/>
+              </a:spcAft>
+              <a:buClr>
+                <a:srgbClr val="464646"/>
+              </a:buClr>
+              <a:buSzPts val="2400"/>
+              <a:buFont typeface="Calibri"/>
+              <a:buAutoNum type="arabicPeriod"/>
+            </a:pPr>
+            <a:r>
+              <a:rPr lang="en-US"/>
+              <a:t>To find a more meaningful basis to express our data filtering the noise and revealing the hidden structure.</a:t>
+            </a:r>
+            <a:br>
+              <a:rPr lang="en-US"/>
+            </a:br>
+            <a:endParaRPr b="0" i="0" u="none" cap="none" strike="noStrike">
+              <a:solidFill>
+                <a:srgbClr val="464646"/>
+              </a:solidFill>
+              <a:latin typeface="Karla"/>
+              <a:ea typeface="Karla"/>
+              <a:cs typeface="Karla"/>
+              <a:sym typeface="Karla"/>
+            </a:endParaRPr>
+          </a:p>
+          <a:p>
+            <a:pPr indent="-514350" lvl="0" marL="514350" marR="0" rtl="0" algn="l">
+              <a:lnSpc>
+                <a:spcPct val="100000"/>
+              </a:lnSpc>
+              <a:spcBef>
+                <a:spcPts val="480"/>
+              </a:spcBef>
+              <a:spcAft>
+                <a:spcPts val="0"/>
+              </a:spcAft>
+              <a:buClr>
+                <a:srgbClr val="464646"/>
+              </a:buClr>
+              <a:buSzPts val="2400"/>
+              <a:buFont typeface="Arial"/>
+              <a:buChar char="•"/>
+            </a:pPr>
+            <a:r>
+              <a:rPr b="1" lang="en-US" sz="2400"/>
+              <a:t>Principal Component Analysis</a:t>
+            </a:r>
+            <a:endParaRPr b="1" i="0" sz="2400" u="none" cap="none" strike="noStrike">
+              <a:solidFill>
+                <a:srgbClr val="464646"/>
+              </a:solidFill>
+            </a:endParaRPr>
+          </a:p>
+          <a:p>
+            <a:pPr indent="-539750" lvl="1" marL="1257269" rtl="0" algn="l">
+              <a:spcBef>
+                <a:spcPts val="0"/>
+              </a:spcBef>
+              <a:spcAft>
+                <a:spcPts val="0"/>
+              </a:spcAft>
+              <a:buClr>
+                <a:srgbClr val="464646"/>
+              </a:buClr>
+              <a:buSzPts val="2400"/>
+              <a:buFont typeface="Arial"/>
+              <a:buAutoNum type="arabicPeriod"/>
+            </a:pPr>
+            <a:r>
+              <a:rPr lang="en-US"/>
+              <a:t>A powerful </a:t>
+            </a:r>
+            <a:r>
+              <a:rPr i="1" lang="en-US"/>
+              <a:t>Statistical </a:t>
+            </a:r>
+            <a:r>
+              <a:rPr lang="en-US"/>
+              <a:t>tool for analyzing  data sets and is formulated in the context of </a:t>
+            </a:r>
+            <a:r>
+              <a:rPr i="1" lang="en-US"/>
+              <a:t>Linear Algebra</a:t>
+            </a:r>
+            <a:r>
+              <a:rPr lang="en-US"/>
+              <a:t>.</a:t>
+            </a:r>
+            <a:endParaRPr/>
+          </a:p>
+          <a:p>
+            <a:pPr indent="-539750" lvl="1" marL="1257269" marR="0" rtl="0" algn="l">
+              <a:lnSpc>
+                <a:spcPct val="100000"/>
+              </a:lnSpc>
+              <a:spcBef>
+                <a:spcPts val="400"/>
+              </a:spcBef>
+              <a:spcAft>
+                <a:spcPts val="0"/>
+              </a:spcAft>
+              <a:buClr>
+                <a:srgbClr val="464646"/>
+              </a:buClr>
+              <a:buSzPts val="2400"/>
+              <a:buFont typeface="Calibri"/>
+              <a:buAutoNum type="arabicPeriod"/>
+            </a:pPr>
+            <a:r>
+              <a:rPr lang="en-US"/>
+              <a:t>Spectral decomposition: We reduce the dimension of predictors by reducing the number of principal components and their eigenvalues.</a:t>
+            </a:r>
+            <a:endParaRPr/>
+          </a:p>
+          <a:p>
+            <a:pPr indent="-539750" lvl="1" marL="1257269" marR="0" rtl="0" algn="l">
+              <a:lnSpc>
+                <a:spcPct val="100000"/>
+              </a:lnSpc>
+              <a:spcBef>
+                <a:spcPts val="400"/>
+              </a:spcBef>
+              <a:spcAft>
+                <a:spcPts val="0"/>
+              </a:spcAft>
+              <a:buClr>
+                <a:srgbClr val="464646"/>
+              </a:buClr>
+              <a:buSzPts val="2400"/>
+              <a:buFont typeface="Calibri"/>
+              <a:buAutoNum type="arabicPeriod"/>
+            </a:pPr>
+            <a:r>
+              <a:rPr lang="en-US"/>
+              <a:t>PCA is based on strong assumptions that we need to check.</a:t>
+            </a:r>
+            <a:endParaRPr/>
+          </a:p>
+          <a:p>
+            <a:pPr indent="-539750" lvl="1" marL="1257269" marR="0" rtl="0" algn="l">
+              <a:lnSpc>
+                <a:spcPct val="100000"/>
+              </a:lnSpc>
+              <a:spcBef>
+                <a:spcPts val="400"/>
+              </a:spcBef>
+              <a:spcAft>
+                <a:spcPts val="0"/>
+              </a:spcAft>
+              <a:buClr>
+                <a:srgbClr val="464646"/>
+              </a:buClr>
+              <a:buSzPts val="2400"/>
+              <a:buFont typeface="Calibri"/>
+              <a:buAutoNum type="arabicPeriod"/>
+            </a:pPr>
+            <a:r>
+              <a:rPr lang="en-US"/>
+              <a:t>Kernel PCA for nonlinear dimensionality reduction.</a:t>
+            </a:r>
+            <a:endParaRPr/>
+          </a:p>
+        </p:txBody>
+      </p:sp>
+      <p:sp>
+        <p:nvSpPr>
+          <p:cNvPr id="451" name="Google Shape;451;p43"/>
+          <p:cNvSpPr txBox="1"/>
+          <p:nvPr>
+            <p:ph idx="12" type="sldNum"/>
+          </p:nvPr>
+        </p:nvSpPr>
+        <p:spPr>
+          <a:xfrm>
+            <a:off x="9144000" y="6400800"/>
+            <a:ext cx="2844900" cy="365100"/>
+          </a:xfrm>
+          <a:prstGeom prst="rect">
+            <a:avLst/>
+          </a:prstGeom>
+          <a:noFill/>
+          <a:ln>
+            <a:noFill/>
+          </a:ln>
+        </p:spPr>
+        <p:txBody>
+          <a:bodyPr anchorCtr="0" anchor="ctr" bIns="45700" lIns="91425" spcFirstLastPara="1" rIns="91425" wrap="square" tIns="45700">
+            <a:noAutofit/>
+          </a:bodyPr>
+          <a:lstStyle/>
+          <a:p>
+            <a:pPr indent="0" lvl="0" marL="0" marR="0" rtl="0" algn="r">
+              <a:lnSpc>
+                <a:spcPct val="100000"/>
+              </a:lnSpc>
+              <a:spcBef>
+                <a:spcPts val="0"/>
+              </a:spcBef>
+              <a:spcAft>
+                <a:spcPts val="0"/>
+              </a:spcAft>
+              <a:buClr>
+                <a:srgbClr val="000000"/>
+              </a:buClr>
+              <a:buSzPts val="1200"/>
+              <a:buFont typeface="Arial"/>
+              <a:buNone/>
+            </a:pPr>
+            <a:fld id="{00000000-1234-1234-1234-123412341234}" type="slidenum">
+              <a:rPr b="0" i="0" lang="en-US" sz="1200" u="none" cap="none" strike="noStrike">
+                <a:solidFill>
+                  <a:srgbClr val="888888"/>
+                </a:solidFill>
+                <a:latin typeface="Calibri"/>
+                <a:ea typeface="Calibri"/>
+                <a:cs typeface="Calibri"/>
+                <a:sym typeface="Calibri"/>
+              </a:rPr>
+              <a:t>‹#›</a:t>
+            </a:fld>
+            <a:endParaRPr b="0" i="0" sz="1200" u="none" cap="none" strike="noStrike">
+              <a:solidFill>
+                <a:srgbClr val="888888"/>
+              </a:solidFill>
+              <a:latin typeface="Calibri"/>
+              <a:ea typeface="Calibri"/>
+              <a:cs typeface="Calibri"/>
+              <a:sym typeface="Calibri"/>
+            </a:endParaRPr>
+          </a:p>
+        </p:txBody>
+      </p:sp>
+    </p:spTree>
+  </p:cSld>
+  <p:clrMapOvr>
+    <a:masterClrMapping/>
+  </p:clrMapOvr>
+</p:sld>
+</file>
+
+<file path=ppt/slides/slide31.xml><?xml version="1.0" encoding="utf-8"?>
+<p:sld xmlns:a="http://schemas.openxmlformats.org/drawingml/2006/main" xmlns:r="http://schemas.openxmlformats.org/officeDocument/2006/relationships" xmlns:mc="http://schemas.openxmlformats.org/markup-compatibility/2006" xmlns:mv="urn:schemas-microsoft-com:mac:vml" xmlns:p="http://schemas.openxmlformats.org/presentationml/2006/main" xmlns:c="http://schemas.openxmlformats.org/drawingml/2006/chart" xmlns:dgm="http://schemas.openxmlformats.org/drawingml/2006/diagram" xmlns:o="urn:schemas-microsoft-com:office:office" xmlns:v="urn:schemas-microsoft-com:vml" xmlns:pvml="urn:schemas-microsoft-com:office:powerpoint" xmlns:com="http://schemas.openxmlformats.org/drawingml/2006/compatibility" xmlns:p14="http://schemas.microsoft.com/office/powerpoint/2010/main" xmlns:p15="http://schemas.microsoft.com/office/powerpoint/2012/main">
+  <p:cSld>
+    <p:spTree>
+      <p:nvGrpSpPr>
+        <p:cNvPr id="455" name="Shape 455"/>
+        <p:cNvGrpSpPr/>
+        <p:nvPr/>
+      </p:nvGrpSpPr>
+      <p:grpSpPr>
+        <a:xfrm>
+          <a:off x="0" y="0"/>
+          <a:ext cx="0" cy="0"/>
+          <a:chOff x="0" y="0"/>
+          <a:chExt cx="0" cy="0"/>
+        </a:xfrm>
+      </p:grpSpPr>
+      <p:sp>
+        <p:nvSpPr>
+          <p:cNvPr id="456" name="Google Shape;456;p44"/>
           <p:cNvSpPr txBox="1"/>
           <p:nvPr>
             <p:ph idx="1" type="body"/>
@@ -30874,7 +31235,27 @@
                 <a:cs typeface="Karla"/>
                 <a:sym typeface="Karla"/>
               </a:rPr>
-              <a:t>Office hours are:</a:t>
+              <a:t>Office hours for </a:t>
+            </a:r>
+            <a:r>
+              <a:rPr lang="en-US"/>
+              <a:t>A</a:t>
+            </a:r>
+            <a:r>
+              <a:rPr b="0" i="0" lang="en-US" sz="2800" u="none" cap="none" strike="noStrike">
+                <a:solidFill>
+                  <a:srgbClr val="464646"/>
+                </a:solidFill>
+                <a:latin typeface="Karla"/>
+                <a:ea typeface="Karla"/>
+                <a:cs typeface="Karla"/>
+                <a:sym typeface="Karla"/>
+              </a:rPr>
+              <a:t>dv. </a:t>
+            </a:r>
+            <a:r>
+              <a:rPr lang="en-US"/>
+              <a:t>Sec.</a:t>
             </a:r>
             <a:endParaRPr b="0" i="0" sz="2800" u="none" cap="none" strike="noStrike">
               <a:solidFill>
@@ -30974,7 +31355,7 @@
       </p:sp>
       <p:sp>
         <p:nvSpPr>
-          <p:cNvPr id="448" name="Google Shape;448;p43"/>
+          <p:cNvPr id="457" name="Google Shape;457;p44"/>
           <p:cNvSpPr txBox="1"/>
           <p:nvPr>
             <p:ph idx="12" type="sldNum"/>
@@ -31042,7 +31423,7 @@
       </p:sp>
       <p:sp>
         <p:nvSpPr>
-          <p:cNvPr id="449" name="Google Shape;449;p43"/>
+          <p:cNvPr id="458" name="Google Shape;458;p44"/>
           <p:cNvSpPr txBox="1"/>
           <p:nvPr>
             <p:ph type="title"/>
@@ -31267,7 +31648,7 @@
             </a:pPr>
             <a:r>
               <a:rPr lang="en-US"/>
-              <a:t>Consider an ideal spring-mass system oscillating along x </a:t>
+              <a:t>Consider an ideal spring-mass system oscillating along x. </a:t>
             </a:r>
             <a:endParaRPr/>
           </a:p>
@@ -31291,7 +31672,7 @@
             </a:pPr>
             <a:r>
               <a:rPr lang="en-US"/>
-              <a:t>Seeking for the force </a:t>
+              <a:t>Seeking for the pressure </a:t>
             </a:r>
             <a:r>
               <a:rPr i="1" lang="en-US"/>
@@ -31786,7 +32167,7 @@
             </a:pPr>
             <a:r>
               <a:rPr lang="en-US"/>
-              <a:t>We want to find a lower-dimensional manifold of predictors that data lie.</a:t>
+              <a:t>We want to find a lower-dimensional manifold of predictors on which data lie.</a:t>
             </a:r>
             <a:endParaRPr/>
           </a:p>
@@ -32435,8 +32816,8 @@
         </p:nvSpPr>
         <p:spPr>
           <a:xfrm>
-            <a:off x="650425" y="1441125"/>
-            <a:ext cx="10326900" cy="767400"/>
+            <a:off x="932500" y="2770449"/>
+            <a:ext cx="10326900" cy="1572900"/>
           </a:xfrm>
           <a:prstGeom prst="rect">
             <a:avLst/>
@@ -32454,7 +32835,7 @@
           <a:p>
             <a:pPr indent="0" lvl="0" marL="0" marR="0" rtl="0" algn="l">
               <a:lnSpc>
-                <a:spcPct val="100000"/>
+                <a:spcPct val="115000"/>
               </a:lnSpc>
               <a:spcBef>
                 <a:spcPts val="480"/>
@@ -32462,49 +32843,16 @@
               <a:spcAft>
                 <a:spcPts val="0"/>
               </a:spcAft>
-              <a:buClr>
-                <a:srgbClr val="464646"/>
-              </a:buClr>
-              <a:buSzPts val="2800"/>
-              <a:buFont typeface="Arial"/>
               <a:buNone/>
             </a:pPr>
             <a:r>
               <a:rPr lang="en-US"/>
-              <a:t>Suppose an               arbitrary matrix of real numbers  </a:t>
+              <a:t>Then             is a symmetric matrix.</a:t>
             </a:r>
             <a:endParaRPr/>
           </a:p>
-        </p:txBody>
-      </p:sp>
-      <p:sp>
-        <p:nvSpPr>
-          <p:cNvPr id="175" name="Google Shape;175;p20"/>
-          <p:cNvSpPr txBox="1"/>
-          <p:nvPr>
-            <p:ph idx="1" type="body"/>
-          </p:nvPr>
-        </p:nvSpPr>
-        <p:spPr>
-          <a:xfrm>
-            <a:off x="932500" y="2922845"/>
-            <a:ext cx="10326900" cy="767400"/>
-          </a:xfrm>
-          <a:prstGeom prst="rect">
-            <a:avLst/>
-          </a:prstGeom>
-          <a:noFill/>
-          <a:ln>
-            <a:noFill/>
-          </a:ln>
-        </p:spPr>
-        <p:txBody>
-          <a:bodyPr anchorCtr="0" anchor="t" bIns="45700" lIns="91425" spcFirstLastPara="1" rIns="91425" wrap="square" tIns="45700">
-            <a:noAutofit/>
-          </a:bodyPr>
-          <a:lstStyle/>
           <a:p>
-            <a:pPr indent="-406400" lvl="0" marL="457200" marR="0" rtl="0" algn="l">
+            <a:pPr indent="0" lvl="0" marL="0" marR="0" rtl="0" algn="l">
               <a:lnSpc>
                 <a:spcPct val="115000"/>
               </a:lnSpc>
@@ -32514,27 +32862,41 @@
               <a:spcAft>
                 <a:spcPts val="0"/>
               </a:spcAft>
-              <a:buSzPts val="2800"/>
-              <a:buChar char="●"/>
+              <a:buNone/>
             </a:pPr>
             <a:r>
               <a:rPr lang="en-US"/>
-              <a:t>Then the             and  		 are symmetric matrices.</a:t>
+              <a:t>Symmetric: </a:t>
+            </a:r>
+            <a:endParaRPr/>
+          </a:p>
+          <a:p>
+            <a:pPr indent="0" lvl="0" marL="0" marR="0" rtl="0" algn="l">
+              <a:lnSpc>
+                <a:spcPct val="115000"/>
+              </a:lnSpc>
+              <a:spcBef>
+                <a:spcPts val="480"/>
+              </a:spcBef>
+              <a:spcAft>
+                <a:spcPts val="0"/>
+              </a:spcAft>
+              <a:buNone/>
+            </a:pPr>
+            <a:r>
+              <a:rPr lang="en-US"/>
+              <a:t>Using that : </a:t>
             </a:r>
             <a:br>
               <a:rPr lang="en-US"/>
             </a:br>
-            <a:r>
-              <a:rPr lang="en-US"/>
-              <a:t>  									         Symmetric property: </a:t>
-            </a:r>
             <a:endParaRPr/>
           </a:p>
         </p:txBody>
       </p:sp>
       <p:pic>
         <p:nvPicPr>
-          <p:cNvPr descr="(X^TX)^T= X^T(X^T)^T=X^TX" id="176" name="Google Shape;176;p20" title="MathEquation,#000000"/>
+          <p:cNvPr descr="(X^TX)^T= X^T(X^T)^T=X^TX" id="175" name="Google Shape;175;p20" title="MathEquation,#000000"/>
           <p:cNvPicPr preferRelativeResize="0"/>
           <p:nvPr/>
         </p:nvPicPr>
@@ -32548,7 +32910,7 @@
         </p:blipFill>
         <p:spPr>
           <a:xfrm>
-            <a:off x="3208750" y="4651400"/>
+            <a:off x="3754984" y="4929731"/>
             <a:ext cx="5210256" cy="508000"/>
           </a:xfrm>
           <a:prstGeom prst="rect">
@@ -32562,7 +32924,7 @@
       </p:pic>
       <p:pic>
         <p:nvPicPr>
-          <p:cNvPr descr="X \in {\rm I\!R}^{n\times p}&#10;" id="177" name="Google Shape;177;p20" title="MathEquation,#000000"/>
+          <p:cNvPr descr="X \in {\rm I\!R}^{n\times p}&#10;" id="176" name="Google Shape;176;p20" title="MathEquation,#000000"/>
           <p:cNvPicPr preferRelativeResize="0"/>
           <p:nvPr/>
         </p:nvPicPr>
@@ -32576,7 +32938,7 @@
         </p:blipFill>
         <p:spPr>
           <a:xfrm>
-            <a:off x="9329282" y="1596492"/>
+            <a:off x="5262984" y="2250329"/>
             <a:ext cx="1607232" cy="355600"/>
           </a:xfrm>
           <a:prstGeom prst="rect">
@@ -32590,7 +32952,7 @@
       </p:pic>
       <p:pic>
         <p:nvPicPr>
-          <p:cNvPr descr="A^T=A&#10;" id="178" name="Google Shape;178;p20" title="MathEquation,#000000"/>
+          <p:cNvPr descr="A^T=A&#10;" id="177" name="Google Shape;177;p20" title="MathEquation,#000000"/>
           <p:cNvPicPr preferRelativeResize="0"/>
           <p:nvPr/>
         </p:nvPicPr>
@@ -32604,7 +32966,7 @@
         </p:blipFill>
         <p:spPr>
           <a:xfrm>
-            <a:off x="9990217" y="3581393"/>
+            <a:off x="4001579" y="3434497"/>
             <a:ext cx="1175538" cy="355600"/>
           </a:xfrm>
           <a:prstGeom prst="rect">
@@ -32618,7 +32980,7 @@
       </p:pic>
       <p:pic>
         <p:nvPicPr>
-          <p:cNvPr descr="XX^T" id="179" name="Google Shape;179;p20" title="MathEquation,#000000"/>
+          <p:cNvPr descr="XX^T" id="178" name="Google Shape;178;p20" title="MathEquation,#000000"/>
           <p:cNvPicPr preferRelativeResize="0"/>
           <p:nvPr/>
         </p:nvPicPr>
@@ -32632,7 +32994,7 @@
         </p:blipFill>
         <p:spPr>
           <a:xfrm>
-            <a:off x="4806471" y="3072343"/>
+            <a:off x="10856034" y="5902393"/>
             <a:ext cx="792424" cy="355600"/>
           </a:xfrm>
           <a:prstGeom prst="rect">
@@ -32646,7 +33008,7 @@
       </p:pic>
       <p:pic>
         <p:nvPicPr>
-          <p:cNvPr descr="X^T X" id="180" name="Google Shape;180;p20" title="MathEquation,#000000"/>
+          <p:cNvPr descr="X^T X" id="179" name="Google Shape;179;p20" title="MathEquation,#000000"/>
           <p:cNvPicPr preferRelativeResize="0"/>
           <p:nvPr/>
         </p:nvPicPr>
@@ -32660,7 +33022,7 @@
         </p:blipFill>
         <p:spPr>
           <a:xfrm>
-            <a:off x="3023007" y="3072342"/>
+            <a:off x="1928491" y="2931315"/>
             <a:ext cx="792424" cy="355600"/>
           </a:xfrm>
           <a:prstGeom prst="rect">
@@ -32672,9 +33034,77 @@
           </a:ln>
         </p:spPr>
       </p:pic>
+      <p:sp>
+        <p:nvSpPr>
+          <p:cNvPr id="180" name="Google Shape;180;p20"/>
+          <p:cNvSpPr txBox="1"/>
+          <p:nvPr>
+            <p:ph idx="1" type="body"/>
+          </p:nvPr>
+        </p:nvSpPr>
+        <p:spPr>
+          <a:xfrm>
+            <a:off x="650425" y="1060125"/>
+            <a:ext cx="10326900" cy="1000800"/>
+          </a:xfrm>
+          <a:prstGeom prst="rect">
+            <a:avLst/>
+          </a:prstGeom>
+          <a:noFill/>
+          <a:ln>
+            <a:noFill/>
+          </a:ln>
+        </p:spPr>
+        <p:txBody>
+          <a:bodyPr anchorCtr="0" anchor="t" bIns="45700" lIns="91425" spcFirstLastPara="1" rIns="91425" wrap="square" tIns="45700">
+            <a:noAutofit/>
+          </a:bodyPr>
+          <a:lstStyle/>
+          <a:p>
+            <a:pPr indent="0" lvl="0" marL="0" marR="0" rtl="0" algn="l">
+              <a:lnSpc>
+                <a:spcPct val="100000"/>
+              </a:lnSpc>
+              <a:spcBef>
+                <a:spcPts val="480"/>
+              </a:spcBef>
+              <a:spcAft>
+                <a:spcPts val="0"/>
+              </a:spcAft>
+              <a:buClr>
+                <a:srgbClr val="464646"/>
+              </a:buClr>
+              <a:buSzPts val="2800"/>
+              <a:buFont typeface="Arial"/>
+              <a:buNone/>
+            </a:pPr>
+            <a:r>
+              <a:rPr lang="en-US"/>
+              <a:t>Suppose a design (or data) matrix consists of </a:t>
+            </a:r>
+            <a:r>
+              <a:rPr i="1" lang="en-US"/>
+              <a:t>n</a:t>
+            </a:r>
+            <a:r>
+              <a:rPr lang="en-US"/>
+              <a:t> observations and </a:t>
+            </a:r>
+            <a:r>
+              <a:rPr i="1" lang="en-US"/>
+              <a:t>p</a:t>
+            </a:r>
+            <a:r>
+              <a:rPr lang="en-US"/>
+              <a:t> predictors, hence:</a:t>
+            </a:r>
+            <a:endParaRPr/>
+          </a:p>
+        </p:txBody>
+      </p:sp>
       <p:pic>
         <p:nvPicPr>
-          <p:cNvPr descr="n\times p" id="181" name="Google Shape;181;p20" title="MathEquation,#000000"/>
+          <p:cNvPr descr="(BC)^T = C^TB^T" id="181" name="Google Shape;181;p20" title="MathEquation,#000000"/>
           <p:cNvPicPr preferRelativeResize="0"/>
           <p:nvPr/>
         </p:nvPicPr>
@@ -32688,8 +33118,8 @@
         </p:blipFill>
         <p:spPr>
           <a:xfrm>
-            <a:off x="2825411" y="1635219"/>
-            <a:ext cx="957846" cy="355600"/>
+            <a:off x="3417300" y="4031043"/>
+            <a:ext cx="2344100" cy="427799"/>
           </a:xfrm>
           <a:prstGeom prst="rect">
             <a:avLst/>
@@ -32700,6 +33130,58 @@
           </a:ln>
         </p:spPr>
       </p:pic>
+      <p:sp>
+        <p:nvSpPr>
+          <p:cNvPr id="182" name="Google Shape;182;p20"/>
+          <p:cNvSpPr txBox="1"/>
+          <p:nvPr>
+            <p:ph idx="1" type="body"/>
+          </p:nvPr>
+        </p:nvSpPr>
+        <p:spPr>
+          <a:xfrm>
+            <a:off x="8912691" y="5753760"/>
+            <a:ext cx="2171700" cy="625500"/>
+          </a:xfrm>
+          <a:prstGeom prst="rect">
+            <a:avLst/>
+          </a:prstGeom>
+          <a:noFill/>
+          <a:ln>
+            <a:noFill/>
+          </a:ln>
+        </p:spPr>
+        <p:txBody>
+          <a:bodyPr anchorCtr="0" anchor="t" bIns="45700" lIns="91425" spcFirstLastPara="1" rIns="91425" wrap="square" tIns="45700">
+            <a:noAutofit/>
+          </a:bodyPr>
+          <a:lstStyle/>
+          <a:p>
+            <a:pPr indent="0" lvl="0" marL="0" marR="0" rtl="0" algn="l">
+              <a:lnSpc>
+                <a:spcPct val="100000"/>
+              </a:lnSpc>
+              <a:spcBef>
+                <a:spcPts val="480"/>
+              </a:spcBef>
+              <a:spcAft>
+                <a:spcPts val="0"/>
+              </a:spcAft>
+              <a:buClr>
+                <a:srgbClr val="464646"/>
+              </a:buClr>
+              <a:buSzPts val="2800"/>
+              <a:buFont typeface="Arial"/>
+              <a:buNone/>
+            </a:pPr>
+            <a:r>
+              <a:rPr lang="en-US"/>
+              <a:t>Similar for </a:t>
+            </a:r>
+            <a:endParaRPr/>
+          </a:p>
+        </p:txBody>
+      </p:sp>
     </p:spTree>
   </p:cSld>
   <p:clrMapOvr>
@@ -32713,7 +33195,7 @@
   <p:cSld>
     <p:spTree>
       <p:nvGrpSpPr>
-        <p:cNvPr id="186" name="Shape 186"/>
+        <p:cNvPr id="187" name="Shape 187"/>
         <p:cNvGrpSpPr/>
         <p:nvPr/>
       </p:nvGrpSpPr>
@@ -32727,7 +33209,7 @@
       </p:grpSpPr>
       <p:sp>
         <p:nvSpPr>
-          <p:cNvPr id="187" name="Google Shape;187;p21"/>
+          <p:cNvPr id="188" name="Google Shape;188;p21"/>
           <p:cNvSpPr txBox="1"/>
           <p:nvPr>
             <p:ph type="title"/>
@@ -32767,7 +33249,7 @@
       </p:sp>
       <p:sp>
         <p:nvSpPr>
-          <p:cNvPr id="188" name="Google Shape;188;p21"/>
+          <p:cNvPr id="189" name="Google Shape;189;p21"/>
           <p:cNvSpPr txBox="1"/>
           <p:nvPr>
             <p:ph idx="12" type="sldNum"/>
@@ -32807,7 +33289,7 @@
       </p:sp>
       <p:sp>
         <p:nvSpPr>
-          <p:cNvPr id="189" name="Google Shape;189;p21"/>
+          <p:cNvPr id="190" name="Google Shape;190;p21"/>
           <p:cNvSpPr txBox="1"/>
           <p:nvPr>
             <p:ph idx="1" type="body"/>
@@ -32846,7 +33328,7 @@
             </a:pPr>
             <a:r>
               <a:rPr lang="en-US"/>
-              <a:t>Suppose a real, symmetric matrix:</a:t>
+              <a:t>Suppose a real and symmetric matrix:</a:t>
             </a:r>
             <a:endParaRPr/>
           </a:p>
@@ -32880,7 +33362,7 @@
             </a:br>
             <a:r>
               <a:rPr lang="en-US"/>
-              <a:t>and the associate linear independent eigenvectors:  </a:t>
+              <a:t>and the associate linearly independent eigenvectors:  </a:t>
             </a:r>
             <a:endParaRPr/>
           </a:p>
@@ -32888,7 +33370,7 @@
       </p:sp>
       <p:sp>
         <p:nvSpPr>
-          <p:cNvPr id="190" name="Google Shape;190;p21"/>
+          <p:cNvPr id="191" name="Google Shape;191;p21"/>
           <p:cNvSpPr txBox="1"/>
           <p:nvPr>
             <p:ph idx="1" type="body"/>
@@ -32935,7 +33417,7 @@
       </p:sp>
       <p:pic>
         <p:nvPicPr>
-          <p:cNvPr descr="A \in {\rm I\!R}^{p \times p}" id="191" name="Google Shape;191;p21" title="MathEquation,#000000"/>
+          <p:cNvPr descr="\{ u_1,...,u_p\}" id="192" name="Google Shape;192;p21" title="MathEquation,#000000"/>
           <p:cNvPicPr preferRelativeResize="0"/>
           <p:nvPr/>
         </p:nvPicPr>
@@ -32949,8 +33431,8 @@
         </p:blipFill>
         <p:spPr>
           <a:xfrm>
-            <a:off x="9157632" y="1100007"/>
-            <a:ext cx="1546086" cy="355600"/>
+            <a:off x="9245865" y="2204598"/>
+            <a:ext cx="1481666" cy="355600"/>
           </a:xfrm>
           <a:prstGeom prst="rect">
             <a:avLst/>
@@ -32963,7 +33445,7 @@
       </p:pic>
       <p:pic>
         <p:nvPicPr>
-          <p:cNvPr descr="\{ u_1,...,u_p\}" id="192" name="Google Shape;192;p21" title="MathEquation,#000000"/>
+          <p:cNvPr descr="\{ \lambda_1,...,\lambda_p\}" id="193" name="Google Shape;193;p21" title="MathEquation,#000000"/>
           <p:cNvPicPr preferRelativeResize="0"/>
           <p:nvPr/>
         </p:nvPicPr>
@@ -32977,8 +33459,8 @@
         </p:blipFill>
         <p:spPr>
           <a:xfrm>
-            <a:off x="9169665" y="2204598"/>
-            <a:ext cx="1481666" cy="355600"/>
+            <a:off x="9237296" y="1674375"/>
+            <a:ext cx="1489424" cy="355600"/>
           </a:xfrm>
           <a:prstGeom prst="rect">
             <a:avLst/>
@@ -32991,7 +33473,7 @@
       </p:pic>
       <p:pic>
         <p:nvPicPr>
-          <p:cNvPr descr="\{ \lambda_1,...,\lambda_p\}" id="193" name="Google Shape;193;p21" title="MathEquation,#000000"/>
+          <p:cNvPr descr="A u_i = \lambda_i u_i \quad \quad (\lambda_i \in {\rm I\!R})" id="194" name="Google Shape;194;p21" title="MathEquation,#000000"/>
           <p:cNvPicPr preferRelativeResize="0"/>
           <p:nvPr/>
         </p:nvPicPr>
@@ -33005,8 +33487,8 @@
         </p:blipFill>
         <p:spPr>
           <a:xfrm>
-            <a:off x="9161096" y="1674375"/>
-            <a:ext cx="1489424" cy="355600"/>
+            <a:off x="3892928" y="2893951"/>
+            <a:ext cx="4289778" cy="482600"/>
           </a:xfrm>
           <a:prstGeom prst="rect">
             <a:avLst/>
@@ -33019,7 +33501,7 @@
       </p:pic>
       <p:pic>
         <p:nvPicPr>
-          <p:cNvPr descr="A u_i = \lambda_i u_i \quad \quad (\lambda_i \in {\rm I\!R})" id="194" name="Google Shape;194;p21" title="MathEquation,#000000"/>
+          <p:cNvPr descr="u_i^T u_j = \delta_{ij}  " id="195" name="Google Shape;195;p21" title="MathEquation,#000000"/>
           <p:cNvPicPr preferRelativeResize="0"/>
           <p:nvPr/>
         </p:nvPicPr>
@@ -33033,34 +33515,6 @@
         </p:blipFill>
         <p:spPr>
           <a:xfrm>
-            <a:off x="3892928" y="2893951"/>
-            <a:ext cx="4289778" cy="482600"/>
-          </a:xfrm>
-          <a:prstGeom prst="rect">
-            <a:avLst/>
-          </a:prstGeom>
-          <a:noFill/>
-          <a:ln>
-            <a:noFill/>
-          </a:ln>
-        </p:spPr>
-      </p:pic>
-      <p:pic>
-        <p:nvPicPr>
-          <p:cNvPr descr="u_i^T u_j = \delta_{ij}  " id="195" name="Google Shape;195;p21" title="MathEquation,#000000"/>
-          <p:cNvPicPr preferRelativeResize="0"/>
-          <p:nvPr/>
-        </p:nvPicPr>
-        <p:blipFill>
-          <a:blip r:embed="rId7">
-            <a:alphaModFix/>
-          </a:blip>
-          <a:stretch>
-            <a:fillRect/>
-          </a:stretch>
-        </p:blipFill>
-        <p:spPr>
-          <a:xfrm>
             <a:off x="3778227" y="3968000"/>
             <a:ext cx="1831416" cy="533400"/>
           </a:xfrm>
@@ -33080,7 +33534,7 @@
           <p:nvPr/>
         </p:nvPicPr>
         <p:blipFill>
-          <a:blip r:embed="rId8">
+          <a:blip r:embed="rId7">
             <a:alphaModFix/>
           </a:blip>
           <a:stretch>
@@ -33261,6 +33715,34 @@
           </a:p>
         </p:txBody>
       </p:sp>
+      <p:pic>
+        <p:nvPicPr>
+          <p:cNvPr descr="\text{e.g.  }\quad X^TX = A  \in {\rm I\!R}^{p\times p}&#10;" id="200" name="Google Shape;200;p21" title="MathEquation,#000000"/>
+          <p:cNvPicPr preferRelativeResize="0"/>
+          <p:nvPr/>
+        </p:nvPicPr>
+        <p:blipFill>
+          <a:blip r:embed="rId8">
+            <a:alphaModFix/>
+          </a:blip>
+          <a:stretch>
+            <a:fillRect/>
+          </a:stretch>
+        </p:blipFill>
+        <p:spPr>
+          <a:xfrm>
+            <a:off x="7869067" y="1075284"/>
+            <a:ext cx="3209524" cy="437300"/>
+          </a:xfrm>
+          <a:prstGeom prst="rect">
+            <a:avLst/>
+          </a:prstGeom>
+          <a:noFill/>
+          <a:ln>
+            <a:noFill/>
+          </a:ln>
+        </p:spPr>
+      </p:pic>
     </p:spTree>
   </p:cSld>
   <p:clrMapOvr>
@@ -33274,7 +33756,7 @@
   <p:cSld>
     <p:spTree>
       <p:nvGrpSpPr>
-        <p:cNvPr id="204" name="Shape 204"/>
+        <p:cNvPr id="205" name="Shape 205"/>
         <p:cNvGrpSpPr/>
         <p:nvPr/>
       </p:nvGrpSpPr>
@@ -33288,7 +33770,7 @@
       </p:grpSpPr>
       <p:sp>
         <p:nvSpPr>
-          <p:cNvPr id="205" name="Google Shape;205;p22"/>
+          <p:cNvPr id="206" name="Google Shape;206;p22"/>
           <p:cNvSpPr txBox="1"/>
           <p:nvPr>
             <p:ph type="title"/>
@@ -33332,7 +33814,7 @@
       </p:sp>
       <p:sp>
         <p:nvSpPr>
-          <p:cNvPr id="206" name="Google Shape;206;p22"/>
+          <p:cNvPr id="207" name="Google Shape;207;p22"/>
           <p:cNvSpPr txBox="1"/>
           <p:nvPr>
             <p:ph idx="12" type="sldNum"/>
@@ -33366,53 +33848,6 @@
               <a:rPr lang="en-US"/>
               <a:t>‹#›</a:t>
             </a:fld>
-            <a:endParaRPr/>
-          </a:p>
-        </p:txBody>
-      </p:sp>
-      <p:sp>
-        <p:nvSpPr>
-          <p:cNvPr id="207" name="Google Shape;207;p22"/>
-          <p:cNvSpPr txBox="1"/>
-          <p:nvPr>
-            <p:ph idx="1" type="body"/>
-          </p:nvPr>
-        </p:nvSpPr>
-        <p:spPr>
-          <a:xfrm>
-            <a:off x="710150" y="5346863"/>
-            <a:ext cx="10647600" cy="632700"/>
-          </a:xfrm>
-          <a:prstGeom prst="rect">
-            <a:avLst/>
-          </a:prstGeom>
-          <a:noFill/>
-          <a:ln>
-            <a:noFill/>
-          </a:ln>
-        </p:spPr>
-        <p:txBody>
-          <a:bodyPr anchorCtr="0" anchor="t" bIns="45700" lIns="91425" spcFirstLastPara="1" rIns="91425" wrap="square" tIns="45700">
-            <a:noAutofit/>
-          </a:bodyPr>
-          <a:lstStyle/>
-          <a:p>
-            <a:pPr indent="0" lvl="0" marL="0" marR="0" rtl="0" algn="l">
-              <a:lnSpc>
-                <a:spcPct val="100000"/>
-              </a:lnSpc>
-              <a:spcBef>
-                <a:spcPts val="480"/>
-              </a:spcBef>
-              <a:spcAft>
-                <a:spcPts val="0"/>
-              </a:spcAft>
-              <a:buNone/>
-            </a:pPr>
-            <a:r>
-              <a:rPr lang="en-US"/>
-              <a:t>Eigen-decomposition:</a:t>
-            </a:r>
             <a:endParaRPr/>
           </a:p>
         </p:txBody>
@@ -33427,6 +33862,53 @@
         </p:nvSpPr>
         <p:spPr>
           <a:xfrm>
+            <a:off x="710150" y="5346863"/>
+            <a:ext cx="10647600" cy="632700"/>
+          </a:xfrm>
+          <a:prstGeom prst="rect">
+            <a:avLst/>
+          </a:prstGeom>
+          <a:noFill/>
+          <a:ln>
+            <a:noFill/>
+          </a:ln>
+        </p:spPr>
+        <p:txBody>
+          <a:bodyPr anchorCtr="0" anchor="t" bIns="45700" lIns="91425" spcFirstLastPara="1" rIns="91425" wrap="square" tIns="45700">
+            <a:noAutofit/>
+          </a:bodyPr>
+          <a:lstStyle/>
+          <a:p>
+            <a:pPr indent="0" lvl="0" marL="0" marR="0" rtl="0" algn="l">
+              <a:lnSpc>
+                <a:spcPct val="100000"/>
+              </a:lnSpc>
+              <a:spcBef>
+                <a:spcPts val="480"/>
+              </a:spcBef>
+              <a:spcAft>
+                <a:spcPts val="0"/>
+              </a:spcAft>
+              <a:buNone/>
+            </a:pPr>
+            <a:r>
+              <a:rPr lang="en-US"/>
+              <a:t>Eigen-decomposition:</a:t>
+            </a:r>
+            <a:endParaRPr/>
+          </a:p>
+        </p:txBody>
+      </p:sp>
+      <p:sp>
+        <p:nvSpPr>
+          <p:cNvPr id="209" name="Google Shape;209;p22"/>
+          <p:cNvSpPr txBox="1"/>
+          <p:nvPr>
+            <p:ph idx="1" type="body"/>
+          </p:nvPr>
+        </p:nvSpPr>
+        <p:spPr>
+          <a:xfrm>
             <a:off x="681875" y="1463885"/>
             <a:ext cx="2706300" cy="632700"/>
           </a:xfrm>
@@ -33466,7 +33948,7 @@
       </p:sp>
       <p:pic>
         <p:nvPicPr>
-          <p:cNvPr descr="\Lambda  = &#10; \begin{pmatrix}&#10;  \lambda_1 &amp; 0 &amp; \cdots &amp; 0 \\&#10;  0 &amp; \lambda_2 &amp; \cdots &amp; 0 \\&#10;  \vdots  &amp; \vdots  &amp; \ddots &amp; \vdots  \\&#10;  0 &amp; 0 &amp; \cdots &amp; \lambda_p \\&#10; \end{pmatrix}" id="209" name="Google Shape;209;p22" title="MathEquation,#000000"/>
+          <p:cNvPr descr="\Lambda  = &#10; \begin{pmatrix}&#10;  \lambda_1 &amp; 0 &amp; \cdots &amp; 0 \\&#10;  0 &amp; \lambda_2 &amp; \cdots &amp; 0 \\&#10;  \vdots  &amp; \vdots  &amp; \ddots &amp; \vdots  \\&#10;  0 &amp; 0 &amp; \cdots &amp; \lambda_p \\&#10; \end{pmatrix}" id="210" name="Google Shape;210;p22" title="MathEquation,#000000"/>
           <p:cNvPicPr preferRelativeResize="0"/>
           <p:nvPr/>
         </p:nvPicPr>
@@ -33494,7 +33976,7 @@
       </p:pic>
       <p:sp>
         <p:nvSpPr>
-          <p:cNvPr id="210" name="Google Shape;210;p22"/>
+          <p:cNvPr id="211" name="Google Shape;211;p22"/>
           <p:cNvSpPr txBox="1"/>
           <p:nvPr>
             <p:ph idx="1" type="body"/>
@@ -33545,7 +34027,7 @@
       </p:sp>
       <p:pic>
         <p:nvPicPr>
-          <p:cNvPr descr="U  = &#10; \begin{pmatrix}&#10;  u_{11} &amp; u_{21} &amp; \cdots &amp; u_{p1} \\&#10;u_{12} &amp; u_{22} &amp; \cdots &amp; u_{p2} \\&#10;  \vdots  &amp; \vdots  &amp; \ddots &amp; \vdots  \\&#10; u_{1p} &amp; u_{2p} &amp; \cdots &amp; u_{pp} \\&#10; \end{pmatrix}" id="211" name="Google Shape;211;p22" title="MathEquation,#000000"/>
+          <p:cNvPr descr="U  = &#10; \begin{pmatrix}&#10;  u_{11} &amp; u_{21} &amp; \cdots &amp; u_{p1} \\&#10;u_{12} &amp; u_{22} &amp; \cdots &amp; u_{p2} \\&#10;  \vdots  &amp; \vdots  &amp; \ddots &amp; \vdots  \\&#10; u_{1p} &amp; u_{2p} &amp; \cdots &amp; u_{pp} \\&#10; \end{pmatrix}" id="212" name="Google Shape;212;p22" title="MathEquation,#000000"/>
           <p:cNvPicPr preferRelativeResize="0"/>
           <p:nvPr/>
         </p:nvPicPr>
@@ -33573,7 +34055,7 @@
       </p:pic>
       <p:pic>
         <p:nvPicPr>
-          <p:cNvPr descr="A = U \Lambda U^T" id="212" name="Google Shape;212;p22" title="MathEquation,#000000"/>
+          <p:cNvPr descr="A = U \Lambda U^T" id="213" name="Google Shape;213;p22" title="MathEquation,#000000"/>
           <p:cNvPicPr preferRelativeResize="0"/>
           <p:nvPr/>
         </p:nvPicPr>
@@ -33601,7 +34083,7 @@
       </p:pic>
       <p:pic>
         <p:nvPicPr>
-          <p:cNvPr descr="(U^{-1} = U^T)" id="213" name="Google Shape;213;p22" title="MathEquation,#000000"/>
+          <p:cNvPr descr="(U^{-1} = U^T)" id="214" name="Google Shape;214;p22" title="MathEquation,#000000"/>
           <p:cNvPicPr preferRelativeResize="0"/>
           <p:nvPr/>
         </p:nvPicPr>
@@ -33629,7 +34111,7 @@
       </p:pic>
       <p:pic>
         <p:nvPicPr>
-          <p:cNvPr descr="(U^T U = \mathbf{I})" id="214" name="Google Shape;214;p22" title="MathEquation,#000000"/>
+          <p:cNvPr descr="(U^T U = \mathbf{I})" id="215" name="Google Shape;215;p22" title="MathEquation,#000000"/>
           <p:cNvPicPr preferRelativeResize="0"/>
           <p:nvPr/>
         </p:nvPicPr>
@@ -33664,6 +34146,285 @@
 </file>
 
 <file path=ppt/theme/theme1.xml><?xml version="1.0" encoding="utf-8"?>
+<a:theme xmlns:a="http://schemas.openxmlformats.org/drawingml/2006/main" xmlns:r="http://schemas.openxmlformats.org/officeDocument/2006/relationships" name="Office Theme">
+  <a:themeElements>
+    <a:clrScheme name="Office">
+      <a:dk1>
+        <a:srgbClr val="000000"/>
+      </a:dk1>
+      <a:lt1>
+        <a:srgbClr val="FFFFFF"/>
+      </a:lt1>
+      <a:dk2>
+        <a:srgbClr val="44546A"/>
+      </a:dk2>
+      <a:lt2>
+        <a:srgbClr val="E7E6E6"/>
+      </a:lt2>
+      <a:accent1>
+        <a:srgbClr val="4472C4"/>
+      </a:accent1>
+      <a:accent2>
+        <a:srgbClr val="ED7D31"/>
+      </a:accent2>
+      <a:accent3>
+        <a:srgbClr val="A5A5A5"/>
+      </a:accent3>
+      <a:accent4>
+        <a:srgbClr val="FFC000"/>
+      </a:accent4>
+      <a:accent5>
+        <a:srgbClr val="5B9BD5"/>
+      </a:accent5>
+      <a:accent6>
+        <a:srgbClr val="70AD47"/>
+      </a:accent6>
+      <a:hlink>
+        <a:srgbClr val="0563C1"/>
+      </a:hlink>
+      <a:folHlink>
+        <a:srgbClr val="954F72"/>
+      </a:folHlink>
+    </a:clrScheme>
+    <a:fontScheme name="Office">
+      <a:majorFont>
+        <a:latin typeface="Arial"/>
+        <a:ea typeface=""/>
+        <a:cs typeface=""/>
+        <a:font script="Jpan" typeface="ＭＳ Ｐゴシック"/>
+        <a:font script="Hang" typeface="맑은 고딕"/>
+        <a:font script="Hans" typeface="宋体"/>
+        <a:font script="Hant" typeface="新細明體"/>
+        <a:font script="Arab" typeface="Times New Roman"/>
+        <a:font script="Hebr" typeface="Times New Roman"/>
+        <a:font script="Thai" typeface="Angsana New"/>
+        <a:font script="Ethi" typeface="Nyala"/>
+        <a:font script="Beng" typeface="Vrinda"/>
+        <a:font script="Gujr" typeface="Shruti"/>
+        <a:font script="Khmr" typeface="MoolBoran"/>
+        <a:font script="Knda" typeface="Tunga"/>
+        <a:font script="Guru" typeface="Raavi"/>
+        <a:font script="Cans" typeface="Euphemia"/>
+        <a:font script="Cher" typeface="Plantagenet Cherokee"/>
+        <a:font script="Yiii" typeface="Microsoft Yi Baiti"/>
+        <a:font script="Tibt" typeface="Microsoft Himalaya"/>
+        <a:font script="Thaa" typeface="MV Boli"/>
+        <a:font script="Deva" typeface="Mangal"/>
+        <a:font script="Telu" typeface="Gautami"/>
+        <a:font script="Taml" typeface="Latha"/>
+        <a:font script="Syrc" typeface="Estrangelo Edessa"/>
+        <a:font script="Orya" typeface="Kalinga"/>
+        <a:font script="Mlym" typeface="Kartika"/>
+        <a:font script="Laoo" typeface="DokChampa"/>
+        <a:font script="Sinh" typeface="Iskoola Pota"/>
+        <a:font script="Mong" typeface="Mongolian Baiti"/>
+        <a:font script="Viet" typeface="Times New Roman"/>
+        <a:font script="Uigh" typeface="Microsoft Uighur"/>
+        <a:font script="Geor" typeface="Sylfaen"/>
+      </a:majorFont>
+      <a:minorFont>
+        <a:latin typeface="Arial"/>
+        <a:ea typeface=""/>
+        <a:cs typeface=""/>
+        <a:font script="Jpan" typeface="ＭＳ Ｐゴシック"/>
+        <a:font script="Hang" typeface="맑은 고딕"/>
+        <a:font script="Hans" typeface="宋体"/>
+        <a:font script="Hant" typeface="新細明體"/>
+        <a:font script="Arab" typeface="Arial"/>
+        <a:font script="Hebr" typeface="Arial"/>
+        <a:font script="Thai" typeface="Cordia New"/>
+        <a:font script="Ethi" typeface="Nyala"/>
+        <a:font script="Beng" typeface="Vrinda"/>
+        <a:font script="Gujr" typeface="Shruti"/>
+        <a:font script="Khmr" typeface="DaunPenh"/>
+        <a:font script="Knda" typeface="Tunga"/>
+        <a:font script="Guru" typeface="Raavi"/>
+        <a:font script="Cans" typeface="Euphemia"/>
+        <a:font script="Cher" typeface="Plantagenet Cherokee"/>
+        <a:font script="Yiii" typeface="Microsoft Yi Baiti"/>
+        <a:font script="Tibt" typeface="Microsoft Himalaya"/>
+        <a:font script="Thaa" typeface="MV Boli"/>
+        <a:font script="Deva" typeface="Mangal"/>
+        <a:font script="Telu" typeface="Gautami"/>
+        <a:font script="Taml" typeface="Latha"/>
+        <a:font script="Syrc" typeface="Estrangelo Edessa"/>
+        <a:font script="Orya" typeface="Kalinga"/>
+        <a:font script="Mlym" typeface="Kartika"/>
+        <a:font script="Laoo" typeface="DokChampa"/>
+        <a:font script="Sinh" typeface="Iskoola Pota"/>
+        <a:font script="Mong" typeface="Mongolian Baiti"/>
+        <a:font script="Viet" typeface="Arial"/>
+        <a:font script="Uigh" typeface="Microsoft Uighur"/>
+        <a:font script="Geor" typeface="Sylfaen"/>
+      </a:minorFont>
+    </a:fontScheme>
+    <a:fmtScheme name="Office">
+      <a:fillStyleLst>
+        <a:solidFill>
+          <a:schemeClr val="phClr"/>
+        </a:solidFill>
+        <a:gradFill rotWithShape="1">
+          <a:gsLst>
+            <a:gs pos="0">
+              <a:schemeClr val="phClr">
+                <a:tint val="50000"/>
+                <a:satMod val="300000"/>
+              </a:schemeClr>
+            </a:gs>
+            <a:gs pos="35000">
+              <a:schemeClr val="phClr">
+                <a:tint val="37000"/>
+                <a:satMod val="300000"/>
+              </a:schemeClr>
+            </a:gs>
+            <a:gs pos="100000">
+              <a:schemeClr val="phClr">
+                <a:tint val="15000"/>
+                <a:satMod val="350000"/>
+              </a:schemeClr>
+            </a:gs>
+          </a:gsLst>
+          <a:lin ang="16200000" scaled="1"/>
+        </a:gradFill>
+        <a:gradFill rotWithShape="1">
+          <a:gsLst>
+            <a:gs pos="0">
+              <a:schemeClr val="phClr">
+                <a:tint val="100000"/>
+                <a:shade val="100000"/>
+                <a:satMod val="130000"/>
+              </a:schemeClr>
+            </a:gs>
+            <a:gs pos="100000">
+              <a:schemeClr val="phClr">
+                <a:tint val="50000"/>
+                <a:shade val="100000"/>
+                <a:satMod val="350000"/>
+              </a:schemeClr>
+            </a:gs>
+          </a:gsLst>
+          <a:lin ang="16200000" scaled="0"/>
+        </a:gradFill>
+      </a:fillStyleLst>
+      <a:lnStyleLst>
+        <a:ln w="9525" cap="flat" cmpd="sng" algn="ctr">
+          <a:solidFill>
+            <a:schemeClr val="phClr">
+              <a:shade val="95000"/>
+              <a:satMod val="105000"/>
+            </a:schemeClr>
+          </a:solidFill>
+          <a:prstDash val="solid"/>
+        </a:ln>
+        <a:ln w="25400" cap="flat" cmpd="sng" algn="ctr">
+          <a:solidFill>
+            <a:schemeClr val="phClr"/>
+          </a:solidFill>
+          <a:prstDash val="solid"/>
+        </a:ln>
+        <a:ln w="38100" cap="flat" cmpd="sng" algn="ctr">
+          <a:solidFill>
+            <a:schemeClr val="phClr"/>
+          </a:solidFill>
+          <a:prstDash val="solid"/>
+        </a:ln>
+      </a:lnStyleLst>
+      <a:effectStyleLst>
+        <a:effectStyle>
+          <a:effectLst>
+            <a:outerShdw blurRad="40000" dist="20000" dir="5400000" rotWithShape="0">
+              <a:srgbClr val="000000">
+                <a:alpha val="38000"/>
+              </a:srgbClr>
+            </a:outerShdw>
+          </a:effectLst>
+        </a:effectStyle>
+        <a:effectStyle>
+          <a:effectLst>
+            <a:outerShdw blurRad="40000" dist="23000" dir="5400000" rotWithShape="0">
+              <a:srgbClr val="000000">
+                <a:alpha val="35000"/>
+              </a:srgbClr>
+            </a:outerShdw>
+          </a:effectLst>
+        </a:effectStyle>
+        <a:effectStyle>
+          <a:effectLst>
+            <a:outerShdw blurRad="40000" dist="23000" dir="5400000" rotWithShape="0">
+              <a:srgbClr val="000000">
+                <a:alpha val="35000"/>
+              </a:srgbClr>
+            </a:outerShdw>
+          </a:effectLst>
+          <a:scene3d>
+            <a:camera prst="orthographicFront">
+              <a:rot lat="0" lon="0" rev="0"/>
+            </a:camera>
+            <a:lightRig rig="threePt" dir="t">
+              <a:rot lat="0" lon="0" rev="1200000"/>
+            </a:lightRig>
+          </a:scene3d>
+          <a:sp3d>
+            <a:bevelT w="63500" h="25400"/>
+          </a:sp3d>
+        </a:effectStyle>
+      </a:effectStyleLst>
+      <a:bgFillStyleLst>
+        <a:solidFill>
+          <a:schemeClr val="phClr"/>
+        </a:solidFill>
+        <a:gradFill rotWithShape="1">
+          <a:gsLst>
+            <a:gs pos="0">
+              <a:schemeClr val="phClr">
+                <a:tint val="40000"/>
+                <a:satMod val="350000"/>
+              </a:schemeClr>
+            </a:gs>
+            <a:gs pos="40000">
+              <a:schemeClr val="phClr">
+                <a:tint val="45000"/>
+                <a:shade val="99000"/>
+                <a:satMod val="350000"/>
+              </a:schemeClr>
+            </a:gs>
+            <a:gs pos="100000">
+              <a:schemeClr val="phClr">
+                <a:shade val="20000"/>
+                <a:satMod val="255000"/>
+              </a:schemeClr>
+            </a:gs>
+          </a:gsLst>
+          <a:path path="circle">
+            <a:fillToRect l="50000" t="-80000" r="50000" b="180000"/>
+          </a:path>
+        </a:gradFill>
+        <a:gradFill rotWithShape="1">
+          <a:gsLst>
+            <a:gs pos="0">
+              <a:schemeClr val="phClr">
+                <a:tint val="80000"/>
+                <a:satMod val="300000"/>
+              </a:schemeClr>
+            </a:gs>
+            <a:gs pos="100000">
+              <a:schemeClr val="phClr">
+                <a:shade val="30000"/>
+                <a:satMod val="200000"/>
+              </a:schemeClr>
+            </a:gs>
+          </a:gsLst>
+          <a:path path="circle">
+            <a:fillToRect l="50000" t="50000" r="50000" b="50000"/>
+          </a:path>
+        </a:gradFill>
+      </a:bgFillStyleLst>
+    </a:fmtScheme>
+  </a:themeElements>
+</a:theme>
+</file>
+
+<file path=ppt/theme/theme2.xml><?xml version="1.0" encoding="utf-8"?>
 <a:theme xmlns:a="http://schemas.openxmlformats.org/drawingml/2006/main" xmlns:r="http://schemas.openxmlformats.org/officeDocument/2006/relationships" name="GEC_template">
   <a:themeElements>
     <a:clrScheme name="Office">
@@ -33940,283 +34701,4 @@
     </a:fmtScheme>
   </a:themeElements>
 </a:theme>
-</file>
-
-<file path=ppt/theme/theme2.xml><?xml version="1.0" encoding="utf-8"?>
-<a:theme xmlns:a="http://schemas.openxmlformats.org/drawingml/2006/main" xmlns:r="http://schemas.openxmlformats.org/officeDocument/2006/relationships" name="Office Theme">
-  <a:themeElements>
-    <a:clrScheme name="Office">
-      <a:dk1>
-        <a:srgbClr val="000000"/>
-      </a:dk1>
-      <a:lt1>
-        <a:srgbClr val="FFFFFF"/>
-      </a:lt1>
-      <a:dk2>
-        <a:srgbClr val="44546A"/>
-      </a:dk2>
-      <a:lt2>
-        <a:srgbClr val="E7E6E6"/>
-      </a:lt2>
-      <a:accent1>
-        <a:srgbClr val="4472C4"/>
-      </a:accent1>
-      <a:accent2>
-        <a:srgbClr val="ED7D31"/>
-      </a:accent2>
-      <a:accent3>
-        <a:srgbClr val="A5A5A5"/>
-      </a:accent3>
-      <a:accent4>
-        <a:srgbClr val="FFC000"/>
-      </a:accent4>
-      <a:accent5>
-        <a:srgbClr val="5B9BD5"/>
-      </a:accent5>
-      <a:accent6>
-        <a:srgbClr val="70AD47"/>
-      </a:accent6>
-      <a:hlink>
-        <a:srgbClr val="0563C1"/>
-      </a:hlink>
-      <a:folHlink>
-        <a:srgbClr val="954F72"/>
-      </a:folHlink>
-    </a:clrScheme>
-    <a:fontScheme name="Office">
-      <a:majorFont>
-        <a:latin typeface="Arial"/>
-        <a:ea typeface=""/>
-        <a:cs typeface=""/>
-        <a:font script="Jpan" typeface="ＭＳ Ｐゴシック"/>
-        <a:font script="Hang" typeface="맑은 고딕"/>
-        <a:font script="Hans" typeface="宋体"/>
-        <a:font script="Hant" typeface="新細明體"/>
-        <a:font script="Arab" typeface="Times New Roman"/>
-        <a:font script="Hebr" typeface="Times New Roman"/>
-        <a:font script="Thai" typeface="Angsana New"/>
-        <a:font script="Ethi" typeface="Nyala"/>
-        <a:font script="Beng" typeface="Vrinda"/>
-        <a:font script="Gujr" typeface="Shruti"/>
-        <a:font script="Khmr" typeface="MoolBoran"/>
-        <a:font script="Knda" typeface="Tunga"/>
-        <a:font script="Guru" typeface="Raavi"/>
-        <a:font script="Cans" typeface="Euphemia"/>
-        <a:font script="Cher" typeface="Plantagenet Cherokee"/>
-        <a:font script="Yiii" typeface="Microsoft Yi Baiti"/>
-        <a:font script="Tibt" typeface="Microsoft Himalaya"/>
-        <a:font script="Thaa" typeface="MV Boli"/>
-        <a:font script="Deva" typeface="Mangal"/>
-        <a:font script="Telu" typeface="Gautami"/>
-        <a:font script="Taml" typeface="Latha"/>
-        <a:font script="Syrc" typeface="Estrangelo Edessa"/>
-        <a:font script="Orya" typeface="Kalinga"/>
-        <a:font script="Mlym" typeface="Kartika"/>
-        <a:font script="Laoo" typeface="DokChampa"/>
-        <a:font script="Sinh" typeface="Iskoola Pota"/>
-        <a:font script="Mong" typeface="Mongolian Baiti"/>
-        <a:font script="Viet" typeface="Times New Roman"/>
-        <a:font script="Uigh" typeface="Microsoft Uighur"/>
-        <a:font script="Geor" typeface="Sylfaen"/>
-      </a:majorFont>
-      <a:minorFont>
-        <a:latin typeface="Arial"/>
-        <a:ea typeface=""/>
-        <a:cs typeface=""/>
-        <a:font script="Jpan" typeface="ＭＳ Ｐゴシック"/>
-        <a:font script="Hang" typeface="맑은 고딕"/>
-        <a:font script="Hans" typeface="宋体"/>
-        <a:font script="Hant" typeface="新細明體"/>
-        <a:font script="Arab" typeface="Arial"/>
-        <a:font script="Hebr" typeface="Arial"/>
-        <a:font script="Thai" typeface="Cordia New"/>
-        <a:font script="Ethi" typeface="Nyala"/>
-        <a:font script="Beng" typeface="Vrinda"/>
-        <a:font script="Gujr" typeface="Shruti"/>
-        <a:font script="Khmr" typeface="DaunPenh"/>
-        <a:font script="Knda" typeface="Tunga"/>
-        <a:font script="Guru" typeface="Raavi"/>
-        <a:font script="Cans" typeface="Euphemia"/>
-        <a:font script="Cher" typeface="Plantagenet Cherokee"/>
-        <a:font script="Yiii" typeface="Microsoft Yi Baiti"/>
-        <a:font script="Tibt" typeface="Microsoft Himalaya"/>
-        <a:font script="Thaa" typeface="MV Boli"/>
-        <a:font script="Deva" typeface="Mangal"/>
-        <a:font script="Telu" typeface="Gautami"/>
-        <a:font script="Taml" typeface="Latha"/>
-        <a:font script="Syrc" typeface="Estrangelo Edessa"/>
-        <a:font script="Orya" typeface="Kalinga"/>
-        <a:font script="Mlym" typeface="Kartika"/>
-        <a:font script="Laoo" typeface="DokChampa"/>
-        <a:font script="Sinh" typeface="Iskoola Pota"/>
-        <a:font script="Mong" typeface="Mongolian Baiti"/>
-        <a:font script="Viet" typeface="Arial"/>
-        <a:font script="Uigh" typeface="Microsoft Uighur"/>
-        <a:font script="Geor" typeface="Sylfaen"/>
-      </a:minorFont>
-    </a:fontScheme>
-    <a:fmtScheme name="Office">
-      <a:fillStyleLst>
-        <a:solidFill>
-          <a:schemeClr val="phClr"/>
-        </a:solidFill>
-        <a:gradFill rotWithShape="1">
-          <a:gsLst>
-            <a:gs pos="0">
-              <a:schemeClr val="phClr">
-                <a:tint val="50000"/>
-                <a:satMod val="300000"/>
-              </a:schemeClr>
-            </a:gs>
-            <a:gs pos="35000">
-              <a:schemeClr val="phClr">
-                <a:tint val="37000"/>
-                <a:satMod val="300000"/>
-              </a:schemeClr>
-            </a:gs>
-            <a:gs pos="100000">
-              <a:schemeClr val="phClr">
-                <a:tint val="15000"/>
-                <a:satMod val="350000"/>
-              </a:schemeClr>
-            </a:gs>
-          </a:gsLst>
-          <a:lin ang="16200000" scaled="1"/>
-        </a:gradFill>
-        <a:gradFill rotWithShape="1">
-          <a:gsLst>
-            <a:gs pos="0">
-              <a:schemeClr val="phClr">
-                <a:tint val="100000"/>
-                <a:shade val="100000"/>
-                <a:satMod val="130000"/>
-              </a:schemeClr>
-            </a:gs>
-            <a:gs pos="100000">
-              <a:schemeClr val="phClr">
-                <a:tint val="50000"/>
-                <a:shade val="100000"/>
-                <a:satMod val="350000"/>
-              </a:schemeClr>
-            </a:gs>
-          </a:gsLst>
-          <a:lin ang="16200000" scaled="0"/>
-        </a:gradFill>
-      </a:fillStyleLst>
-      <a:lnStyleLst>
-        <a:ln w="9525" cap="flat" cmpd="sng" algn="ctr">
-          <a:solidFill>
-            <a:schemeClr val="phClr">
-              <a:shade val="95000"/>
-              <a:satMod val="105000"/>
-            </a:schemeClr>
-          </a:solidFill>
-          <a:prstDash val="solid"/>
-        </a:ln>
-        <a:ln w="25400" cap="flat" cmpd="sng" algn="ctr">
-          <a:solidFill>
-            <a:schemeClr val="phClr"/>
-          </a:solidFill>
-          <a:prstDash val="solid"/>
-        </a:ln>
-        <a:ln w="38100" cap="flat" cmpd="sng" algn="ctr">
-          <a:solidFill>
-            <a:schemeClr val="phClr"/>
-          </a:solidFill>
-          <a:prstDash val="solid"/>
-        </a:ln>
-      </a:lnStyleLst>
-      <a:effectStyleLst>
-        <a:effectStyle>
-          <a:effectLst>
-            <a:outerShdw blurRad="40000" dist="20000" dir="5400000" rotWithShape="0">
-              <a:srgbClr val="000000">
-                <a:alpha val="38000"/>
-              </a:srgbClr>
-            </a:outerShdw>
-          </a:effectLst>
-        </a:effectStyle>
-        <a:effectStyle>
-          <a:effectLst>
-            <a:outerShdw blurRad="40000" dist="23000" dir="5400000" rotWithShape="0">
-              <a:srgbClr val="000000">
-                <a:alpha val="35000"/>
-              </a:srgbClr>
-            </a:outerShdw>
-          </a:effectLst>
-        </a:effectStyle>
-        <a:effectStyle>
-          <a:effectLst>
-            <a:outerShdw blurRad="40000" dist="23000" dir="5400000" rotWithShape="0">
-              <a:srgbClr val="000000">
-                <a:alpha val="35000"/>
-              </a:srgbClr>
-            </a:outerShdw>
-          </a:effectLst>
-          <a:scene3d>
-            <a:camera prst="orthographicFront">
-              <a:rot lat="0" lon="0" rev="0"/>
-            </a:camera>
-            <a:lightRig rig="threePt" dir="t">
-              <a:rot lat="0" lon="0" rev="1200000"/>
-            </a:lightRig>
-          </a:scene3d>
-          <a:sp3d>
-            <a:bevelT w="63500" h="25400"/>
-          </a:sp3d>
-        </a:effectStyle>
-      </a:effectStyleLst>
-      <a:bgFillStyleLst>
-        <a:solidFill>
-          <a:schemeClr val="phClr"/>
-        </a:solidFill>
-        <a:gradFill rotWithShape="1">
-          <a:gsLst>
-            <a:gs pos="0">
-              <a:schemeClr val="phClr">
-                <a:tint val="40000"/>
-                <a:satMod val="350000"/>
-              </a:schemeClr>
-            </a:gs>
-            <a:gs pos="40000">
-              <a:schemeClr val="phClr">
-                <a:tint val="45000"/>
-                <a:shade val="99000"/>
-                <a:satMod val="350000"/>
-              </a:schemeClr>
-            </a:gs>
-            <a:gs pos="100000">
-              <a:schemeClr val="phClr">
-                <a:shade val="20000"/>
-                <a:satMod val="255000"/>
-              </a:schemeClr>
-            </a:gs>
-          </a:gsLst>
-          <a:path path="circle">
-            <a:fillToRect l="50000" t="-80000" r="50000" b="180000"/>
-          </a:path>
-        </a:gradFill>
-        <a:gradFill rotWithShape="1">
-          <a:gsLst>
-            <a:gs pos="0">
-              <a:schemeClr val="phClr">
-                <a:tint val="80000"/>
-                <a:satMod val="300000"/>
-              </a:schemeClr>
-            </a:gs>
-            <a:gs pos="100000">
-              <a:schemeClr val="phClr">
-                <a:shade val="30000"/>
-                <a:satMod val="200000"/>
-              </a:schemeClr>
-            </a:gs>
-          </a:gsLst>
-          <a:path path="circle">
-            <a:fillToRect l="50000" t="50000" r="50000" b="50000"/>
-          </a:path>
-        </a:gradFill>
-      </a:bgFillStyleLst>
-    </a:fmtScheme>
-  </a:themeElements>
-</a:theme>
 </file>